--- a/slajdovi/Sekvence-slajdovi.pptx
+++ b/slajdovi/Sekvence-slajdovi.pptx
@@ -169,7 +169,7 @@
   </p:defaultTextStyle>
   <p:extLst>
     <p:ext uri="{EFAFB233-063F-42B5-8137-9DF3F51BA10A}">
-      <p15:sldGuideLst xmlns="" xmlns:p15="http://schemas.microsoft.com/office/powerpoint/2012/main">
+      <p15:sldGuideLst xmlns:p15="http://schemas.microsoft.com/office/powerpoint/2012/main" xmlns="">
         <p15:guide id="1" orient="horz" pos="1620">
           <p15:clr>
             <a:srgbClr val="A4A3A4"/>
@@ -441,7 +441,7 @@
     </p:spTree>
     <p:extLst>
       <p:ext uri="{BB962C8B-B14F-4D97-AF65-F5344CB8AC3E}">
-        <p14:creationId xmlns="" xmlns:p14="http://schemas.microsoft.com/office/powerpoint/2010/main" val="2844300161"/>
+        <p14:creationId xmlns:p14="http://schemas.microsoft.com/office/powerpoint/2010/main" xmlns="" val="2844300161"/>
       </p:ext>
     </p:extLst>
   </p:cSld>
@@ -1074,7 +1074,7 @@
     </p:spTree>
     <p:extLst>
       <p:ext uri="{BB962C8B-B14F-4D97-AF65-F5344CB8AC3E}">
-        <p14:creationId xmlns="" xmlns:p14="http://schemas.microsoft.com/office/powerpoint/2010/main" val="3253875174"/>
+        <p14:creationId xmlns:p14="http://schemas.microsoft.com/office/powerpoint/2010/main" xmlns="" val="3253875174"/>
       </p:ext>
     </p:extLst>
   </p:cSld>
@@ -1328,7 +1328,7 @@
     </p:spTree>
     <p:extLst>
       <p:ext uri="{BB962C8B-B14F-4D97-AF65-F5344CB8AC3E}">
-        <p14:creationId xmlns="" xmlns:p14="http://schemas.microsoft.com/office/powerpoint/2010/main" val="477607843"/>
+        <p14:creationId xmlns:p14="http://schemas.microsoft.com/office/powerpoint/2010/main" xmlns="" val="477607843"/>
       </p:ext>
     </p:extLst>
   </p:cSld>
@@ -1498,7 +1498,7 @@
     </p:spTree>
     <p:extLst>
       <p:ext uri="{BB962C8B-B14F-4D97-AF65-F5344CB8AC3E}">
-        <p14:creationId xmlns="" xmlns:p14="http://schemas.microsoft.com/office/powerpoint/2010/main" val="3428665726"/>
+        <p14:creationId xmlns:p14="http://schemas.microsoft.com/office/powerpoint/2010/main" xmlns="" val="3428665726"/>
       </p:ext>
     </p:extLst>
   </p:cSld>
@@ -1680,7 +1680,7 @@
           <p:cNvPr id="7" name="Picture 6" descr="E:\websites\free-power-point-templates\2012\logos.png">
             <a:extLst>
               <a:ext uri="{FF2B5EF4-FFF2-40B4-BE49-F238E27FC236}">
-                <a16:creationId xmlns="" xmlns:a16="http://schemas.microsoft.com/office/drawing/2014/main" id="{08B89D22-1D6E-450B-881F-4D2A4C527F72}"/>
+                <a16:creationId xmlns:a16="http://schemas.microsoft.com/office/drawing/2014/main" xmlns="" id="{08B89D22-1D6E-450B-881F-4D2A4C527F72}"/>
               </a:ext>
             </a:extLst>
           </p:cNvPr>
@@ -1693,7 +1693,7 @@
           <a:blip r:embed="rId2" cstate="print">
             <a:extLst>
               <a:ext uri="{28A0092B-C50C-407E-A947-70E740481C1C}">
-                <a14:useLocalDpi xmlns="" xmlns:a14="http://schemas.microsoft.com/office/drawing/2010/main" val="0"/>
+                <a14:useLocalDpi xmlns:a14="http://schemas.microsoft.com/office/drawing/2010/main" xmlns="" val="0"/>
               </a:ext>
             </a:extLst>
           </a:blip>
@@ -1715,7 +1715,7 @@
           </a:ln>
           <a:extLst>
             <a:ext uri="{909E8E84-426E-40DD-AFC4-6F175D3DCCD1}">
-              <a14:hiddenFill xmlns="" xmlns:a14="http://schemas.microsoft.com/office/drawing/2010/main">
+              <a14:hiddenFill xmlns:a14="http://schemas.microsoft.com/office/drawing/2010/main" xmlns="">
                 <a:solidFill>
                   <a:srgbClr val="FFFFFF"/>
                 </a:solidFill>
@@ -1727,7 +1727,7 @@
     </p:spTree>
     <p:extLst>
       <p:ext uri="{BB962C8B-B14F-4D97-AF65-F5344CB8AC3E}">
-        <p14:creationId xmlns="" xmlns:p14="http://schemas.microsoft.com/office/powerpoint/2010/main" val="893609949"/>
+        <p14:creationId xmlns:p14="http://schemas.microsoft.com/office/powerpoint/2010/main" xmlns="" val="893609949"/>
       </p:ext>
     </p:extLst>
   </p:cSld>
@@ -1960,7 +1960,7 @@
     </p:spTree>
     <p:extLst>
       <p:ext uri="{BB962C8B-B14F-4D97-AF65-F5344CB8AC3E}">
-        <p14:creationId xmlns="" xmlns:p14="http://schemas.microsoft.com/office/powerpoint/2010/main" val="1664471362"/>
+        <p14:creationId xmlns:p14="http://schemas.microsoft.com/office/powerpoint/2010/main" xmlns="" val="1664471362"/>
       </p:ext>
     </p:extLst>
   </p:cSld>
@@ -2207,7 +2207,7 @@
     </p:spTree>
     <p:extLst>
       <p:ext uri="{BB962C8B-B14F-4D97-AF65-F5344CB8AC3E}">
-        <p14:creationId xmlns="" xmlns:p14="http://schemas.microsoft.com/office/powerpoint/2010/main" val="1629391393"/>
+        <p14:creationId xmlns:p14="http://schemas.microsoft.com/office/powerpoint/2010/main" xmlns="" val="1629391393"/>
       </p:ext>
     </p:extLst>
   </p:cSld>
@@ -2454,7 +2454,7 @@
     </p:spTree>
     <p:extLst>
       <p:ext uri="{BB962C8B-B14F-4D97-AF65-F5344CB8AC3E}">
-        <p14:creationId xmlns="" xmlns:p14="http://schemas.microsoft.com/office/powerpoint/2010/main" val="3863441575"/>
+        <p14:creationId xmlns:p14="http://schemas.microsoft.com/office/powerpoint/2010/main" xmlns="" val="3863441575"/>
       </p:ext>
     </p:extLst>
   </p:cSld>
@@ -2741,7 +2741,7 @@
     </p:spTree>
     <p:extLst>
       <p:ext uri="{BB962C8B-B14F-4D97-AF65-F5344CB8AC3E}">
-        <p14:creationId xmlns="" xmlns:p14="http://schemas.microsoft.com/office/powerpoint/2010/main" val="3556791830"/>
+        <p14:creationId xmlns:p14="http://schemas.microsoft.com/office/powerpoint/2010/main" xmlns="" val="3556791830"/>
       </p:ext>
     </p:extLst>
   </p:cSld>
@@ -3228,7 +3228,7 @@
     </p:spTree>
     <p:extLst>
       <p:ext uri="{BB962C8B-B14F-4D97-AF65-F5344CB8AC3E}">
-        <p14:creationId xmlns="" xmlns:p14="http://schemas.microsoft.com/office/powerpoint/2010/main" val="4122911988"/>
+        <p14:creationId xmlns:p14="http://schemas.microsoft.com/office/powerpoint/2010/main" xmlns="" val="4122911988"/>
       </p:ext>
     </p:extLst>
   </p:cSld>
@@ -3347,7 +3347,7 @@
     </p:spTree>
     <p:extLst>
       <p:ext uri="{BB962C8B-B14F-4D97-AF65-F5344CB8AC3E}">
-        <p14:creationId xmlns="" xmlns:p14="http://schemas.microsoft.com/office/powerpoint/2010/main" val="3029773110"/>
+        <p14:creationId xmlns:p14="http://schemas.microsoft.com/office/powerpoint/2010/main" xmlns="" val="3029773110"/>
       </p:ext>
     </p:extLst>
   </p:cSld>
@@ -3444,7 +3444,7 @@
     </p:spTree>
     <p:extLst>
       <p:ext uri="{BB962C8B-B14F-4D97-AF65-F5344CB8AC3E}">
-        <p14:creationId xmlns="" xmlns:p14="http://schemas.microsoft.com/office/powerpoint/2010/main" val="4251864075"/>
+        <p14:creationId xmlns:p14="http://schemas.microsoft.com/office/powerpoint/2010/main" xmlns="" val="4251864075"/>
       </p:ext>
     </p:extLst>
   </p:cSld>
@@ -3721,7 +3721,7 @@
     </p:spTree>
     <p:extLst>
       <p:ext uri="{BB962C8B-B14F-4D97-AF65-F5344CB8AC3E}">
-        <p14:creationId xmlns="" xmlns:p14="http://schemas.microsoft.com/office/powerpoint/2010/main" val="3174452648"/>
+        <p14:creationId xmlns:p14="http://schemas.microsoft.com/office/powerpoint/2010/main" xmlns="" val="3174452648"/>
       </p:ext>
     </p:extLst>
   </p:cSld>
@@ -3981,7 +3981,7 @@
           <p:cNvPr id="7" name="TextBox 6">
             <a:extLst>
               <a:ext uri="{FF2B5EF4-FFF2-40B4-BE49-F238E27FC236}">
-                <a16:creationId xmlns="" xmlns:a16="http://schemas.microsoft.com/office/drawing/2014/main" id="{11E867DF-3DCA-4725-94F0-F2B6BD747A82}"/>
+                <a16:creationId xmlns:a16="http://schemas.microsoft.com/office/drawing/2014/main" xmlns="" id="{11E867DF-3DCA-4725-94F0-F2B6BD747A82}"/>
               </a:ext>
             </a:extLst>
           </p:cNvPr>
@@ -4032,7 +4032,7 @@
     </p:spTree>
     <p:extLst>
       <p:ext uri="{BB962C8B-B14F-4D97-AF65-F5344CB8AC3E}">
-        <p14:creationId xmlns="" xmlns:p14="http://schemas.microsoft.com/office/powerpoint/2010/main" val="1944039382"/>
+        <p14:creationId xmlns:p14="http://schemas.microsoft.com/office/powerpoint/2010/main" xmlns="" val="1944039382"/>
       </p:ext>
     </p:extLst>
   </p:cSld>
@@ -4497,7 +4497,7 @@
     </p:spTree>
     <p:extLst>
       <p:ext uri="{BB962C8B-B14F-4D97-AF65-F5344CB8AC3E}">
-        <p14:creationId xmlns="" xmlns:p14="http://schemas.microsoft.com/office/powerpoint/2010/main" val="363920370"/>
+        <p14:creationId xmlns:p14="http://schemas.microsoft.com/office/powerpoint/2010/main" xmlns="" val="363920370"/>
       </p:ext>
     </p:extLst>
   </p:cSld>
@@ -8112,7 +8112,7 @@
     </p:spTree>
     <p:extLst>
       <p:ext uri="{BB962C8B-B14F-4D97-AF65-F5344CB8AC3E}">
-        <p14:creationId xmlns="" xmlns:p14="http://schemas.microsoft.com/office/powerpoint/2010/main" val="1101633878"/>
+        <p14:creationId xmlns:p14="http://schemas.microsoft.com/office/powerpoint/2010/main" xmlns="" val="1101633878"/>
       </p:ext>
     </p:extLst>
   </p:cSld>
@@ -8683,7 +8683,7 @@
     </p:spTree>
     <p:extLst>
       <p:ext uri="{BB962C8B-B14F-4D97-AF65-F5344CB8AC3E}">
-        <p14:creationId xmlns="" xmlns:p14="http://schemas.microsoft.com/office/powerpoint/2010/main" val="1101633878"/>
+        <p14:creationId xmlns:p14="http://schemas.microsoft.com/office/powerpoint/2010/main" xmlns="" val="1101633878"/>
       </p:ext>
     </p:extLst>
   </p:cSld>
@@ -11021,7 +11021,7 @@
     </p:spTree>
     <p:extLst>
       <p:ext uri="{BB962C8B-B14F-4D97-AF65-F5344CB8AC3E}">
-        <p14:creationId xmlns="" xmlns:p14="http://schemas.microsoft.com/office/powerpoint/2010/main" val="1101633878"/>
+        <p14:creationId xmlns:p14="http://schemas.microsoft.com/office/powerpoint/2010/main" xmlns="" val="1101633878"/>
       </p:ext>
     </p:extLst>
   </p:cSld>
@@ -11718,7 +11718,7 @@
     </p:spTree>
     <p:extLst>
       <p:ext uri="{BB962C8B-B14F-4D97-AF65-F5344CB8AC3E}">
-        <p14:creationId xmlns="" xmlns:p14="http://schemas.microsoft.com/office/powerpoint/2010/main" val="4103309497"/>
+        <p14:creationId xmlns:p14="http://schemas.microsoft.com/office/powerpoint/2010/main" xmlns="" val="4103309497"/>
       </p:ext>
     </p:extLst>
   </p:cSld>
@@ -13871,7 +13871,7 @@
     </p:spTree>
     <p:extLst>
       <p:ext uri="{BB962C8B-B14F-4D97-AF65-F5344CB8AC3E}">
-        <p14:creationId xmlns="" xmlns:p14="http://schemas.microsoft.com/office/powerpoint/2010/main" val="1101633878"/>
+        <p14:creationId xmlns:p14="http://schemas.microsoft.com/office/powerpoint/2010/main" xmlns="" val="1101633878"/>
       </p:ext>
     </p:extLst>
   </p:cSld>
@@ -14349,7 +14349,7 @@
     </p:spTree>
     <p:extLst>
       <p:ext uri="{BB962C8B-B14F-4D97-AF65-F5344CB8AC3E}">
-        <p14:creationId xmlns="" xmlns:p14="http://schemas.microsoft.com/office/powerpoint/2010/main" val="4103309497"/>
+        <p14:creationId xmlns:p14="http://schemas.microsoft.com/office/powerpoint/2010/main" xmlns="" val="4103309497"/>
       </p:ext>
     </p:extLst>
   </p:cSld>
@@ -15807,15 +15807,23 @@
             </a:r>
             <a:r>
               <a:rPr lang="en-US" sz="2000" smtClean="0"/>
-              <a:t>interakcije (pseudo</a:t>
-            </a:r>
-            <a:r>
-              <a:rPr lang="sr-Latn-RS" sz="2000" smtClean="0"/>
+              <a:t>interakcije (</a:t>
+            </a:r>
+            <a:r>
+              <a:rPr lang="en-US" sz="2000" b="1" smtClean="0"/>
+              <a:t>pseudo</a:t>
+            </a:r>
+            <a:r>
+              <a:rPr lang="sr-Latn-RS" sz="2000" b="1" smtClean="0"/>
               <a:t>č</a:t>
             </a:r>
             <a:r>
-              <a:rPr lang="en-US" sz="2000" smtClean="0"/>
-              <a:t>vorove)</a:t>
+              <a:rPr lang="en-US" sz="2000" b="1" smtClean="0"/>
+              <a:t>vorove</a:t>
+            </a:r>
+            <a:r>
+              <a:rPr lang="en-US" sz="2000" smtClean="0"/>
+              <a:t>)</a:t>
             </a:r>
             <a:endParaRPr lang="sr-Latn-RS" sz="2000" smtClean="0"/>
           </a:p>
@@ -16080,15 +16088,23 @@
             </a:r>
             <a:r>
               <a:rPr lang="en-US" sz="2000" smtClean="0"/>
-              <a:t> na dubokom u</a:t>
-            </a:r>
-            <a:r>
-              <a:rPr lang="sr-Latn-RS" sz="2000" smtClean="0"/>
+              <a:t> na </a:t>
+            </a:r>
+            <a:r>
+              <a:rPr lang="en-US" sz="2000" b="1" smtClean="0"/>
+              <a:t>dubokom u</a:t>
+            </a:r>
+            <a:r>
+              <a:rPr lang="sr-Latn-RS" sz="2000" b="1" smtClean="0"/>
               <a:t>č</a:t>
             </a:r>
             <a:r>
-              <a:rPr lang="en-US" sz="2000" smtClean="0"/>
-              <a:t>enju, koje je u stanju da</a:t>
+              <a:rPr lang="en-US" sz="2000" b="1" smtClean="0"/>
+              <a:t>enju</a:t>
+            </a:r>
+            <a:r>
+              <a:rPr lang="en-US" sz="2000" smtClean="0"/>
+              <a:t>, koje je u stanju da</a:t>
             </a:r>
             <a:r>
               <a:rPr lang="sr-Latn-RS" sz="2000" smtClean="0"/>
@@ -16419,7 +16435,7 @@
     </p:spTree>
     <p:extLst>
       <p:ext uri="{BB962C8B-B14F-4D97-AF65-F5344CB8AC3E}">
-        <p14:creationId xmlns="" xmlns:p14="http://schemas.microsoft.com/office/powerpoint/2010/main" val="1101633878"/>
+        <p14:creationId xmlns:p14="http://schemas.microsoft.com/office/powerpoint/2010/main" xmlns="" val="1101633878"/>
       </p:ext>
     </p:extLst>
   </p:cSld>
@@ -17076,7 +17092,7 @@
     </p:spTree>
     <p:extLst>
       <p:ext uri="{BB962C8B-B14F-4D97-AF65-F5344CB8AC3E}">
-        <p14:creationId xmlns="" xmlns:p14="http://schemas.microsoft.com/office/powerpoint/2010/main" val="4170783713"/>
+        <p14:creationId xmlns:p14="http://schemas.microsoft.com/office/powerpoint/2010/main" xmlns="" val="4170783713"/>
       </p:ext>
     </p:extLst>
   </p:cSld>
@@ -17566,7 +17582,15 @@
             </a:r>
             <a:r>
               <a:rPr lang="en-US" sz="2000" smtClean="0"/>
-              <a:t> je tipa Nusinov,</a:t>
+              <a:t> je tipa </a:t>
+            </a:r>
+            <a:r>
+              <a:rPr lang="en-US" sz="2000" b="1" smtClean="0"/>
+              <a:t>Nusinov</a:t>
+            </a:r>
+            <a:r>
+              <a:rPr lang="en-US" sz="2000" smtClean="0"/>
+              <a:t>,</a:t>
             </a:r>
             <a:r>
               <a:rPr lang="sr-Latn-RS" sz="2000" smtClean="0"/>
@@ -17953,7 +17977,15 @@
             </a:r>
             <a:r>
               <a:rPr lang="en-US" sz="2000" smtClean="0"/>
-              <a:t>ealizovana je i gramatika KH-99,</a:t>
+              <a:t>ealizovana je i gramatika </a:t>
+            </a:r>
+            <a:r>
+              <a:rPr lang="en-US" sz="2000" b="1" smtClean="0"/>
+              <a:t>KH-99</a:t>
+            </a:r>
+            <a:r>
+              <a:rPr lang="en-US" sz="2000" smtClean="0"/>
+              <a:t>,</a:t>
             </a:r>
             <a:r>
               <a:rPr lang="sr-Latn-RS" sz="2000" smtClean="0"/>
@@ -18191,7 +18223,15 @@
             </a:r>
             <a:r>
               <a:rPr lang="en-US" sz="2000" smtClean="0"/>
-              <a:t>aposletku je implementiran svojevrsni model kovarijacije, koji eksploati</a:t>
+              <a:t>aposletku je implementiran svojevrsni </a:t>
+            </a:r>
+            <a:r>
+              <a:rPr lang="en-US" sz="2000" b="1" smtClean="0"/>
+              <a:t>model kovarijacije</a:t>
+            </a:r>
+            <a:r>
+              <a:rPr lang="en-US" sz="2000" smtClean="0"/>
+              <a:t>, koji eksploati</a:t>
             </a:r>
             <a:r>
               <a:rPr lang="sr-Latn-RS" sz="2000" smtClean="0"/>
@@ -18655,15 +18695,23 @@
             </a:r>
             <a:r>
               <a:rPr lang="en-US" sz="2000" smtClean="0"/>
-              <a:t>kih mera uspe</a:t>
-            </a:r>
-            <a:r>
-              <a:rPr lang="sr-Latn-RS" sz="2000" smtClean="0"/>
+              <a:t>kih </a:t>
+            </a:r>
+            <a:r>
+              <a:rPr lang="en-US" sz="2000" b="1" smtClean="0"/>
+              <a:t>mera uspe</a:t>
+            </a:r>
+            <a:r>
+              <a:rPr lang="sr-Latn-RS" sz="2000" b="1" smtClean="0"/>
               <a:t>š</a:t>
             </a:r>
             <a:r>
-              <a:rPr lang="en-US" sz="2000" smtClean="0"/>
-              <a:t>nosti karakteristi</a:t>
+              <a:rPr lang="en-US" sz="2000" b="1" smtClean="0"/>
+              <a:t>nosti </a:t>
+            </a:r>
+            <a:r>
+              <a:rPr lang="en-US" sz="2000" smtClean="0"/>
+              <a:t>karakteristi</a:t>
             </a:r>
             <a:r>
               <a:rPr lang="sr-Latn-RS" sz="2000" smtClean="0"/>
@@ -18738,7 +18786,11 @@
             </a:r>
             <a:r>
               <a:rPr lang="en-US" sz="2000" smtClean="0"/>
-              <a:t>en kao problem pretraživanja informacija</a:t>
+              <a:t>en kao problem </a:t>
+            </a:r>
+            <a:r>
+              <a:rPr lang="en-US" sz="2000" b="1" smtClean="0"/>
+              <a:t>pretraživanja informacija</a:t>
             </a:r>
             <a:r>
               <a:rPr lang="sr-Latn-RS" sz="2000" smtClean="0"/>
@@ -19282,7 +19334,7 @@
     </p:spTree>
     <p:extLst>
       <p:ext uri="{BB962C8B-B14F-4D97-AF65-F5344CB8AC3E}">
-        <p14:creationId xmlns="" xmlns:p14="http://schemas.microsoft.com/office/powerpoint/2010/main" val="1101633878"/>
+        <p14:creationId xmlns:p14="http://schemas.microsoft.com/office/powerpoint/2010/main" xmlns="" val="1101633878"/>
       </p:ext>
     </p:extLst>
   </p:cSld>
@@ -19620,7 +19672,11 @@
           </a:bodyPr>
           <a:lstStyle/>
           <a:p>
-            <a:pPr algn="l"/>
+            <a:pPr algn="l">
+              <a:buBlip>
+                <a:blip r:embed="rId2"/>
+              </a:buBlip>
+            </a:pPr>
             <a:r>
               <a:rPr lang="en-US" sz="1900" smtClean="0"/>
               <a:t>Daphne Koller, Nir Friedman (2009) </a:t>
@@ -19644,7 +19700,11 @@
             <a:endParaRPr lang="sr-Latn-RS" sz="1900" smtClean="0"/>
           </a:p>
           <a:p>
-            <a:pPr algn="l"/>
+            <a:pPr algn="l">
+              <a:buBlip>
+                <a:blip r:embed="rId2"/>
+              </a:buBlip>
+            </a:pPr>
             <a:r>
               <a:rPr lang="en-US" sz="1900" smtClean="0"/>
               <a:t>R. Durbin, S. Eddy, A. Krogh, G. Mitchison (1998) Biological Sequence Analysis: Probabilistic Models of Proteins and Nucleic Acids. Cambridge University Press.</a:t>
@@ -19652,7 +19712,11 @@
             <a:endParaRPr lang="sr-Latn-RS" sz="1900" smtClean="0"/>
           </a:p>
           <a:p>
-            <a:pPr algn="l"/>
+            <a:pPr algn="l">
+              <a:buBlip>
+                <a:blip r:embed="rId2"/>
+              </a:buBlip>
+            </a:pPr>
             <a:r>
               <a:rPr lang="en-US" sz="1900" smtClean="0"/>
               <a:t>Zhao Q, Zhao Z, Fan X, Yuan Z, Mao Q, et al. (2021</a:t>
@@ -19676,7 +19740,11 @@
             <a:endParaRPr lang="sr-Latn-RS" sz="1900" smtClean="0"/>
           </a:p>
           <a:p>
-            <a:pPr algn="l"/>
+            <a:pPr algn="l">
+              <a:buBlip>
+                <a:blip r:embed="rId2"/>
+              </a:buBlip>
+            </a:pPr>
             <a:r>
               <a:rPr lang="en-US" sz="1900" smtClean="0"/>
               <a:t>Lazar Vasovi</a:t>
@@ -19716,56 +19784,6 @@
             <a:r>
               <a:rPr lang="sr-Latn-RS" sz="1900" smtClean="0"/>
               <a:t> repozitorijum</a:t>
-            </a:r>
-            <a:r>
-              <a:rPr lang="en-US" sz="1900" smtClean="0"/>
-              <a:t>: </a:t>
-            </a:r>
-            <a:r>
-              <a:rPr lang="en-US" sz="1900" smtClean="0">
-                <a:hlinkClick r:id="rId2"/>
-              </a:rPr>
-              <a:t>https://github.com/matfija/Sekundarna-struktura-tRNK</a:t>
-            </a:r>
-            <a:endParaRPr lang="sr-Latn-RS" sz="1900" smtClean="0"/>
-          </a:p>
-          <a:p>
-            <a:pPr algn="l"/>
-            <a:r>
-              <a:rPr lang="en-US" sz="1900" smtClean="0"/>
-              <a:t>Lazar Vasovi</a:t>
-            </a:r>
-            <a:r>
-              <a:rPr lang="sr-Latn-RS" sz="1900" smtClean="0"/>
-              <a:t>ć </a:t>
-            </a:r>
-            <a:r>
-              <a:rPr lang="en-US" sz="1900" smtClean="0"/>
-              <a:t>(202</a:t>
-            </a:r>
-            <a:r>
-              <a:rPr lang="sr-Latn-RS" sz="1900" smtClean="0"/>
-              <a:t>1</a:t>
-            </a:r>
-            <a:r>
-              <a:rPr lang="en-US" sz="1900" smtClean="0"/>
-              <a:t>) </a:t>
-            </a:r>
-            <a:r>
-              <a:rPr lang="en-US" sz="1900" i="1" smtClean="0"/>
-              <a:t>Skriveni Markovljevi modeli </a:t>
-            </a:r>
-            <a:r>
-              <a:rPr lang="sr-Latn-RS" sz="1900" i="1" smtClean="0"/>
-              <a:t>u bioinformatici</a:t>
-            </a:r>
-            <a:r>
-              <a:rPr lang="en-US" sz="1900" smtClean="0"/>
-              <a:t>. GitHub</a:t>
-            </a:r>
-            <a:r>
-              <a:rPr lang="sr-Latn-RS" sz="1900" smtClean="0"/>
-              <a:t> repozitorujum</a:t>
             </a:r>
             <a:r>
               <a:rPr lang="en-US" sz="1900" smtClean="0"/>
@@ -19775,42 +19793,100 @@
               <a:rPr lang="en-US" sz="1900" smtClean="0">
                 <a:hlinkClick r:id="rId3"/>
               </a:rPr>
+              <a:t>https://github.com/matfija/Sekundarna-struktura-tRNK</a:t>
+            </a:r>
+            <a:endParaRPr lang="sr-Latn-RS" sz="1900" smtClean="0"/>
+          </a:p>
+          <a:p>
+            <a:pPr algn="l">
+              <a:buBlip>
+                <a:blip r:embed="rId2"/>
+              </a:buBlip>
+            </a:pPr>
+            <a:r>
+              <a:rPr lang="en-US" sz="1900" smtClean="0"/>
+              <a:t>Lazar Vasovi</a:t>
+            </a:r>
+            <a:r>
+              <a:rPr lang="sr-Latn-RS" sz="1900" smtClean="0"/>
+              <a:t>ć </a:t>
+            </a:r>
+            <a:r>
+              <a:rPr lang="en-US" sz="1900" smtClean="0"/>
+              <a:t>(202</a:t>
+            </a:r>
+            <a:r>
+              <a:rPr lang="sr-Latn-RS" sz="1900" smtClean="0"/>
+              <a:t>1</a:t>
+            </a:r>
+            <a:r>
+              <a:rPr lang="en-US" sz="1900" smtClean="0"/>
+              <a:t>) </a:t>
+            </a:r>
+            <a:r>
+              <a:rPr lang="en-US" sz="1900" i="1" smtClean="0"/>
+              <a:t>Skriveni Markovljevi modeli </a:t>
+            </a:r>
+            <a:r>
+              <a:rPr lang="sr-Latn-RS" sz="1900" i="1" smtClean="0"/>
+              <a:t>u bioinformatici</a:t>
+            </a:r>
+            <a:r>
+              <a:rPr lang="en-US" sz="1900" smtClean="0"/>
+              <a:t>. GitHub</a:t>
+            </a:r>
+            <a:r>
+              <a:rPr lang="sr-Latn-RS" sz="1900" smtClean="0"/>
+              <a:t> repozitorujum</a:t>
+            </a:r>
+            <a:r>
+              <a:rPr lang="en-US" sz="1900" smtClean="0"/>
+              <a:t>: </a:t>
+            </a:r>
+            <a:r>
+              <a:rPr lang="en-US" sz="1900" smtClean="0">
+                <a:hlinkClick r:id="rId4"/>
+              </a:rPr>
               <a:t>https://github.com/matfija/</a:t>
             </a:r>
             <a:r>
               <a:rPr lang="sr-Latn-RS" sz="1900" smtClean="0">
-                <a:hlinkClick r:id="rId3"/>
+                <a:hlinkClick r:id="rId4"/>
               </a:rPr>
               <a:t>HMM</a:t>
             </a:r>
             <a:r>
               <a:rPr lang="en-US" sz="1900" smtClean="0">
-                <a:hlinkClick r:id="rId3"/>
+                <a:hlinkClick r:id="rId4"/>
               </a:rPr>
               <a:t>-</a:t>
             </a:r>
             <a:r>
               <a:rPr lang="sr-Latn-RS" sz="1900" smtClean="0">
-                <a:hlinkClick r:id="rId3"/>
+                <a:hlinkClick r:id="rId4"/>
               </a:rPr>
               <a:t>u</a:t>
             </a:r>
             <a:r>
               <a:rPr lang="en-US" sz="1900" smtClean="0">
-                <a:hlinkClick r:id="rId3"/>
+                <a:hlinkClick r:id="rId4"/>
               </a:rPr>
               <a:t>-</a:t>
             </a:r>
             <a:r>
               <a:rPr lang="sr-Latn-RS" sz="1900" smtClean="0">
-                <a:hlinkClick r:id="rId3"/>
+                <a:hlinkClick r:id="rId4"/>
               </a:rPr>
               <a:t>bioinformatici</a:t>
             </a:r>
             <a:endParaRPr lang="en-US" sz="1900" smtClean="0"/>
           </a:p>
           <a:p>
-            <a:pPr algn="l"/>
+            <a:pPr algn="l">
+              <a:buBlip>
+                <a:blip r:embed="rId2"/>
+              </a:buBlip>
+            </a:pPr>
             <a:r>
               <a:rPr lang="sr-Latn-RS" sz="1900" smtClean="0"/>
               <a:t>Mina Aleksandra Konaković (2014) </a:t>
@@ -19825,7 +19901,7 @@
             </a:r>
             <a:r>
               <a:rPr lang="en-US" sz="1900" smtClean="0">
-                <a:hlinkClick r:id="rId4"/>
+                <a:hlinkClick r:id="rId5"/>
               </a:rPr>
               <a:t>http://elibrary.matf.bg.ac.rs/handle/123456789/3857</a:t>
             </a:r>
@@ -21263,7 +21339,7 @@
   <a:extraClrSchemeLst/>
   <a:extLst>
     <a:ext uri="{05A4C25C-085E-4340-85A3-A5531E510DB2}">
-      <thm15:themeFamily xmlns="" xmlns:thm15="http://schemas.microsoft.com/office/thememl/2012/main" name="Office Theme" id="{62F939B6-93AF-4DB8-9C6B-D6C7DFDC589F}" vid="{4A3C46E8-61CC-4603-A589-7422A47A8E4A}"/>
+      <thm15:themeFamily xmlns:thm15="http://schemas.microsoft.com/office/thememl/2012/main" xmlns="" name="Office Theme" id="{62F939B6-93AF-4DB8-9C6B-D6C7DFDC589F}" vid="{4A3C46E8-61CC-4603-A589-7422A47A8E4A}"/>
     </a:ext>
   </a:extLst>
 </a:theme>

--- a/slajdovi/Sekvence-slajdovi.pptx
+++ b/slajdovi/Sekvence-slajdovi.pptx
@@ -169,7 +169,7 @@
   </p:defaultTextStyle>
   <p:extLst>
     <p:ext uri="{EFAFB233-063F-42B5-8137-9DF3F51BA10A}">
-      <p15:sldGuideLst xmlns:p15="http://schemas.microsoft.com/office/powerpoint/2012/main" xmlns="">
+      <p15:sldGuideLst xmlns="" xmlns:p15="http://schemas.microsoft.com/office/powerpoint/2012/main">
         <p15:guide id="1" orient="horz" pos="1620">
           <p15:clr>
             <a:srgbClr val="A4A3A4"/>
@@ -441,7 +441,7 @@
     </p:spTree>
     <p:extLst>
       <p:ext uri="{BB962C8B-B14F-4D97-AF65-F5344CB8AC3E}">
-        <p14:creationId xmlns:p14="http://schemas.microsoft.com/office/powerpoint/2010/main" xmlns="" val="2844300161"/>
+        <p14:creationId xmlns="" xmlns:p14="http://schemas.microsoft.com/office/powerpoint/2010/main" val="2844300161"/>
       </p:ext>
     </p:extLst>
   </p:cSld>
@@ -1074,7 +1074,7 @@
     </p:spTree>
     <p:extLst>
       <p:ext uri="{BB962C8B-B14F-4D97-AF65-F5344CB8AC3E}">
-        <p14:creationId xmlns:p14="http://schemas.microsoft.com/office/powerpoint/2010/main" xmlns="" val="3253875174"/>
+        <p14:creationId xmlns="" xmlns:p14="http://schemas.microsoft.com/office/powerpoint/2010/main" val="3253875174"/>
       </p:ext>
     </p:extLst>
   </p:cSld>
@@ -1328,7 +1328,7 @@
     </p:spTree>
     <p:extLst>
       <p:ext uri="{BB962C8B-B14F-4D97-AF65-F5344CB8AC3E}">
-        <p14:creationId xmlns:p14="http://schemas.microsoft.com/office/powerpoint/2010/main" xmlns="" val="477607843"/>
+        <p14:creationId xmlns="" xmlns:p14="http://schemas.microsoft.com/office/powerpoint/2010/main" val="477607843"/>
       </p:ext>
     </p:extLst>
   </p:cSld>
@@ -1498,7 +1498,7 @@
     </p:spTree>
     <p:extLst>
       <p:ext uri="{BB962C8B-B14F-4D97-AF65-F5344CB8AC3E}">
-        <p14:creationId xmlns:p14="http://schemas.microsoft.com/office/powerpoint/2010/main" xmlns="" val="3428665726"/>
+        <p14:creationId xmlns="" xmlns:p14="http://schemas.microsoft.com/office/powerpoint/2010/main" val="3428665726"/>
       </p:ext>
     </p:extLst>
   </p:cSld>
@@ -1680,7 +1680,7 @@
           <p:cNvPr id="7" name="Picture 6" descr="E:\websites\free-power-point-templates\2012\logos.png">
             <a:extLst>
               <a:ext uri="{FF2B5EF4-FFF2-40B4-BE49-F238E27FC236}">
-                <a16:creationId xmlns:a16="http://schemas.microsoft.com/office/drawing/2014/main" xmlns="" id="{08B89D22-1D6E-450B-881F-4D2A4C527F72}"/>
+                <a16:creationId xmlns="" xmlns:a16="http://schemas.microsoft.com/office/drawing/2014/main" id="{08B89D22-1D6E-450B-881F-4D2A4C527F72}"/>
               </a:ext>
             </a:extLst>
           </p:cNvPr>
@@ -1693,7 +1693,7 @@
           <a:blip r:embed="rId2" cstate="print">
             <a:extLst>
               <a:ext uri="{28A0092B-C50C-407E-A947-70E740481C1C}">
-                <a14:useLocalDpi xmlns:a14="http://schemas.microsoft.com/office/drawing/2010/main" xmlns="" val="0"/>
+                <a14:useLocalDpi xmlns="" xmlns:a14="http://schemas.microsoft.com/office/drawing/2010/main" val="0"/>
               </a:ext>
             </a:extLst>
           </a:blip>
@@ -1715,7 +1715,7 @@
           </a:ln>
           <a:extLst>
             <a:ext uri="{909E8E84-426E-40DD-AFC4-6F175D3DCCD1}">
-              <a14:hiddenFill xmlns:a14="http://schemas.microsoft.com/office/drawing/2010/main" xmlns="">
+              <a14:hiddenFill xmlns="" xmlns:a14="http://schemas.microsoft.com/office/drawing/2010/main">
                 <a:solidFill>
                   <a:srgbClr val="FFFFFF"/>
                 </a:solidFill>
@@ -1727,7 +1727,7 @@
     </p:spTree>
     <p:extLst>
       <p:ext uri="{BB962C8B-B14F-4D97-AF65-F5344CB8AC3E}">
-        <p14:creationId xmlns:p14="http://schemas.microsoft.com/office/powerpoint/2010/main" xmlns="" val="893609949"/>
+        <p14:creationId xmlns="" xmlns:p14="http://schemas.microsoft.com/office/powerpoint/2010/main" val="893609949"/>
       </p:ext>
     </p:extLst>
   </p:cSld>
@@ -1960,7 +1960,7 @@
     </p:spTree>
     <p:extLst>
       <p:ext uri="{BB962C8B-B14F-4D97-AF65-F5344CB8AC3E}">
-        <p14:creationId xmlns:p14="http://schemas.microsoft.com/office/powerpoint/2010/main" xmlns="" val="1664471362"/>
+        <p14:creationId xmlns="" xmlns:p14="http://schemas.microsoft.com/office/powerpoint/2010/main" val="1664471362"/>
       </p:ext>
     </p:extLst>
   </p:cSld>
@@ -2207,7 +2207,7 @@
     </p:spTree>
     <p:extLst>
       <p:ext uri="{BB962C8B-B14F-4D97-AF65-F5344CB8AC3E}">
-        <p14:creationId xmlns:p14="http://schemas.microsoft.com/office/powerpoint/2010/main" xmlns="" val="1629391393"/>
+        <p14:creationId xmlns="" xmlns:p14="http://schemas.microsoft.com/office/powerpoint/2010/main" val="1629391393"/>
       </p:ext>
     </p:extLst>
   </p:cSld>
@@ -2454,7 +2454,7 @@
     </p:spTree>
     <p:extLst>
       <p:ext uri="{BB962C8B-B14F-4D97-AF65-F5344CB8AC3E}">
-        <p14:creationId xmlns:p14="http://schemas.microsoft.com/office/powerpoint/2010/main" xmlns="" val="3863441575"/>
+        <p14:creationId xmlns="" xmlns:p14="http://schemas.microsoft.com/office/powerpoint/2010/main" val="3863441575"/>
       </p:ext>
     </p:extLst>
   </p:cSld>
@@ -2741,7 +2741,7 @@
     </p:spTree>
     <p:extLst>
       <p:ext uri="{BB962C8B-B14F-4D97-AF65-F5344CB8AC3E}">
-        <p14:creationId xmlns:p14="http://schemas.microsoft.com/office/powerpoint/2010/main" xmlns="" val="3556791830"/>
+        <p14:creationId xmlns="" xmlns:p14="http://schemas.microsoft.com/office/powerpoint/2010/main" val="3556791830"/>
       </p:ext>
     </p:extLst>
   </p:cSld>
@@ -3228,7 +3228,7 @@
     </p:spTree>
     <p:extLst>
       <p:ext uri="{BB962C8B-B14F-4D97-AF65-F5344CB8AC3E}">
-        <p14:creationId xmlns:p14="http://schemas.microsoft.com/office/powerpoint/2010/main" xmlns="" val="4122911988"/>
+        <p14:creationId xmlns="" xmlns:p14="http://schemas.microsoft.com/office/powerpoint/2010/main" val="4122911988"/>
       </p:ext>
     </p:extLst>
   </p:cSld>
@@ -3347,7 +3347,7 @@
     </p:spTree>
     <p:extLst>
       <p:ext uri="{BB962C8B-B14F-4D97-AF65-F5344CB8AC3E}">
-        <p14:creationId xmlns:p14="http://schemas.microsoft.com/office/powerpoint/2010/main" xmlns="" val="3029773110"/>
+        <p14:creationId xmlns="" xmlns:p14="http://schemas.microsoft.com/office/powerpoint/2010/main" val="3029773110"/>
       </p:ext>
     </p:extLst>
   </p:cSld>
@@ -3444,7 +3444,7 @@
     </p:spTree>
     <p:extLst>
       <p:ext uri="{BB962C8B-B14F-4D97-AF65-F5344CB8AC3E}">
-        <p14:creationId xmlns:p14="http://schemas.microsoft.com/office/powerpoint/2010/main" xmlns="" val="4251864075"/>
+        <p14:creationId xmlns="" xmlns:p14="http://schemas.microsoft.com/office/powerpoint/2010/main" val="4251864075"/>
       </p:ext>
     </p:extLst>
   </p:cSld>
@@ -3721,7 +3721,7 @@
     </p:spTree>
     <p:extLst>
       <p:ext uri="{BB962C8B-B14F-4D97-AF65-F5344CB8AC3E}">
-        <p14:creationId xmlns:p14="http://schemas.microsoft.com/office/powerpoint/2010/main" xmlns="" val="3174452648"/>
+        <p14:creationId xmlns="" xmlns:p14="http://schemas.microsoft.com/office/powerpoint/2010/main" val="3174452648"/>
       </p:ext>
     </p:extLst>
   </p:cSld>
@@ -3981,7 +3981,7 @@
           <p:cNvPr id="7" name="TextBox 6">
             <a:extLst>
               <a:ext uri="{FF2B5EF4-FFF2-40B4-BE49-F238E27FC236}">
-                <a16:creationId xmlns:a16="http://schemas.microsoft.com/office/drawing/2014/main" xmlns="" id="{11E867DF-3DCA-4725-94F0-F2B6BD747A82}"/>
+                <a16:creationId xmlns="" xmlns:a16="http://schemas.microsoft.com/office/drawing/2014/main" id="{11E867DF-3DCA-4725-94F0-F2B6BD747A82}"/>
               </a:ext>
             </a:extLst>
           </p:cNvPr>
@@ -4032,7 +4032,7 @@
     </p:spTree>
     <p:extLst>
       <p:ext uri="{BB962C8B-B14F-4D97-AF65-F5344CB8AC3E}">
-        <p14:creationId xmlns:p14="http://schemas.microsoft.com/office/powerpoint/2010/main" xmlns="" val="1944039382"/>
+        <p14:creationId xmlns="" xmlns:p14="http://schemas.microsoft.com/office/powerpoint/2010/main" val="1944039382"/>
       </p:ext>
     </p:extLst>
   </p:cSld>
@@ -4497,7 +4497,7 @@
     </p:spTree>
     <p:extLst>
       <p:ext uri="{BB962C8B-B14F-4D97-AF65-F5344CB8AC3E}">
-        <p14:creationId xmlns:p14="http://schemas.microsoft.com/office/powerpoint/2010/main" xmlns="" val="363920370"/>
+        <p14:creationId xmlns="" xmlns:p14="http://schemas.microsoft.com/office/powerpoint/2010/main" val="363920370"/>
       </p:ext>
     </p:extLst>
   </p:cSld>
@@ -4559,8 +4559,8 @@
         </p:nvSpPr>
         <p:spPr>
           <a:xfrm>
-            <a:off x="448965" y="1170432"/>
-            <a:ext cx="8484828" cy="3770941"/>
+            <a:off x="407401" y="1087305"/>
+            <a:ext cx="8484828" cy="3810277"/>
           </a:xfrm>
         </p:spPr>
         <p:txBody>
@@ -4579,12 +4579,12 @@
               <a:t>ve </a:t>
             </a:r>
             <a:r>
-              <a:rPr lang="sr-Latn-RS" sz="2000" smtClean="0"/>
-              <a:t>č</a:t>
-            </a:r>
-            <a:r>
-              <a:rPr lang="en-US" sz="2000" smtClean="0"/>
-              <a:t>etiri klase gramatika</a:t>
+              <a:rPr lang="en-US" sz="2000" smtClean="0"/>
+              <a:t>klase </a:t>
+            </a:r>
+            <a:r>
+              <a:rPr lang="en-US" sz="2000" smtClean="0"/>
+              <a:t>gramatika</a:t>
             </a:r>
             <a:r>
               <a:rPr lang="sr-Latn-RS" sz="2000" smtClean="0"/>
@@ -4600,7 +4600,15 @@
             </a:r>
             <a:r>
               <a:rPr lang="en-US" sz="2000" smtClean="0"/>
-              <a:t>ene prema restriktivnosti njihovih pravila izvo</a:t>
+              <a:t>ene prema restriktivnosti </a:t>
+            </a:r>
+            <a:r>
+              <a:rPr lang="en-US" sz="2000" smtClean="0"/>
+              <a:t>pravila </a:t>
+            </a:r>
+            <a:r>
+              <a:rPr lang="en-US" sz="2000" smtClean="0"/>
+              <a:t>izvo</a:t>
             </a:r>
             <a:r>
               <a:rPr lang="sr-Latn-RS" sz="2000" smtClean="0"/>
@@ -4617,6 +4625,42 @@
             <a:r>
               <a:rPr lang="en-US" sz="2000" smtClean="0"/>
               <a:t>u</a:t>
+            </a:r>
+            <a:endParaRPr lang="sr-Latn-RS" sz="2000" smtClean="0"/>
+          </a:p>
+          <a:p>
+            <a:pPr algn="l"/>
+            <a:r>
+              <a:rPr lang="en-US" sz="2000" smtClean="0"/>
+              <a:t>oznake</a:t>
+            </a:r>
+            <a:r>
+              <a:rPr lang="sr-Latn-RS" sz="2000" smtClean="0"/>
+              <a:t>: a (terminal), W (neterminal), </a:t>
+            </a:r>
+            <a:r>
+              <a:rPr lang="el-GR" sz="2000" smtClean="0"/>
+              <a:t>α</a:t>
+            </a:r>
+            <a:r>
+              <a:rPr lang="sr-Latn-RS" sz="2000" smtClean="0"/>
+              <a:t> i </a:t>
+            </a:r>
+            <a:r>
+              <a:rPr lang="el-GR" sz="2000" smtClean="0"/>
+              <a:t>γ</a:t>
+            </a:r>
+            <a:r>
+              <a:rPr lang="sr-Latn-RS" sz="2000" smtClean="0"/>
+              <a:t> (niz simbola), </a:t>
+            </a:r>
+            <a:r>
+              <a:rPr lang="el-GR" sz="2000" smtClean="0"/>
+              <a:t>β</a:t>
+            </a:r>
+            <a:r>
+              <a:rPr lang="sr-Latn-RS" sz="2000" smtClean="0"/>
+              <a:t> (neprazan niz)</a:t>
             </a:r>
             <a:endParaRPr lang="sr-Latn-RS" sz="2000" smtClean="0"/>
           </a:p>
@@ -8112,7 +8156,7 @@
     </p:spTree>
     <p:extLst>
       <p:ext uri="{BB962C8B-B14F-4D97-AF65-F5344CB8AC3E}">
-        <p14:creationId xmlns:p14="http://schemas.microsoft.com/office/powerpoint/2010/main" xmlns="" val="1101633878"/>
+        <p14:creationId xmlns="" xmlns:p14="http://schemas.microsoft.com/office/powerpoint/2010/main" val="1101633878"/>
       </p:ext>
     </p:extLst>
   </p:cSld>
@@ -8683,7 +8727,7 @@
     </p:spTree>
     <p:extLst>
       <p:ext uri="{BB962C8B-B14F-4D97-AF65-F5344CB8AC3E}">
-        <p14:creationId xmlns:p14="http://schemas.microsoft.com/office/powerpoint/2010/main" xmlns="" val="1101633878"/>
+        <p14:creationId xmlns="" xmlns:p14="http://schemas.microsoft.com/office/powerpoint/2010/main" val="1101633878"/>
       </p:ext>
     </p:extLst>
   </p:cSld>
@@ -11021,7 +11065,7 @@
     </p:spTree>
     <p:extLst>
       <p:ext uri="{BB962C8B-B14F-4D97-AF65-F5344CB8AC3E}">
-        <p14:creationId xmlns:p14="http://schemas.microsoft.com/office/powerpoint/2010/main" xmlns="" val="1101633878"/>
+        <p14:creationId xmlns="" xmlns:p14="http://schemas.microsoft.com/office/powerpoint/2010/main" val="1101633878"/>
       </p:ext>
     </p:extLst>
   </p:cSld>
@@ -11718,7 +11762,7 @@
     </p:spTree>
     <p:extLst>
       <p:ext uri="{BB962C8B-B14F-4D97-AF65-F5344CB8AC3E}">
-        <p14:creationId xmlns:p14="http://schemas.microsoft.com/office/powerpoint/2010/main" xmlns="" val="4103309497"/>
+        <p14:creationId xmlns="" xmlns:p14="http://schemas.microsoft.com/office/powerpoint/2010/main" val="4103309497"/>
       </p:ext>
     </p:extLst>
   </p:cSld>
@@ -13871,7 +13915,7 @@
     </p:spTree>
     <p:extLst>
       <p:ext uri="{BB962C8B-B14F-4D97-AF65-F5344CB8AC3E}">
-        <p14:creationId xmlns:p14="http://schemas.microsoft.com/office/powerpoint/2010/main" xmlns="" val="1101633878"/>
+        <p14:creationId xmlns="" xmlns:p14="http://schemas.microsoft.com/office/powerpoint/2010/main" val="1101633878"/>
       </p:ext>
     </p:extLst>
   </p:cSld>
@@ -14349,7 +14393,7 @@
     </p:spTree>
     <p:extLst>
       <p:ext uri="{BB962C8B-B14F-4D97-AF65-F5344CB8AC3E}">
-        <p14:creationId xmlns:p14="http://schemas.microsoft.com/office/powerpoint/2010/main" xmlns="" val="4103309497"/>
+        <p14:creationId xmlns="" xmlns:p14="http://schemas.microsoft.com/office/powerpoint/2010/main" val="4103309497"/>
       </p:ext>
     </p:extLst>
   </p:cSld>
@@ -16435,7 +16479,7 @@
     </p:spTree>
     <p:extLst>
       <p:ext uri="{BB962C8B-B14F-4D97-AF65-F5344CB8AC3E}">
-        <p14:creationId xmlns:p14="http://schemas.microsoft.com/office/powerpoint/2010/main" xmlns="" val="1101633878"/>
+        <p14:creationId xmlns="" xmlns:p14="http://schemas.microsoft.com/office/powerpoint/2010/main" val="1101633878"/>
       </p:ext>
     </p:extLst>
   </p:cSld>
@@ -17092,7 +17136,7 @@
     </p:spTree>
     <p:extLst>
       <p:ext uri="{BB962C8B-B14F-4D97-AF65-F5344CB8AC3E}">
-        <p14:creationId xmlns:p14="http://schemas.microsoft.com/office/powerpoint/2010/main" xmlns="" val="4170783713"/>
+        <p14:creationId xmlns="" xmlns:p14="http://schemas.microsoft.com/office/powerpoint/2010/main" val="4170783713"/>
       </p:ext>
     </p:extLst>
   </p:cSld>
@@ -19334,7 +19378,7 @@
     </p:spTree>
     <p:extLst>
       <p:ext uri="{BB962C8B-B14F-4D97-AF65-F5344CB8AC3E}">
-        <p14:creationId xmlns:p14="http://schemas.microsoft.com/office/powerpoint/2010/main" xmlns="" val="1101633878"/>
+        <p14:creationId xmlns="" xmlns:p14="http://schemas.microsoft.com/office/powerpoint/2010/main" val="1101633878"/>
       </p:ext>
     </p:extLst>
   </p:cSld>
@@ -21339,7 +21383,7 @@
   <a:extraClrSchemeLst/>
   <a:extLst>
     <a:ext uri="{05A4C25C-085E-4340-85A3-A5531E510DB2}">
-      <thm15:themeFamily xmlns:thm15="http://schemas.microsoft.com/office/thememl/2012/main" xmlns="" name="Office Theme" id="{62F939B6-93AF-4DB8-9C6B-D6C7DFDC589F}" vid="{4A3C46E8-61CC-4603-A589-7422A47A8E4A}"/>
+      <thm15:themeFamily xmlns="" xmlns:thm15="http://schemas.microsoft.com/office/thememl/2012/main" name="Office Theme" id="{62F939B6-93AF-4DB8-9C6B-D6C7DFDC589F}" vid="{4A3C46E8-61CC-4603-A589-7422A47A8E4A}"/>
     </a:ext>
   </a:extLst>
 </a:theme>

--- a/slajdovi/Sekvence-slajdovi.pptx
+++ b/slajdovi/Sekvence-slajdovi.pptx
@@ -5,7 +5,7 @@
     <p:sldMasterId id="2147483648" r:id="rId1"/>
   </p:sldMasterIdLst>
   <p:notesMasterIdLst>
-    <p:notesMasterId r:id="rId63"/>
+    <p:notesMasterId r:id="rId64"/>
   </p:notesMasterIdLst>
   <p:sldIdLst>
     <p:sldId id="256" r:id="rId2"/>
@@ -42,33 +42,34 @@
     <p:sldId id="288" r:id="rId33"/>
     <p:sldId id="289" r:id="rId34"/>
     <p:sldId id="290" r:id="rId35"/>
-    <p:sldId id="291" r:id="rId36"/>
-    <p:sldId id="292" r:id="rId37"/>
-    <p:sldId id="304" r:id="rId38"/>
-    <p:sldId id="306" r:id="rId39"/>
-    <p:sldId id="293" r:id="rId40"/>
-    <p:sldId id="314" r:id="rId41"/>
-    <p:sldId id="294" r:id="rId42"/>
+    <p:sldId id="319" r:id="rId36"/>
+    <p:sldId id="291" r:id="rId37"/>
+    <p:sldId id="292" r:id="rId38"/>
+    <p:sldId id="304" r:id="rId39"/>
+    <p:sldId id="306" r:id="rId40"/>
+    <p:sldId id="293" r:id="rId41"/>
+    <p:sldId id="314" r:id="rId42"/>
     <p:sldId id="295" r:id="rId43"/>
     <p:sldId id="305" r:id="rId44"/>
-    <p:sldId id="296" r:id="rId45"/>
-    <p:sldId id="307" r:id="rId46"/>
-    <p:sldId id="315" r:id="rId47"/>
-    <p:sldId id="297" r:id="rId48"/>
-    <p:sldId id="298" r:id="rId49"/>
-    <p:sldId id="301" r:id="rId50"/>
-    <p:sldId id="311" r:id="rId51"/>
-    <p:sldId id="299" r:id="rId52"/>
-    <p:sldId id="310" r:id="rId53"/>
-    <p:sldId id="308" r:id="rId54"/>
-    <p:sldId id="300" r:id="rId55"/>
-    <p:sldId id="309" r:id="rId56"/>
-    <p:sldId id="302" r:id="rId57"/>
-    <p:sldId id="316" r:id="rId58"/>
-    <p:sldId id="317" r:id="rId59"/>
-    <p:sldId id="318" r:id="rId60"/>
-    <p:sldId id="312" r:id="rId61"/>
-    <p:sldId id="313" r:id="rId62"/>
+    <p:sldId id="294" r:id="rId45"/>
+    <p:sldId id="296" r:id="rId46"/>
+    <p:sldId id="307" r:id="rId47"/>
+    <p:sldId id="315" r:id="rId48"/>
+    <p:sldId id="297" r:id="rId49"/>
+    <p:sldId id="298" r:id="rId50"/>
+    <p:sldId id="301" r:id="rId51"/>
+    <p:sldId id="311" r:id="rId52"/>
+    <p:sldId id="299" r:id="rId53"/>
+    <p:sldId id="310" r:id="rId54"/>
+    <p:sldId id="308" r:id="rId55"/>
+    <p:sldId id="300" r:id="rId56"/>
+    <p:sldId id="309" r:id="rId57"/>
+    <p:sldId id="302" r:id="rId58"/>
+    <p:sldId id="316" r:id="rId59"/>
+    <p:sldId id="317" r:id="rId60"/>
+    <p:sldId id="318" r:id="rId61"/>
+    <p:sldId id="312" r:id="rId62"/>
+    <p:sldId id="313" r:id="rId63"/>
   </p:sldIdLst>
   <p:sldSz cx="9144000" cy="5143500" type="screen16x9"/>
   <p:notesSz cx="6858000" cy="9144000"/>
@@ -273,7 +274,7 @@
             <a:fld id="{C8D18E60-4300-4729-A0D7-6AB984C3922D}" type="datetimeFigureOut">
               <a:rPr lang="en-US" smtClean="0"/>
               <a:pPr/>
-              <a:t>3/20/2022</a:t>
+              <a:t>3/21/2022</a:t>
             </a:fld>
             <a:endParaRPr lang="en-US"/>
           </a:p>
@@ -691,7 +692,7 @@
             <a:fld id="{AF533E96-F078-4B3D-A8F4-F1AF21EBC357}" type="slidenum">
               <a:rPr lang="en-US" smtClean="0"/>
               <a:pPr/>
-              <a:t>45</a:t>
+              <a:t>46</a:t>
             </a:fld>
             <a:endParaRPr lang="en-US"/>
           </a:p>
@@ -773,7 +774,7 @@
             <a:fld id="{AF533E96-F078-4B3D-A8F4-F1AF21EBC357}" type="slidenum">
               <a:rPr lang="en-US" smtClean="0"/>
               <a:pPr/>
-              <a:t>46</a:t>
+              <a:t>47</a:t>
             </a:fld>
             <a:endParaRPr lang="en-US"/>
           </a:p>
@@ -1022,7 +1023,7 @@
             <a:fld id="{39D1B387-0987-475E-A44C-8E43D1E66348}" type="datetime1">
               <a:rPr lang="en-US" smtClean="0"/>
               <a:pPr/>
-              <a:t>3/20/2022</a:t>
+              <a:t>3/21/2022</a:t>
             </a:fld>
             <a:endParaRPr lang="en-US"/>
           </a:p>
@@ -1276,7 +1277,7 @@
             <a:fld id="{9A8D2A00-EF96-4478-983D-C2757B115521}" type="datetime1">
               <a:rPr lang="en-US" smtClean="0"/>
               <a:pPr/>
-              <a:t>3/20/2022</a:t>
+              <a:t>3/21/2022</a:t>
             </a:fld>
             <a:endParaRPr lang="en-US"/>
           </a:p>
@@ -1446,7 +1447,7 @@
             <a:fld id="{9764A68B-C2FA-41FD-896E-33925593A6F4}" type="datetime1">
               <a:rPr lang="en-US" smtClean="0"/>
               <a:pPr/>
-              <a:t>3/20/2022</a:t>
+              <a:t>3/21/2022</a:t>
             </a:fld>
             <a:endParaRPr lang="en-US"/>
           </a:p>
@@ -1626,7 +1627,7 @@
             <a:fld id="{AACDA918-A5C9-40E0-9B4A-7C79FD61810A}" type="datetime1">
               <a:rPr lang="en-US" smtClean="0"/>
               <a:pPr/>
-              <a:t>3/20/2022</a:t>
+              <a:t>3/21/2022</a:t>
             </a:fld>
             <a:endParaRPr lang="en-US"/>
           </a:p>
@@ -1908,7 +1909,7 @@
             <a:fld id="{747D24E3-077D-4D69-AD42-B07808F68F61}" type="datetime1">
               <a:rPr lang="en-US" smtClean="0"/>
               <a:pPr/>
-              <a:t>3/20/2022</a:t>
+              <a:t>3/21/2022</a:t>
             </a:fld>
             <a:endParaRPr lang="en-US"/>
           </a:p>
@@ -2155,7 +2156,7 @@
             <a:fld id="{636083D5-B67A-4225-AAA2-6F01CF6D424C}" type="datetime1">
               <a:rPr lang="en-US" smtClean="0"/>
               <a:pPr/>
-              <a:t>3/20/2022</a:t>
+              <a:t>3/21/2022</a:t>
             </a:fld>
             <a:endParaRPr lang="en-US"/>
           </a:p>
@@ -2402,7 +2403,7 @@
             <a:fld id="{73928DCF-F7A2-4748-BB72-06999F11213D}" type="datetime1">
               <a:rPr lang="en-US" smtClean="0"/>
               <a:pPr/>
-              <a:t>3/20/2022</a:t>
+              <a:t>3/21/2022</a:t>
             </a:fld>
             <a:endParaRPr lang="en-US"/>
           </a:p>
@@ -2689,7 +2690,7 @@
             <a:fld id="{90205E56-E38D-46C9-A2E9-E671355C230D}" type="datetime1">
               <a:rPr lang="en-US" smtClean="0"/>
               <a:pPr/>
-              <a:t>3/20/2022</a:t>
+              <a:t>3/21/2022</a:t>
             </a:fld>
             <a:endParaRPr lang="en-US"/>
           </a:p>
@@ -3176,7 +3177,7 @@
             <a:fld id="{E0DA31E1-6E12-45B7-946E-E05012D25D75}" type="datetime1">
               <a:rPr lang="en-US" smtClean="0"/>
               <a:pPr/>
-              <a:t>3/20/2022</a:t>
+              <a:t>3/21/2022</a:t>
             </a:fld>
             <a:endParaRPr lang="en-US"/>
           </a:p>
@@ -3295,7 +3296,7 @@
             <a:fld id="{643C8838-C48B-4231-AB13-37B2479B4260}" type="datetime1">
               <a:rPr lang="en-US" smtClean="0"/>
               <a:pPr/>
-              <a:t>3/20/2022</a:t>
+              <a:t>3/21/2022</a:t>
             </a:fld>
             <a:endParaRPr lang="en-US"/>
           </a:p>
@@ -3392,7 +3393,7 @@
             <a:fld id="{CE7EA821-DE7D-4906-8738-B4CFB23A70B1}" type="datetime1">
               <a:rPr lang="en-US" smtClean="0"/>
               <a:pPr/>
-              <a:t>3/20/2022</a:t>
+              <a:t>3/21/2022</a:t>
             </a:fld>
             <a:endParaRPr lang="en-US"/>
           </a:p>
@@ -3669,7 +3670,7 @@
             <a:fld id="{619AD8AE-A05F-4713-8B44-D300FDAF5512}" type="datetime1">
               <a:rPr lang="en-US" smtClean="0"/>
               <a:pPr/>
-              <a:t>3/20/2022</a:t>
+              <a:t>3/21/2022</a:t>
             </a:fld>
             <a:endParaRPr lang="en-US"/>
           </a:p>
@@ -3891,7 +3892,7 @@
             <a:fld id="{96424311-E45F-4887-85C2-7D10BAB3B54C}" type="datetime1">
               <a:rPr lang="en-US" smtClean="0"/>
               <a:pPr/>
-              <a:t>3/20/2022</a:t>
+              <a:t>3/21/2022</a:t>
             </a:fld>
             <a:endParaRPr lang="en-US"/>
           </a:p>
@@ -4576,15 +4577,7 @@
             </a:r>
             <a:r>
               <a:rPr lang="en-US" sz="2000" smtClean="0"/>
-              <a:t>ve </a:t>
-            </a:r>
-            <a:r>
-              <a:rPr lang="en-US" sz="2000" smtClean="0"/>
-              <a:t>klase </a:t>
-            </a:r>
-            <a:r>
-              <a:rPr lang="en-US" sz="2000" smtClean="0"/>
-              <a:t>gramatika</a:t>
+              <a:t>ve klase gramatika</a:t>
             </a:r>
             <a:r>
               <a:rPr lang="sr-Latn-RS" sz="2000" smtClean="0"/>
@@ -4600,15 +4593,7 @@
             </a:r>
             <a:r>
               <a:rPr lang="en-US" sz="2000" smtClean="0"/>
-              <a:t>ene prema restriktivnosti </a:t>
-            </a:r>
-            <a:r>
-              <a:rPr lang="en-US" sz="2000" smtClean="0"/>
-              <a:t>pravila </a:t>
-            </a:r>
-            <a:r>
-              <a:rPr lang="en-US" sz="2000" smtClean="0"/>
-              <a:t>izvo</a:t>
+              <a:t>ene prema restriktivnosti pravila izvo</a:t>
             </a:r>
             <a:r>
               <a:rPr lang="sr-Latn-RS" sz="2000" smtClean="0"/>
@@ -4662,7 +4647,6 @@
               <a:rPr lang="sr-Latn-RS" sz="2000" smtClean="0"/>
               <a:t> (neprazan niz)</a:t>
             </a:r>
-            <a:endParaRPr lang="sr-Latn-RS" sz="2000" smtClean="0"/>
           </a:p>
           <a:p>
             <a:pPr algn="l"/>
@@ -11380,24 +11364,20 @@
         </p:nvSpPr>
         <p:spPr>
           <a:xfrm>
-            <a:off x="448966" y="1170432"/>
-            <a:ext cx="8246070" cy="3770941"/>
+            <a:off x="311728" y="1149650"/>
+            <a:ext cx="4308764" cy="3879550"/>
           </a:xfrm>
         </p:spPr>
         <p:txBody>
           <a:bodyPr>
-            <a:normAutofit/>
+            <a:normAutofit lnSpcReduction="10000"/>
           </a:bodyPr>
           <a:lstStyle/>
           <a:p>
             <a:pPr algn="l"/>
             <a:r>
-              <a:rPr lang="sr-Latn-RS" sz="2000" smtClean="0"/>
-              <a:t>k</a:t>
-            </a:r>
-            <a:r>
-              <a:rPr lang="en-US" sz="2000" smtClean="0"/>
-              <a:t>od kontekstno-slobodnih gramatika, izvo</a:t>
+              <a:rPr lang="en-US" sz="2000" smtClean="0"/>
+              <a:t>izvo</a:t>
             </a:r>
             <a:r>
               <a:rPr lang="sr-Latn-RS" sz="2000" smtClean="0"/>
@@ -11445,7 +11425,7 @@
             </a:r>
             <a:r>
               <a:rPr lang="en-US" sz="2000" smtClean="0"/>
-              <a:t>vorovima, a terminalni simboli (elementi sekvence) listovima stabla</a:t>
+              <a:t>vorovima, a terminalni simboli (elementi sekvence) listovima</a:t>
             </a:r>
             <a:r>
               <a:rPr lang="sr-Latn-RS" sz="2000" smtClean="0"/>
@@ -11453,7 +11433,7 @@
             </a:r>
             <a:r>
               <a:rPr lang="en-US" sz="2000" smtClean="0"/>
-              <a:t> grane izme</a:t>
+              <a:t> su grane izme</a:t>
             </a:r>
             <a:r>
               <a:rPr lang="sr-Latn-RS" sz="2000" smtClean="0"/>
@@ -11469,7 +11449,7 @@
             </a:r>
             <a:r>
               <a:rPr lang="en-US" sz="2000" smtClean="0"/>
-              <a:t>vorova odgovaraju pravilima izvo</a:t>
+              <a:t>vorova primenjena pravila izvo</a:t>
             </a:r>
             <a:r>
               <a:rPr lang="sr-Latn-RS" sz="2000" smtClean="0"/>
@@ -11478,6 +11458,17 @@
             <a:r>
               <a:rPr lang="en-US" sz="2000" smtClean="0"/>
               <a:t>enja</a:t>
+            </a:r>
+          </a:p>
+          <a:p>
+            <a:pPr algn="l"/>
+            <a:r>
+              <a:rPr lang="en-US" sz="2000" smtClean="0"/>
+              <a:t>u</a:t>
+            </a:r>
+            <a:r>
+              <a:rPr lang="sr-Latn-RS" sz="2000" smtClean="0"/>
+              <a:t> stohastičkoj verziji gramatika, verovatnoća stabla dobija se množenjem verovatnoća primenjenih pravila izvođenja</a:t>
             </a:r>
             <a:endParaRPr lang="en-US" sz="2000"/>
           </a:p>
@@ -11523,8 +11514,8 @@
         </p:blipFill>
         <p:spPr>
           <a:xfrm>
-            <a:off x="1082565" y="2743200"/>
-            <a:ext cx="7267248" cy="2263665"/>
+            <a:off x="4468091" y="1166598"/>
+            <a:ext cx="4521588" cy="3640930"/>
           </a:xfrm>
           <a:prstGeom prst="rect">
             <a:avLst/>
@@ -11989,7 +11980,15 @@
             </a:r>
             <a:r>
               <a:rPr lang="en-US" sz="2000" smtClean="0"/>
-              <a:t>vaka kontekstno-slobodna gramatika se može transformisati u normalnu formu zamenom pojedina</a:t>
+              <a:t>vaka kontekstno-slobodna gramatika se može transformisati u normalnu formu</a:t>
+            </a:r>
+            <a:r>
+              <a:rPr lang="sr-Latn-RS" sz="2000" smtClean="0"/>
+              <a:t> binarizacijom, tj.</a:t>
+            </a:r>
+            <a:r>
+              <a:rPr lang="en-US" sz="2000" smtClean="0"/>
+              <a:t> zamenom pojedina</a:t>
             </a:r>
             <a:r>
               <a:rPr lang="sr-Latn-RS" sz="2000" smtClean="0"/>
@@ -12442,15 +12441,7 @@
             </a:r>
             <a:r>
               <a:rPr lang="en-US" sz="2000" smtClean="0"/>
-              <a:t>unava verovatno</a:t>
-            </a:r>
-            <a:r>
-              <a:rPr lang="sr-Latn-RS" sz="2000" smtClean="0"/>
-              <a:t>ć</a:t>
-            </a:r>
-            <a:r>
-              <a:rPr lang="en-US" sz="2000" smtClean="0"/>
-              <a:t>u </a:t>
+              <a:t>unava </a:t>
             </a:r>
             <a:r>
               <a:rPr lang="el-GR" sz="2000" i="1" smtClean="0">
@@ -12467,8 +12458,20 @@
               <a:t>i, j, v) </a:t>
             </a:r>
             <a:r>
-              <a:rPr lang="en-US" sz="2000" smtClean="0"/>
-              <a:t>stabla parsiranja za podsekvencu x</a:t>
+              <a:rPr lang="sr-Latn-RS" sz="2000" smtClean="0"/>
+              <a:t>kao zbirnu verovatnoću sbih s</a:t>
+            </a:r>
+            <a:r>
+              <a:rPr lang="en-US" sz="2000" smtClean="0"/>
+              <a:t>tab</a:t>
+            </a:r>
+            <a:r>
+              <a:rPr lang="sr-Latn-RS" sz="2000" smtClean="0"/>
+              <a:t>a</a:t>
+            </a:r>
+            <a:r>
+              <a:rPr lang="en-US" sz="2000" smtClean="0"/>
+              <a:t>la parsiranja za podsekvencu x</a:t>
             </a:r>
             <a:r>
               <a:rPr lang="en-US" sz="2000" baseline="-25000" smtClean="0"/>
@@ -12535,11 +12538,35 @@
             </a:r>
             <a:r>
               <a:rPr lang="en-US" sz="2000" smtClean="0"/>
-              <a:t>a stabla parsiranja za kompletnu sekvencu</a:t>
-            </a:r>
-            <a:r>
-              <a:rPr lang="sr-Latn-RS" sz="2000" smtClean="0"/>
-              <a:t> x</a:t>
+              <a:t>a </a:t>
+            </a:r>
+            <a:r>
+              <a:rPr lang="sr-Latn-RS" sz="2000" smtClean="0"/>
+              <a:t>izvođenja </a:t>
+            </a:r>
+            <a:r>
+              <a:rPr lang="en-US" sz="2000" smtClean="0"/>
+              <a:t>kompletn</a:t>
+            </a:r>
+            <a:r>
+              <a:rPr lang="sr-Latn-RS" sz="2000" smtClean="0"/>
+              <a:t>e</a:t>
+            </a:r>
+            <a:r>
+              <a:rPr lang="en-US" sz="2000" smtClean="0"/>
+              <a:t> sekvenc</a:t>
+            </a:r>
+            <a:r>
+              <a:rPr lang="sr-Latn-RS" sz="2000" smtClean="0"/>
+              <a:t>e x, tj. </a:t>
+            </a:r>
+            <a:r>
+              <a:rPr lang="en-US" sz="2000" smtClean="0"/>
+              <a:t>svih</a:t>
+            </a:r>
+            <a:r>
+              <a:rPr lang="sr-Latn-RS" sz="2000" smtClean="0"/>
+              <a:t> stabala</a:t>
             </a:r>
             <a:r>
               <a:rPr lang="en-US" sz="2000" smtClean="0"/>
@@ -12751,8 +12778,8 @@
         </p:nvSpPr>
         <p:spPr>
           <a:xfrm>
-            <a:off x="448966" y="1091381"/>
-            <a:ext cx="8463806" cy="3770941"/>
+            <a:off x="455893" y="1340763"/>
+            <a:ext cx="8463806" cy="3037274"/>
           </a:xfrm>
         </p:spPr>
         <p:txBody>
@@ -12844,22 +12871,7 @@
             </a:r>
             <a:r>
               <a:rPr lang="en-US" sz="2000" smtClean="0"/>
-              <a:t>unava verovatno</a:t>
-            </a:r>
-            <a:r>
-              <a:rPr lang="sr-Latn-RS" sz="2000" smtClean="0"/>
-              <a:t>ć</a:t>
-            </a:r>
-            <a:r>
-              <a:rPr lang="en-US" sz="2000" smtClean="0"/>
-              <a:t>u</a:t>
-            </a:r>
-            <a:r>
-              <a:rPr lang="en-US" sz="2000" i="1" smtClean="0">
-                <a:latin typeface="Times New Roman" pitchFamily="18" charset="0"/>
-                <a:cs typeface="Times New Roman" pitchFamily="18" charset="0"/>
-              </a:rPr>
-              <a:t> </a:t>
+              <a:t>unava </a:t>
             </a:r>
             <a:r>
               <a:rPr lang="el-GR" sz="2000" i="1" smtClean="0">
@@ -12877,15 +12889,59 @@
             </a:r>
             <a:r>
               <a:rPr lang="en-US" sz="2000" smtClean="0"/>
-              <a:t> stabla parsiranja za sekvencu x sa korenom u W</a:t>
+              <a:t> </a:t>
+            </a:r>
+            <a:r>
+              <a:rPr lang="sr-Latn-RS" sz="2000" smtClean="0"/>
+              <a:t>kao zbirnu </a:t>
+            </a:r>
+            <a:r>
+              <a:rPr lang="en-US" sz="2000" smtClean="0"/>
+              <a:t>verovatno</a:t>
+            </a:r>
+            <a:r>
+              <a:rPr lang="sr-Latn-RS" sz="2000" smtClean="0"/>
+              <a:t>ć</a:t>
+            </a:r>
+            <a:r>
+              <a:rPr lang="en-US" sz="2000" smtClean="0"/>
+              <a:t>u </a:t>
+            </a:r>
+            <a:r>
+              <a:rPr lang="sr-Latn-RS" sz="2000" smtClean="0"/>
+              <a:t>svih </a:t>
+            </a:r>
+            <a:r>
+              <a:rPr lang="en-US" sz="2000" smtClean="0"/>
+              <a:t>stab</a:t>
+            </a:r>
+            <a:r>
+              <a:rPr lang="sr-Latn-RS" sz="2000" smtClean="0"/>
+              <a:t>a</a:t>
+            </a:r>
+            <a:r>
+              <a:rPr lang="en-US" sz="2000" smtClean="0"/>
+              <a:t>la parsiranja sekvenc</a:t>
+            </a:r>
+            <a:r>
+              <a:rPr lang="sr-Latn-RS" sz="2000" smtClean="0"/>
+              <a:t>e</a:t>
+            </a:r>
+            <a:r>
+              <a:rPr lang="en-US" sz="2000" smtClean="0"/>
+              <a:t> x sa korenom u W</a:t>
             </a:r>
             <a:r>
               <a:rPr lang="sr-Latn-RS" sz="2000" baseline="-25000" smtClean="0"/>
               <a:t>1</a:t>
             </a:r>
             <a:r>
-              <a:rPr lang="en-US" sz="2000" smtClean="0"/>
-              <a:t> isklju</a:t>
+              <a:rPr lang="sr-Latn-RS" sz="2000" smtClean="0"/>
+              <a:t>, </a:t>
+            </a:r>
+            <a:r>
+              <a:rPr lang="en-US" sz="2000" smtClean="0"/>
+              <a:t>isklju</a:t>
             </a:r>
             <a:r>
               <a:rPr lang="sr-Latn-RS" sz="2000" smtClean="0"/>
@@ -12901,7 +12957,7 @@
             </a:r>
             <a:r>
               <a:rPr lang="en-US" sz="2000" smtClean="0"/>
-              <a:t>i sva podstabla sa korenom u W</a:t>
+              <a:t>i podstabla sa korenom u W</a:t>
             </a:r>
             <a:r>
               <a:rPr lang="en-US" sz="2000" baseline="-25000" smtClean="0"/>
@@ -13017,21 +13073,44 @@
             </a:r>
             <a:r>
               <a:rPr lang="en-US" sz="2000" smtClean="0"/>
-              <a:t>a stabla parsiranja za kompletnu sekvencu x</a:t>
-            </a:r>
-            <a:endParaRPr lang="sr-Latn-RS" sz="2000" smtClean="0"/>
-          </a:p>
-          <a:p>
-            <a:pPr algn="l"/>
-            <a:r>
-              <a:rPr lang="sr-Latn-RS" sz="2000" smtClean="0"/>
-              <a:t>a</a:t>
-            </a:r>
-            <a:r>
-              <a:rPr lang="it-IT" sz="2000" smtClean="0"/>
-              <a:t>lgoritmi iznutra i spolja za SCFG modele su pandan algoritmima unapred i unazad za HMM modele</a:t>
-            </a:r>
-            <a:endParaRPr lang="en-US" sz="2000"/>
+              <a:t>a </a:t>
+            </a:r>
+            <a:r>
+              <a:rPr lang="sr-Latn-RS" sz="2000" smtClean="0"/>
+              <a:t>izvođenja </a:t>
+            </a:r>
+            <a:r>
+              <a:rPr lang="en-US" sz="2000" smtClean="0"/>
+              <a:t>kompletn</a:t>
+            </a:r>
+            <a:r>
+              <a:rPr lang="sr-Latn-RS" sz="2000" smtClean="0"/>
+              <a:t>e</a:t>
+            </a:r>
+            <a:r>
+              <a:rPr lang="en-US" sz="2000" smtClean="0"/>
+              <a:t> sekvenc</a:t>
+            </a:r>
+            <a:r>
+              <a:rPr lang="sr-Latn-RS" sz="2000" smtClean="0"/>
+              <a:t>e</a:t>
+            </a:r>
+            <a:r>
+              <a:rPr lang="en-US" sz="2000" smtClean="0"/>
+              <a:t> x</a:t>
+            </a:r>
+            <a:r>
+              <a:rPr lang="sr-Latn-RS" sz="2000" smtClean="0"/>
+              <a:t>, tj. </a:t>
+            </a:r>
+            <a:r>
+              <a:rPr lang="en-US" sz="2000" smtClean="0"/>
+              <a:t>svih</a:t>
+            </a:r>
+            <a:r>
+              <a:rPr lang="sr-Latn-RS" sz="2000" smtClean="0"/>
+              <a:t> njenih stabala parsiranja</a:t>
+            </a:r>
           </a:p>
         </p:txBody>
       </p:sp>
@@ -13229,8 +13308,8 @@
         </p:nvSpPr>
         <p:spPr>
           <a:xfrm>
-            <a:off x="448965" y="1170432"/>
-            <a:ext cx="8432275" cy="3770941"/>
+            <a:off x="448966" y="1112163"/>
+            <a:ext cx="8463806" cy="2774037"/>
           </a:xfrm>
         </p:spPr>
         <p:txBody>
@@ -13241,199 +13320,53 @@
           <a:p>
             <a:pPr algn="l"/>
             <a:r>
-              <a:rPr lang="sr-Latn-RS" sz="2000" smtClean="0"/>
-              <a:t>p</a:t>
-            </a:r>
-            <a:r>
-              <a:rPr lang="en-US" sz="2000" smtClean="0"/>
-              <a:t>andan Viterbijevom algoritmu za HMM modele je </a:t>
-            </a:r>
-            <a:r>
-              <a:rPr lang="en-US" sz="2000" b="1" smtClean="0"/>
-              <a:t>CYK</a:t>
-            </a:r>
-            <a:r>
-              <a:rPr lang="en-US" sz="2000" smtClean="0"/>
-              <a:t> (</a:t>
-            </a:r>
-            <a:r>
-              <a:rPr lang="en-US" sz="2000" b="1" smtClean="0"/>
-              <a:t>Cocke-Younger-Kasami</a:t>
-            </a:r>
-            <a:r>
-              <a:rPr lang="en-US" sz="2000" smtClean="0"/>
-              <a:t>) </a:t>
-            </a:r>
-            <a:r>
-              <a:rPr lang="en-US" sz="2000" b="1" smtClean="0"/>
-              <a:t>algoritam</a:t>
-            </a:r>
-            <a:r>
-              <a:rPr lang="en-US" sz="2000" smtClean="0"/>
-              <a:t> za SCFG modele koji pronalazi optimalno stablo parsiranja za datu sekvencu</a:t>
-            </a:r>
-            <a:endParaRPr lang="sr-Latn-RS" sz="2000" smtClean="0"/>
+              <a:rPr lang="en-US" sz="2000" smtClean="0"/>
+              <a:t>primetno je da su </a:t>
+            </a:r>
+            <a:r>
+              <a:rPr lang="sr-Latn-RS" sz="2000" smtClean="0"/>
+              <a:t>a</a:t>
+            </a:r>
+            <a:r>
+              <a:rPr lang="it-IT" sz="2000" smtClean="0"/>
+              <a:t>lgoritmi iznutra i spolja za SCFG modele pandan algoritmima unapred i unazad za HMM modele</a:t>
+            </a:r>
           </a:p>
           <a:p>
             <a:pPr algn="l"/>
             <a:r>
-              <a:rPr lang="en-US" sz="2000" smtClean="0"/>
-              <a:t>CYK algoritam izra</a:t>
-            </a:r>
-            <a:r>
-              <a:rPr lang="sr-Latn-RS" sz="2000" smtClean="0"/>
-              <a:t>č</a:t>
-            </a:r>
-            <a:r>
-              <a:rPr lang="en-US" sz="2000" smtClean="0"/>
-              <a:t>unava verovatno</a:t>
-            </a:r>
-            <a:r>
-              <a:rPr lang="sr-Latn-RS" sz="2000" smtClean="0"/>
-              <a:t>ć</a:t>
-            </a:r>
-            <a:r>
-              <a:rPr lang="en-US" sz="2000" smtClean="0"/>
-              <a:t>u </a:t>
-            </a:r>
-            <a:r>
-              <a:rPr lang="el-GR" sz="2000" i="1" smtClean="0">
-                <a:latin typeface="Times New Roman" pitchFamily="18" charset="0"/>
-                <a:cs typeface="Times New Roman" pitchFamily="18" charset="0"/>
-              </a:rPr>
-              <a:t>γ(</a:t>
-            </a:r>
-            <a:r>
-              <a:rPr lang="en-US" sz="2000" i="1" smtClean="0">
-                <a:latin typeface="Times New Roman" pitchFamily="18" charset="0"/>
-                <a:cs typeface="Times New Roman" pitchFamily="18" charset="0"/>
-              </a:rPr>
-              <a:t>i, j, v)</a:t>
-            </a:r>
-            <a:r>
-              <a:rPr lang="en-US" sz="2000" smtClean="0"/>
-              <a:t> optimalnog stabla parsiranja za podsekvencu x</a:t>
-            </a:r>
-            <a:r>
-              <a:rPr lang="en-US" sz="2000" baseline="-25000" smtClean="0"/>
-              <a:t>i</a:t>
-            </a:r>
-            <a:r>
-              <a:rPr lang="en-US" sz="2000" smtClean="0"/>
-              <a:t>...x</a:t>
-            </a:r>
-            <a:r>
-              <a:rPr lang="en-US" sz="2000" baseline="-25000" smtClean="0"/>
-              <a:t>j</a:t>
-            </a:r>
-            <a:r>
-              <a:rPr lang="en-US" sz="2000" smtClean="0"/>
-              <a:t> sa korenom u W</a:t>
-            </a:r>
-            <a:r>
-              <a:rPr lang="en-US" sz="2000" baseline="-25000" smtClean="0"/>
-              <a:t>v</a:t>
-            </a:r>
-            <a:endParaRPr lang="sr-Latn-RS" sz="2000" smtClean="0"/>
+              <a:rPr lang="sr-Latn-RS" sz="2000" smtClean="0"/>
+              <a:t>na isti način moguće ih je kombinovati za potrebe nenadgledanog obučavanja gramatike, odnosno određivanja optimalnih parametara</a:t>
+            </a:r>
           </a:p>
           <a:p>
             <a:pPr algn="l"/>
             <a:r>
-              <a:rPr lang="sr-Latn-RS" sz="2000" smtClean="0"/>
-              <a:t>p</a:t>
-            </a:r>
-            <a:r>
-              <a:rPr lang="en-US" sz="2000" smtClean="0"/>
-              <a:t>ored toga,</a:t>
-            </a:r>
-            <a:r>
-              <a:rPr lang="sr-Latn-RS" sz="2000" smtClean="0"/>
-              <a:t> č</a:t>
-            </a:r>
-            <a:r>
-              <a:rPr lang="en-US" sz="2000" smtClean="0"/>
-              <a:t>uvaju se tzv. traceback promenljive </a:t>
-            </a:r>
-            <a:r>
-              <a:rPr lang="el-GR" sz="2000" i="1" smtClean="0">
-                <a:latin typeface="Times New Roman" pitchFamily="18" charset="0"/>
-                <a:cs typeface="Times New Roman" pitchFamily="18" charset="0"/>
-              </a:rPr>
-              <a:t>τ(</a:t>
-            </a:r>
-            <a:r>
-              <a:rPr lang="en-US" sz="2000" i="1" smtClean="0">
-                <a:latin typeface="Times New Roman" pitchFamily="18" charset="0"/>
-                <a:cs typeface="Times New Roman" pitchFamily="18" charset="0"/>
-              </a:rPr>
-              <a:t>y, z, k) </a:t>
-            </a:r>
-            <a:r>
-              <a:rPr lang="en-US" sz="2000" smtClean="0"/>
-              <a:t>koje zapravo predstavljaju trojke </a:t>
-            </a:r>
-            <a:r>
-              <a:rPr lang="en-US" sz="2000" i="1" smtClean="0">
-                <a:latin typeface="Times New Roman" pitchFamily="18" charset="0"/>
-                <a:cs typeface="Times New Roman" pitchFamily="18" charset="0"/>
-              </a:rPr>
-              <a:t>(y, z, k) </a:t>
-            </a:r>
-            <a:r>
-              <a:rPr lang="en-US" sz="2000" smtClean="0"/>
-              <a:t>potrebne za rekonstrukciju optimalnog stabla parsiranja</a:t>
-            </a:r>
-            <a:endParaRPr lang="sr-Latn-RS" sz="2000" smtClean="0"/>
+              <a:rPr lang="en-US" sz="2000" smtClean="0"/>
+              <a:t>takav</a:t>
+            </a:r>
+            <a:r>
+              <a:rPr lang="sr-Latn-RS" sz="2000" smtClean="0"/>
+              <a:t> </a:t>
+            </a:r>
+            <a:r>
+              <a:rPr lang="sr-Latn-RS" sz="2000" b="1" smtClean="0"/>
+              <a:t>algoritam iznutra-spolja</a:t>
+            </a:r>
+            <a:r>
+              <a:rPr lang="sr-Latn-RS" sz="2000" smtClean="0"/>
+              <a:t> analogan je algoritmu unapred-unazad, odnosno Baum-Welch kod HMM, čime je rešen još jedan zadatak modela</a:t>
+            </a:r>
           </a:p>
           <a:p>
             <a:pPr algn="l"/>
             <a:r>
-              <a:rPr lang="sr-Latn-RS" sz="2000" smtClean="0"/>
-              <a:t>u</a:t>
-            </a:r>
-            <a:r>
-              <a:rPr lang="en-US" sz="2000" smtClean="0"/>
-              <a:t> nastavku je prikazan algoritam CYK</a:t>
-            </a:r>
-            <a:r>
-              <a:rPr lang="sr-Latn-RS" sz="2000" smtClean="0"/>
-              <a:t> zajedno sa</a:t>
-            </a:r>
-            <a:r>
-              <a:rPr lang="en-US" sz="2000" smtClean="0"/>
-              <a:t> CYK traceback algoritm</a:t>
-            </a:r>
-            <a:r>
-              <a:rPr lang="sr-Latn-RS" sz="2000" smtClean="0"/>
-              <a:t>om</a:t>
-            </a:r>
-            <a:r>
-              <a:rPr lang="en-US" sz="2000" smtClean="0"/>
-              <a:t> koji tehnikom bektrekinga i kori</a:t>
-            </a:r>
-            <a:r>
-              <a:rPr lang="sr-Latn-RS" sz="2000" smtClean="0"/>
-              <a:t>šć</a:t>
-            </a:r>
-            <a:r>
-              <a:rPr lang="en-US" sz="2000" smtClean="0"/>
-              <a:t>enjem pomo</a:t>
-            </a:r>
-            <a:r>
-              <a:rPr lang="sr-Latn-RS" sz="2000" smtClean="0"/>
-              <a:t>ć</a:t>
-            </a:r>
-            <a:r>
-              <a:rPr lang="en-US" sz="2000" smtClean="0"/>
-              <a:t>ne memorije u vidu steka rekonstrui</a:t>
-            </a:r>
-            <a:r>
-              <a:rPr lang="sr-Latn-RS" sz="2000" smtClean="0"/>
-              <a:t>š</a:t>
-            </a:r>
-            <a:r>
-              <a:rPr lang="en-US" sz="2000" smtClean="0"/>
-              <a:t>e optimalno stablo parsiranja </a:t>
+              <a:rPr lang="en-US" sz="2000" smtClean="0"/>
+              <a:t>ukoliko</a:t>
+            </a:r>
+            <a:r>
+              <a:rPr lang="sr-Latn-RS" sz="2000" smtClean="0"/>
+              <a:t> su trening sekvence anotirane odgovarajućim stablima, moguće je i nadgledano obučiti gramatiku prebrojavanjem primenjenih pravila izvođenja</a:t>
             </a:r>
             <a:endParaRPr lang="en-US" sz="2000"/>
           </a:p>
@@ -13463,6 +13396,30 @@
           </a:p>
         </p:txBody>
       </p:sp>
+      <p:pic>
+        <p:nvPicPr>
+          <p:cNvPr id="5" name="Picture 4" descr="count.png"/>
+          <p:cNvPicPr>
+            <a:picLocks noChangeAspect="1"/>
+          </p:cNvPicPr>
+          <p:nvPr/>
+        </p:nvPicPr>
+        <p:blipFill>
+          <a:blip r:embed="rId2" cstate="print"/>
+          <a:stretch>
+            <a:fillRect/>
+          </a:stretch>
+        </p:blipFill>
+        <p:spPr>
+          <a:xfrm>
+            <a:off x="2670513" y="3964223"/>
+            <a:ext cx="3792283" cy="853693"/>
+          </a:xfrm>
+          <a:prstGeom prst="rect">
+            <a:avLst/>
+          </a:prstGeom>
+        </p:spPr>
+      </p:pic>
     </p:spTree>
   </p:cSld>
   <p:clrMapOvr>
@@ -13520,6 +13477,228 @@
       </p:sp>
       <p:sp>
         <p:nvSpPr>
+          <p:cNvPr id="3" name="Content Placeholder 2"/>
+          <p:cNvSpPr>
+            <a:spLocks noGrp="1"/>
+          </p:cNvSpPr>
+          <p:nvPr>
+            <p:ph idx="1"/>
+          </p:nvPr>
+        </p:nvSpPr>
+        <p:spPr>
+          <a:xfrm>
+            <a:off x="448965" y="1170432"/>
+            <a:ext cx="8432275" cy="3770941"/>
+          </a:xfrm>
+        </p:spPr>
+        <p:txBody>
+          <a:bodyPr>
+            <a:normAutofit/>
+          </a:bodyPr>
+          <a:lstStyle/>
+          <a:p>
+            <a:pPr algn="l"/>
+            <a:r>
+              <a:rPr lang="sr-Latn-RS" sz="2000" smtClean="0"/>
+              <a:t>p</a:t>
+            </a:r>
+            <a:r>
+              <a:rPr lang="en-US" sz="2000" smtClean="0"/>
+              <a:t>andan Viterbijevom algoritmu za HMM modele je </a:t>
+            </a:r>
+            <a:r>
+              <a:rPr lang="en-US" sz="2000" b="1" smtClean="0"/>
+              <a:t>CYK</a:t>
+            </a:r>
+            <a:r>
+              <a:rPr lang="en-US" sz="2000" smtClean="0"/>
+              <a:t> (</a:t>
+            </a:r>
+            <a:r>
+              <a:rPr lang="en-US" sz="2000" b="1" smtClean="0"/>
+              <a:t>Cocke-Younger-Kasami</a:t>
+            </a:r>
+            <a:r>
+              <a:rPr lang="en-US" sz="2000" smtClean="0"/>
+              <a:t>) </a:t>
+            </a:r>
+            <a:r>
+              <a:rPr lang="en-US" sz="2000" b="1" smtClean="0"/>
+              <a:t>algoritam</a:t>
+            </a:r>
+            <a:r>
+              <a:rPr lang="en-US" sz="2000" smtClean="0"/>
+              <a:t> za SCFG modele koji pronalazi optimalno stablo parsiranja za datu sekvencu</a:t>
+            </a:r>
+            <a:endParaRPr lang="sr-Latn-RS" sz="2000" smtClean="0"/>
+          </a:p>
+          <a:p>
+            <a:pPr algn="l"/>
+            <a:r>
+              <a:rPr lang="en-US" sz="2000" smtClean="0"/>
+              <a:t>CYK algoritam izra</a:t>
+            </a:r>
+            <a:r>
+              <a:rPr lang="sr-Latn-RS" sz="2000" smtClean="0"/>
+              <a:t>č</a:t>
+            </a:r>
+            <a:r>
+              <a:rPr lang="en-US" sz="2000" smtClean="0"/>
+              <a:t>unava verovatno</a:t>
+            </a:r>
+            <a:r>
+              <a:rPr lang="sr-Latn-RS" sz="2000" smtClean="0"/>
+              <a:t>ć</a:t>
+            </a:r>
+            <a:r>
+              <a:rPr lang="en-US" sz="2000" smtClean="0"/>
+              <a:t>u </a:t>
+            </a:r>
+            <a:r>
+              <a:rPr lang="el-GR" sz="2000" i="1" smtClean="0">
+                <a:latin typeface="Times New Roman" pitchFamily="18" charset="0"/>
+                <a:cs typeface="Times New Roman" pitchFamily="18" charset="0"/>
+              </a:rPr>
+              <a:t>γ(</a:t>
+            </a:r>
+            <a:r>
+              <a:rPr lang="en-US" sz="2000" i="1" smtClean="0">
+                <a:latin typeface="Times New Roman" pitchFamily="18" charset="0"/>
+                <a:cs typeface="Times New Roman" pitchFamily="18" charset="0"/>
+              </a:rPr>
+              <a:t>i, j, v)</a:t>
+            </a:r>
+            <a:r>
+              <a:rPr lang="en-US" sz="2000" smtClean="0"/>
+              <a:t> optimalnog stabla parsiranja za podsekvencu x</a:t>
+            </a:r>
+            <a:r>
+              <a:rPr lang="en-US" sz="2000" baseline="-25000" smtClean="0"/>
+              <a:t>i</a:t>
+            </a:r>
+            <a:r>
+              <a:rPr lang="en-US" sz="2000" smtClean="0"/>
+              <a:t>...x</a:t>
+            </a:r>
+            <a:r>
+              <a:rPr lang="en-US" sz="2000" baseline="-25000" smtClean="0"/>
+              <a:t>j</a:t>
+            </a:r>
+            <a:r>
+              <a:rPr lang="en-US" sz="2000" smtClean="0"/>
+              <a:t> sa korenom u W</a:t>
+            </a:r>
+            <a:r>
+              <a:rPr lang="en-US" sz="2000" baseline="-25000" smtClean="0"/>
+              <a:t>v</a:t>
+            </a:r>
+            <a:endParaRPr lang="sr-Latn-RS" sz="2000" smtClean="0"/>
+          </a:p>
+          <a:p>
+            <a:pPr algn="l"/>
+            <a:r>
+              <a:rPr lang="sr-Latn-RS" sz="2000" smtClean="0"/>
+              <a:t>p</a:t>
+            </a:r>
+            <a:r>
+              <a:rPr lang="en-US" sz="2000" smtClean="0"/>
+              <a:t>ored toga,</a:t>
+            </a:r>
+            <a:r>
+              <a:rPr lang="sr-Latn-RS" sz="2000" smtClean="0"/>
+              <a:t> č</a:t>
+            </a:r>
+            <a:r>
+              <a:rPr lang="en-US" sz="2000" smtClean="0"/>
+              <a:t>uvaju se tzv. traceback promenljive </a:t>
+            </a:r>
+            <a:r>
+              <a:rPr lang="el-GR" sz="2000" i="1" smtClean="0">
+                <a:latin typeface="Times New Roman" pitchFamily="18" charset="0"/>
+                <a:cs typeface="Times New Roman" pitchFamily="18" charset="0"/>
+              </a:rPr>
+              <a:t>τ(</a:t>
+            </a:r>
+            <a:r>
+              <a:rPr lang="en-US" sz="2000" i="1" smtClean="0">
+                <a:latin typeface="Times New Roman" pitchFamily="18" charset="0"/>
+                <a:cs typeface="Times New Roman" pitchFamily="18" charset="0"/>
+              </a:rPr>
+              <a:t>y, z, k) </a:t>
+            </a:r>
+            <a:r>
+              <a:rPr lang="en-US" sz="2000" smtClean="0"/>
+              <a:t>koje zapravo predstavljaju trojke </a:t>
+            </a:r>
+            <a:r>
+              <a:rPr lang="en-US" sz="2000" i="1" smtClean="0">
+                <a:latin typeface="Times New Roman" pitchFamily="18" charset="0"/>
+                <a:cs typeface="Times New Roman" pitchFamily="18" charset="0"/>
+              </a:rPr>
+              <a:t>(y, z, k) </a:t>
+            </a:r>
+            <a:r>
+              <a:rPr lang="en-US" sz="2000" smtClean="0"/>
+              <a:t>potrebne za rekonstrukciju optimalnog stabla parsiranja</a:t>
+            </a:r>
+            <a:endParaRPr lang="sr-Latn-RS" sz="2000" smtClean="0"/>
+          </a:p>
+          <a:p>
+            <a:pPr algn="l"/>
+            <a:r>
+              <a:rPr lang="sr-Latn-RS" sz="2000" smtClean="0"/>
+              <a:t>u</a:t>
+            </a:r>
+            <a:r>
+              <a:rPr lang="en-US" sz="2000" smtClean="0"/>
+              <a:t> nastavku je prikazan algoritam CYK</a:t>
+            </a:r>
+            <a:r>
+              <a:rPr lang="sr-Latn-RS" sz="2000" smtClean="0"/>
+              <a:t> zajedno sa</a:t>
+            </a:r>
+            <a:r>
+              <a:rPr lang="en-US" sz="2000" smtClean="0"/>
+              <a:t> CYK traceback algoritm</a:t>
+            </a:r>
+            <a:r>
+              <a:rPr lang="sr-Latn-RS" sz="2000" smtClean="0"/>
+              <a:t>om</a:t>
+            </a:r>
+            <a:r>
+              <a:rPr lang="en-US" sz="2000" smtClean="0"/>
+              <a:t> koji tehnikom bektrekinga i kori</a:t>
+            </a:r>
+            <a:r>
+              <a:rPr lang="sr-Latn-RS" sz="2000" smtClean="0"/>
+              <a:t>šć</a:t>
+            </a:r>
+            <a:r>
+              <a:rPr lang="en-US" sz="2000" smtClean="0"/>
+              <a:t>enjem pomo</a:t>
+            </a:r>
+            <a:r>
+              <a:rPr lang="sr-Latn-RS" sz="2000" smtClean="0"/>
+              <a:t>ć</a:t>
+            </a:r>
+            <a:r>
+              <a:rPr lang="en-US" sz="2000" smtClean="0"/>
+              <a:t>ne memorije u vidu steka rekonstrui</a:t>
+            </a:r>
+            <a:r>
+              <a:rPr lang="sr-Latn-RS" sz="2000" smtClean="0"/>
+              <a:t>š</a:t>
+            </a:r>
+            <a:r>
+              <a:rPr lang="en-US" sz="2000" smtClean="0"/>
+              <a:t>e optimalno stablo parsiranja </a:t>
+            </a:r>
+            <a:endParaRPr lang="en-US" sz="2000"/>
+          </a:p>
+        </p:txBody>
+      </p:sp>
+      <p:sp>
+        <p:nvSpPr>
           <p:cNvPr id="4" name="Slide Number Placeholder 3"/>
           <p:cNvSpPr>
             <a:spLocks noGrp="1"/>
@@ -13537,6 +13716,85 @@
               <a:rPr lang="en-US" smtClean="0"/>
               <a:pPr/>
               <a:t>36</a:t>
+            </a:fld>
+            <a:endParaRPr lang="en-US"/>
+          </a:p>
+        </p:txBody>
+      </p:sp>
+    </p:spTree>
+  </p:cSld>
+  <p:clrMapOvr>
+    <a:masterClrMapping/>
+  </p:clrMapOvr>
+  <p:timing>
+    <p:tnLst>
+      <p:par>
+        <p:cTn id="1" dur="indefinite" restart="never" nodeType="tmRoot"/>
+      </p:par>
+    </p:tnLst>
+  </p:timing>
+</p:sld>
+</file>
+
+<file path=ppt/slides/slide37.xml><?xml version="1.0" encoding="utf-8"?>
+<p:sld xmlns:a="http://schemas.openxmlformats.org/drawingml/2006/main" xmlns:r="http://schemas.openxmlformats.org/officeDocument/2006/relationships" xmlns:p="http://schemas.openxmlformats.org/presentationml/2006/main">
+  <p:cSld>
+    <p:spTree>
+      <p:nvGrpSpPr>
+        <p:cNvPr id="1" name=""/>
+        <p:cNvGrpSpPr/>
+        <p:nvPr/>
+      </p:nvGrpSpPr>
+      <p:grpSpPr>
+        <a:xfrm>
+          <a:off x="0" y="0"/>
+          <a:ext cx="0" cy="0"/>
+          <a:chOff x="0" y="0"/>
+          <a:chExt cx="0" cy="0"/>
+        </a:xfrm>
+      </p:grpSpPr>
+      <p:sp>
+        <p:nvSpPr>
+          <p:cNvPr id="2" name="Title 1"/>
+          <p:cNvSpPr>
+            <a:spLocks noGrp="1"/>
+          </p:cNvSpPr>
+          <p:nvPr>
+            <p:ph type="title"/>
+          </p:nvPr>
+        </p:nvSpPr>
+        <p:spPr/>
+        <p:txBody>
+          <a:bodyPr/>
+          <a:lstStyle/>
+          <a:p>
+            <a:r>
+              <a:rPr lang="sr-Latn-RS" smtClean="0"/>
+              <a:t>SCFG</a:t>
+            </a:r>
+            <a:endParaRPr lang="en-US"/>
+          </a:p>
+        </p:txBody>
+      </p:sp>
+      <p:sp>
+        <p:nvSpPr>
+          <p:cNvPr id="4" name="Slide Number Placeholder 3"/>
+          <p:cNvSpPr>
+            <a:spLocks noGrp="1"/>
+          </p:cNvSpPr>
+          <p:nvPr>
+            <p:ph type="sldNum" sz="quarter" idx="12"/>
+          </p:nvPr>
+        </p:nvSpPr>
+        <p:spPr/>
+        <p:txBody>
+          <a:bodyPr/>
+          <a:lstStyle/>
+          <a:p>
+            <a:fld id="{B82CCC60-E8CD-4174-8B1A-7DF615B22EEF}" type="slidenum">
+              <a:rPr lang="en-US" smtClean="0"/>
+              <a:pPr/>
+              <a:t>37</a:t>
             </a:fld>
             <a:endParaRPr lang="en-US"/>
           </a:p>
@@ -13605,7 +13863,7 @@
 </p:sld>
 </file>
 
-<file path=ppt/slides/slide37.xml><?xml version="1.0" encoding="utf-8"?>
+<file path=ppt/slides/slide38.xml><?xml version="1.0" encoding="utf-8"?>
 <p:sld xmlns:a="http://schemas.openxmlformats.org/drawingml/2006/main" xmlns:r="http://schemas.openxmlformats.org/officeDocument/2006/relationships" xmlns:p="http://schemas.openxmlformats.org/presentationml/2006/main">
   <p:cSld>
     <p:spTree>
@@ -13663,7 +13921,7 @@
             <a:fld id="{B82CCC60-E8CD-4174-8B1A-7DF615B22EEF}" type="slidenum">
               <a:rPr lang="en-US" smtClean="0"/>
               <a:pPr/>
-              <a:t>37</a:t>
+              <a:t>38</a:t>
             </a:fld>
             <a:endParaRPr lang="en-US"/>
           </a:p>
@@ -13748,176 +14006,6 @@
         </p:txBody>
       </p:sp>
     </p:spTree>
-  </p:cSld>
-  <p:clrMapOvr>
-    <a:masterClrMapping/>
-  </p:clrMapOvr>
-  <p:timing>
-    <p:tnLst>
-      <p:par>
-        <p:cTn id="1" dur="indefinite" restart="never" nodeType="tmRoot"/>
-      </p:par>
-    </p:tnLst>
-  </p:timing>
-</p:sld>
-</file>
-
-<file path=ppt/slides/slide38.xml><?xml version="1.0" encoding="utf-8"?>
-<p:sld xmlns:a="http://schemas.openxmlformats.org/drawingml/2006/main" xmlns:r="http://schemas.openxmlformats.org/officeDocument/2006/relationships" xmlns:p="http://schemas.openxmlformats.org/presentationml/2006/main">
-  <p:cSld>
-    <p:spTree>
-      <p:nvGrpSpPr>
-        <p:cNvPr id="1" name=""/>
-        <p:cNvGrpSpPr/>
-        <p:nvPr/>
-      </p:nvGrpSpPr>
-      <p:grpSpPr>
-        <a:xfrm>
-          <a:off x="0" y="0"/>
-          <a:ext cx="0" cy="0"/>
-          <a:chOff x="0" y="0"/>
-          <a:chExt cx="0" cy="0"/>
-        </a:xfrm>
-      </p:grpSpPr>
-      <p:sp>
-        <p:nvSpPr>
-          <p:cNvPr id="4" name="Title 3"/>
-          <p:cNvSpPr>
-            <a:spLocks noGrp="1"/>
-          </p:cNvSpPr>
-          <p:nvPr>
-            <p:ph type="title"/>
-          </p:nvPr>
-        </p:nvSpPr>
-        <p:spPr>
-          <a:xfrm>
-            <a:off x="2325604" y="754648"/>
-            <a:ext cx="6336730" cy="725349"/>
-          </a:xfrm>
-        </p:spPr>
-        <p:txBody>
-          <a:bodyPr>
-            <a:normAutofit/>
-          </a:bodyPr>
-          <a:lstStyle/>
-          <a:p>
-            <a:r>
-              <a:rPr lang="sr-Latn-RS" smtClean="0"/>
-              <a:t>Pregled</a:t>
-            </a:r>
-            <a:endParaRPr lang="en-US" dirty="0"/>
-          </a:p>
-        </p:txBody>
-      </p:sp>
-      <p:sp>
-        <p:nvSpPr>
-          <p:cNvPr id="5" name="Content Placeholder 4"/>
-          <p:cNvSpPr>
-            <a:spLocks noGrp="1"/>
-          </p:cNvSpPr>
-          <p:nvPr>
-            <p:ph idx="1"/>
-          </p:nvPr>
-        </p:nvSpPr>
-        <p:spPr>
-          <a:xfrm>
-            <a:off x="2328741" y="1650124"/>
-            <a:ext cx="6358060" cy="3097366"/>
-          </a:xfrm>
-        </p:spPr>
-        <p:txBody>
-          <a:bodyPr>
-            <a:normAutofit/>
-          </a:bodyPr>
-          <a:lstStyle/>
-          <a:p>
-            <a:r>
-              <a:rPr lang="sr-Latn-RS" sz="2400" smtClean="0"/>
-              <a:t>V</a:t>
-            </a:r>
-            <a:r>
-              <a:rPr lang="en-US" sz="2400" smtClean="0"/>
-              <a:t>rste grafovskih probabilisti</a:t>
-            </a:r>
-            <a:r>
-              <a:rPr lang="sr-Latn-RS" sz="2400" smtClean="0"/>
-              <a:t>č</a:t>
-            </a:r>
-            <a:r>
-              <a:rPr lang="en-US" sz="2400" smtClean="0"/>
-              <a:t>kih modela</a:t>
-            </a:r>
-            <a:endParaRPr lang="sr-Latn-RS" sz="2400" smtClean="0"/>
-          </a:p>
-          <a:p>
-            <a:r>
-              <a:rPr lang="en-US" sz="2400" smtClean="0"/>
-              <a:t>Sistematizacija modela struktura sekvenci </a:t>
-            </a:r>
-            <a:endParaRPr lang="sr-Latn-RS" sz="2400" smtClean="0"/>
-          </a:p>
-          <a:p>
-            <a:r>
-              <a:rPr lang="en-US" sz="2400" smtClean="0"/>
-              <a:t>HMM</a:t>
-            </a:r>
-            <a:endParaRPr lang="sr-Latn-RS" sz="2400" smtClean="0"/>
-          </a:p>
-          <a:p>
-            <a:r>
-              <a:rPr lang="sr-Latn-RS" sz="2400" smtClean="0"/>
-              <a:t>SCFG</a:t>
-            </a:r>
-          </a:p>
-          <a:p>
-            <a:r>
-              <a:rPr lang="sr-Latn-RS" sz="2400" b="1" smtClean="0">
-                <a:solidFill>
-                  <a:srgbClr val="009999"/>
-                </a:solidFill>
-              </a:rPr>
-              <a:t>Struktura RNK</a:t>
-            </a:r>
-          </a:p>
-          <a:p>
-            <a:r>
-              <a:rPr lang="en-US" sz="2400" smtClean="0"/>
-              <a:t>Opis implementacije</a:t>
-            </a:r>
-            <a:endParaRPr lang="en-US" sz="2400" dirty="0"/>
-          </a:p>
-        </p:txBody>
-      </p:sp>
-      <p:sp>
-        <p:nvSpPr>
-          <p:cNvPr id="6" name="Slide Number Placeholder 5"/>
-          <p:cNvSpPr>
-            <a:spLocks noGrp="1"/>
-          </p:cNvSpPr>
-          <p:nvPr>
-            <p:ph type="sldNum" sz="quarter" idx="12"/>
-          </p:nvPr>
-        </p:nvSpPr>
-        <p:spPr/>
-        <p:txBody>
-          <a:bodyPr/>
-          <a:lstStyle/>
-          <a:p>
-            <a:fld id="{B82CCC60-E8CD-4174-8B1A-7DF615B22EEF}" type="slidenum">
-              <a:rPr lang="en-US" smtClean="0"/>
-              <a:pPr/>
-              <a:t>38</a:t>
-            </a:fld>
-            <a:endParaRPr lang="en-US"/>
-          </a:p>
-        </p:txBody>
-      </p:sp>
-    </p:spTree>
-    <p:extLst>
-      <p:ext uri="{BB962C8B-B14F-4D97-AF65-F5344CB8AC3E}">
-        <p14:creationId xmlns="" xmlns:p14="http://schemas.microsoft.com/office/powerpoint/2010/main" val="1101633878"/>
-      </p:ext>
-    </p:extLst>
   </p:cSld>
   <p:clrMapOvr>
     <a:masterClrMapping/>
@@ -13951,6 +14039,430 @@
       </p:grpSpPr>
       <p:sp>
         <p:nvSpPr>
+          <p:cNvPr id="4" name="Title 3"/>
+          <p:cNvSpPr>
+            <a:spLocks noGrp="1"/>
+          </p:cNvSpPr>
+          <p:nvPr>
+            <p:ph type="title"/>
+          </p:nvPr>
+        </p:nvSpPr>
+        <p:spPr>
+          <a:xfrm>
+            <a:off x="2325604" y="754648"/>
+            <a:ext cx="6336730" cy="725349"/>
+          </a:xfrm>
+        </p:spPr>
+        <p:txBody>
+          <a:bodyPr>
+            <a:normAutofit/>
+          </a:bodyPr>
+          <a:lstStyle/>
+          <a:p>
+            <a:r>
+              <a:rPr lang="sr-Latn-RS" smtClean="0"/>
+              <a:t>Pregled</a:t>
+            </a:r>
+            <a:endParaRPr lang="en-US" dirty="0"/>
+          </a:p>
+        </p:txBody>
+      </p:sp>
+      <p:sp>
+        <p:nvSpPr>
+          <p:cNvPr id="5" name="Content Placeholder 4"/>
+          <p:cNvSpPr>
+            <a:spLocks noGrp="1"/>
+          </p:cNvSpPr>
+          <p:nvPr>
+            <p:ph idx="1"/>
+          </p:nvPr>
+        </p:nvSpPr>
+        <p:spPr>
+          <a:xfrm>
+            <a:off x="2328741" y="1650124"/>
+            <a:ext cx="6358060" cy="3097366"/>
+          </a:xfrm>
+        </p:spPr>
+        <p:txBody>
+          <a:bodyPr>
+            <a:normAutofit/>
+          </a:bodyPr>
+          <a:lstStyle/>
+          <a:p>
+            <a:r>
+              <a:rPr lang="sr-Latn-RS" sz="2400" smtClean="0"/>
+              <a:t>V</a:t>
+            </a:r>
+            <a:r>
+              <a:rPr lang="en-US" sz="2400" smtClean="0"/>
+              <a:t>rste grafovskih probabilisti</a:t>
+            </a:r>
+            <a:r>
+              <a:rPr lang="sr-Latn-RS" sz="2400" smtClean="0"/>
+              <a:t>č</a:t>
+            </a:r>
+            <a:r>
+              <a:rPr lang="en-US" sz="2400" smtClean="0"/>
+              <a:t>kih modela</a:t>
+            </a:r>
+            <a:endParaRPr lang="sr-Latn-RS" sz="2400" smtClean="0"/>
+          </a:p>
+          <a:p>
+            <a:r>
+              <a:rPr lang="en-US" sz="2400" smtClean="0"/>
+              <a:t>Sistematizacija modela struktura sekvenci </a:t>
+            </a:r>
+            <a:endParaRPr lang="sr-Latn-RS" sz="2400" smtClean="0"/>
+          </a:p>
+          <a:p>
+            <a:r>
+              <a:rPr lang="en-US" sz="2400" smtClean="0"/>
+              <a:t>HMM</a:t>
+            </a:r>
+            <a:endParaRPr lang="sr-Latn-RS" sz="2400" smtClean="0"/>
+          </a:p>
+          <a:p>
+            <a:r>
+              <a:rPr lang="sr-Latn-RS" sz="2400" smtClean="0"/>
+              <a:t>SCFG</a:t>
+            </a:r>
+          </a:p>
+          <a:p>
+            <a:r>
+              <a:rPr lang="sr-Latn-RS" sz="2400" b="1" smtClean="0">
+                <a:solidFill>
+                  <a:srgbClr val="009999"/>
+                </a:solidFill>
+              </a:rPr>
+              <a:t>Struktura RNK</a:t>
+            </a:r>
+          </a:p>
+          <a:p>
+            <a:r>
+              <a:rPr lang="en-US" sz="2400" smtClean="0"/>
+              <a:t>Opis implementacije</a:t>
+            </a:r>
+            <a:endParaRPr lang="en-US" sz="2400" dirty="0"/>
+          </a:p>
+        </p:txBody>
+      </p:sp>
+      <p:sp>
+        <p:nvSpPr>
+          <p:cNvPr id="6" name="Slide Number Placeholder 5"/>
+          <p:cNvSpPr>
+            <a:spLocks noGrp="1"/>
+          </p:cNvSpPr>
+          <p:nvPr>
+            <p:ph type="sldNum" sz="quarter" idx="12"/>
+          </p:nvPr>
+        </p:nvSpPr>
+        <p:spPr/>
+        <p:txBody>
+          <a:bodyPr/>
+          <a:lstStyle/>
+          <a:p>
+            <a:fld id="{B82CCC60-E8CD-4174-8B1A-7DF615B22EEF}" type="slidenum">
+              <a:rPr lang="en-US" smtClean="0"/>
+              <a:pPr/>
+              <a:t>39</a:t>
+            </a:fld>
+            <a:endParaRPr lang="en-US"/>
+          </a:p>
+        </p:txBody>
+      </p:sp>
+    </p:spTree>
+    <p:extLst>
+      <p:ext uri="{BB962C8B-B14F-4D97-AF65-F5344CB8AC3E}">
+        <p14:creationId xmlns="" xmlns:p14="http://schemas.microsoft.com/office/powerpoint/2010/main" val="1101633878"/>
+      </p:ext>
+    </p:extLst>
+  </p:cSld>
+  <p:clrMapOvr>
+    <a:masterClrMapping/>
+  </p:clrMapOvr>
+  <p:timing>
+    <p:tnLst>
+      <p:par>
+        <p:cTn id="1" dur="indefinite" restart="never" nodeType="tmRoot"/>
+      </p:par>
+    </p:tnLst>
+  </p:timing>
+</p:sld>
+</file>
+
+<file path=ppt/slides/slide4.xml><?xml version="1.0" encoding="utf-8"?>
+<p:sld xmlns:a="http://schemas.openxmlformats.org/drawingml/2006/main" xmlns:r="http://schemas.openxmlformats.org/officeDocument/2006/relationships" xmlns:p="http://schemas.openxmlformats.org/presentationml/2006/main">
+  <p:cSld>
+    <p:spTree>
+      <p:nvGrpSpPr>
+        <p:cNvPr id="1" name=""/>
+        <p:cNvGrpSpPr/>
+        <p:nvPr/>
+      </p:nvGrpSpPr>
+      <p:grpSpPr>
+        <a:xfrm>
+          <a:off x="0" y="0"/>
+          <a:ext cx="0" cy="0"/>
+          <a:chOff x="0" y="0"/>
+          <a:chExt cx="0" cy="0"/>
+        </a:xfrm>
+      </p:grpSpPr>
+      <p:sp>
+        <p:nvSpPr>
+          <p:cNvPr id="2" name="Title 1"/>
+          <p:cNvSpPr>
+            <a:spLocks noGrp="1"/>
+          </p:cNvSpPr>
+          <p:nvPr>
+            <p:ph type="title"/>
+          </p:nvPr>
+        </p:nvSpPr>
+        <p:spPr/>
+        <p:txBody>
+          <a:bodyPr>
+            <a:normAutofit/>
+          </a:bodyPr>
+          <a:lstStyle/>
+          <a:p>
+            <a:r>
+              <a:rPr lang="en-US" smtClean="0"/>
+              <a:t>Vrste grafovskih probabilističkih modela</a:t>
+            </a:r>
+            <a:endParaRPr lang="en-US" dirty="0"/>
+          </a:p>
+        </p:txBody>
+      </p:sp>
+      <p:sp>
+        <p:nvSpPr>
+          <p:cNvPr id="3" name="Content Placeholder 2"/>
+          <p:cNvSpPr>
+            <a:spLocks noGrp="1"/>
+          </p:cNvSpPr>
+          <p:nvPr>
+            <p:ph idx="1"/>
+          </p:nvPr>
+        </p:nvSpPr>
+        <p:spPr>
+          <a:xfrm>
+            <a:off x="448966" y="1170432"/>
+            <a:ext cx="8246070" cy="3770941"/>
+          </a:xfrm>
+        </p:spPr>
+        <p:txBody>
+          <a:bodyPr>
+            <a:normAutofit fontScale="92500" lnSpcReduction="20000"/>
+          </a:bodyPr>
+          <a:lstStyle/>
+          <a:p>
+            <a:pPr algn="l"/>
+            <a:r>
+              <a:rPr lang="sr-Latn-RS" sz="2200" b="1" smtClean="0"/>
+              <a:t>g</a:t>
+            </a:r>
+            <a:r>
+              <a:rPr lang="en-US" sz="2200" b="1" smtClean="0"/>
+              <a:t>rafovski probabilistički modeli odre</a:t>
+            </a:r>
+            <a:r>
+              <a:rPr lang="sr-Latn-RS" sz="2200" b="1" smtClean="0"/>
+              <a:t>đ</a:t>
+            </a:r>
+            <a:r>
+              <a:rPr lang="en-US" sz="2200" b="1" smtClean="0"/>
+              <a:t>uju familije raspodela verovatnoće koje se faktori</a:t>
+            </a:r>
+            <a:r>
+              <a:rPr lang="sr-Latn-RS" sz="2200" b="1" smtClean="0"/>
+              <a:t>š</a:t>
+            </a:r>
+            <a:r>
+              <a:rPr lang="en-US" sz="2200" b="1" smtClean="0"/>
+              <a:t>u prema odgovarajućem grafu</a:t>
+            </a:r>
+            <a:endParaRPr lang="sr-Latn-RS" sz="2200" b="1" smtClean="0"/>
+          </a:p>
+          <a:p>
+            <a:pPr algn="l"/>
+            <a:r>
+              <a:rPr lang="sr-Latn-RS" sz="2200" smtClean="0"/>
+              <a:t>u</a:t>
+            </a:r>
+            <a:r>
+              <a:rPr lang="en-US" sz="2200" smtClean="0"/>
+              <a:t> zavisnosti od toga da li se radi o usmerenom ili neusmerenom grafu, imamo podelu na </a:t>
+            </a:r>
+            <a:r>
+              <a:rPr lang="en-US" sz="2200" b="1" smtClean="0"/>
+              <a:t>Bajesovske</a:t>
+            </a:r>
+            <a:r>
+              <a:rPr lang="en-US" sz="2200" smtClean="0"/>
+              <a:t> i </a:t>
+            </a:r>
+            <a:r>
+              <a:rPr lang="en-US" sz="2200" b="1" smtClean="0"/>
+              <a:t>Markovljeve mreže</a:t>
+            </a:r>
+            <a:endParaRPr lang="sr-Latn-RS" sz="2200" b="1" smtClean="0"/>
+          </a:p>
+          <a:p>
+            <a:pPr algn="l"/>
+            <a:r>
+              <a:rPr lang="sr-Latn-RS" sz="2200" smtClean="0"/>
+              <a:t>o</a:t>
+            </a:r>
+            <a:r>
+              <a:rPr lang="en-US" sz="2200" smtClean="0"/>
+              <a:t>ve dve vrste modela razlikuju se u tipu me</a:t>
+            </a:r>
+            <a:r>
+              <a:rPr lang="sr-Latn-RS" sz="2200" smtClean="0"/>
+              <a:t>đ</a:t>
+            </a:r>
+            <a:r>
+              <a:rPr lang="en-US" sz="2200" smtClean="0"/>
+              <a:t>uzavisnosti izme</a:t>
+            </a:r>
+            <a:r>
+              <a:rPr lang="sr-Latn-RS" sz="2200" smtClean="0"/>
+              <a:t>đ</a:t>
+            </a:r>
+            <a:r>
+              <a:rPr lang="en-US" sz="2200" smtClean="0"/>
+              <a:t>u slučajnih promenljivih koje mogu da opi</a:t>
+            </a:r>
+            <a:r>
+              <a:rPr lang="sr-Latn-RS" sz="2200" smtClean="0"/>
+              <a:t>š</a:t>
+            </a:r>
+            <a:r>
+              <a:rPr lang="en-US" sz="2200" smtClean="0"/>
+              <a:t>u</a:t>
+            </a:r>
+            <a:endParaRPr lang="sr-Latn-RS" sz="2200" smtClean="0"/>
+          </a:p>
+          <a:p>
+            <a:pPr algn="l"/>
+            <a:r>
+              <a:rPr lang="en-US" sz="2200" smtClean="0"/>
+              <a:t>Bajesovske i Markovljeve mreže u op</a:t>
+            </a:r>
+            <a:r>
+              <a:rPr lang="sr-Latn-RS" sz="2200" smtClean="0"/>
+              <a:t>š</a:t>
+            </a:r>
+            <a:r>
+              <a:rPr lang="en-US" sz="2200" smtClean="0"/>
+              <a:t>tem slučaju modeluju zajedničku raspodelu</a:t>
+            </a:r>
+            <a:r>
+              <a:rPr lang="sr-Latn-RS" sz="2200" smtClean="0"/>
+              <a:t> (generativni modeli)</a:t>
+            </a:r>
+            <a:r>
+              <a:rPr lang="en-US" sz="2200" smtClean="0"/>
+              <a:t>, ali se za opažene vrednosti nekih slučajnih promenljivih mogu prilagoditi tako da modeluju uslovnu raspodelu u odnosu na date promenljive</a:t>
+            </a:r>
+            <a:endParaRPr lang="sr-Latn-RS" sz="2200" smtClean="0"/>
+          </a:p>
+          <a:p>
+            <a:pPr algn="l"/>
+            <a:r>
+              <a:rPr lang="sr-Latn-RS" sz="2100" smtClean="0"/>
+              <a:t>i</a:t>
+            </a:r>
+            <a:r>
+              <a:rPr lang="en-US" sz="2100" smtClean="0"/>
+              <a:t>sta reprezentacija i parametrizacija može se iskoristiti za modelovanje uslovne raspodele tako </a:t>
+            </a:r>
+            <a:r>
+              <a:rPr lang="sr-Latn-RS" sz="2100" smtClean="0"/>
+              <a:t>š</a:t>
+            </a:r>
+            <a:r>
+              <a:rPr lang="en-US" sz="2100" smtClean="0"/>
+              <a:t>to se raspodele pridružene faktorima renormalizuju u odnosu na fiksirane vrednosti opaženih slučajnih promenljivih —</a:t>
+            </a:r>
+            <a:r>
+              <a:rPr lang="en-US" sz="2100" b="1" smtClean="0"/>
+              <a:t> </a:t>
+            </a:r>
+            <a:r>
+              <a:rPr lang="en-US" sz="2100" smtClean="0"/>
+              <a:t>tada govorimo o </a:t>
+            </a:r>
+            <a:r>
+              <a:rPr lang="en-US" sz="2100" b="1" smtClean="0"/>
+              <a:t>uslovnim Bajesovskim </a:t>
+            </a:r>
+            <a:r>
+              <a:rPr lang="en-US" sz="2100" smtClean="0"/>
+              <a:t>i</a:t>
+            </a:r>
+            <a:r>
+              <a:rPr lang="en-US" sz="2100" b="1" smtClean="0"/>
+              <a:t> Markovljevim mrežama*</a:t>
+            </a:r>
+            <a:endParaRPr lang="en-US" sz="2100" b="1" dirty="0"/>
+          </a:p>
+        </p:txBody>
+      </p:sp>
+      <p:sp>
+        <p:nvSpPr>
+          <p:cNvPr id="4" name="Slide Number Placeholder 3"/>
+          <p:cNvSpPr>
+            <a:spLocks noGrp="1"/>
+          </p:cNvSpPr>
+          <p:nvPr>
+            <p:ph type="sldNum" sz="quarter" idx="12"/>
+          </p:nvPr>
+        </p:nvSpPr>
+        <p:spPr/>
+        <p:txBody>
+          <a:bodyPr/>
+          <a:lstStyle/>
+          <a:p>
+            <a:fld id="{B82CCC60-E8CD-4174-8B1A-7DF615B22EEF}" type="slidenum">
+              <a:rPr lang="en-US" smtClean="0"/>
+              <a:pPr/>
+              <a:t>4</a:t>
+            </a:fld>
+            <a:endParaRPr lang="en-US"/>
+          </a:p>
+        </p:txBody>
+      </p:sp>
+    </p:spTree>
+    <p:extLst>
+      <p:ext uri="{BB962C8B-B14F-4D97-AF65-F5344CB8AC3E}">
+        <p14:creationId xmlns="" xmlns:p14="http://schemas.microsoft.com/office/powerpoint/2010/main" val="4103309497"/>
+      </p:ext>
+    </p:extLst>
+  </p:cSld>
+  <p:clrMapOvr>
+    <a:masterClrMapping/>
+  </p:clrMapOvr>
+</p:sld>
+</file>
+
+<file path=ppt/slides/slide40.xml><?xml version="1.0" encoding="utf-8"?>
+<p:sld xmlns:a="http://schemas.openxmlformats.org/drawingml/2006/main" xmlns:r="http://schemas.openxmlformats.org/officeDocument/2006/relationships" xmlns:p="http://schemas.openxmlformats.org/presentationml/2006/main">
+  <p:cSld>
+    <p:spTree>
+      <p:nvGrpSpPr>
+        <p:cNvPr id="1" name=""/>
+        <p:cNvGrpSpPr/>
+        <p:nvPr/>
+      </p:nvGrpSpPr>
+      <p:grpSpPr>
+        <a:xfrm>
+          <a:off x="0" y="0"/>
+          <a:ext cx="0" cy="0"/>
+          <a:chOff x="0" y="0"/>
+          <a:chExt cx="0" cy="0"/>
+        </a:xfrm>
+      </p:grpSpPr>
+      <p:sp>
+        <p:nvSpPr>
           <p:cNvPr id="2" name="Title 1"/>
           <p:cNvSpPr>
             <a:spLocks noGrp="1"/>
@@ -14104,7 +14616,7 @@
             <a:fld id="{B82CCC60-E8CD-4174-8B1A-7DF615B22EEF}" type="slidenum">
               <a:rPr lang="en-US" smtClean="0"/>
               <a:pPr/>
-              <a:t>39</a:t>
+              <a:t>40</a:t>
             </a:fld>
             <a:endParaRPr lang="en-US"/>
           </a:p>
@@ -14149,7 +14661,7 @@
 </p:sld>
 </file>
 
-<file path=ppt/slides/slide4.xml><?xml version="1.0" encoding="utf-8"?>
+<file path=ppt/slides/slide41.xml><?xml version="1.0" encoding="utf-8"?>
 <p:sld xmlns:a="http://schemas.openxmlformats.org/drawingml/2006/main" xmlns:r="http://schemas.openxmlformats.org/officeDocument/2006/relationships" xmlns:p="http://schemas.openxmlformats.org/presentationml/2006/main">
   <p:cSld>
     <p:spTree>
@@ -14178,191 +14690,14 @@
         </p:nvSpPr>
         <p:spPr/>
         <p:txBody>
-          <a:bodyPr>
-            <a:normAutofit/>
-          </a:bodyPr>
-          <a:lstStyle/>
-          <a:p>
-            <a:r>
-              <a:rPr lang="en-US" smtClean="0"/>
-              <a:t>Vrste grafovskih probabilističkih modela</a:t>
-            </a:r>
-            <a:endParaRPr lang="en-US" dirty="0"/>
-          </a:p>
-        </p:txBody>
-      </p:sp>
-      <p:sp>
-        <p:nvSpPr>
-          <p:cNvPr id="3" name="Content Placeholder 2"/>
-          <p:cNvSpPr>
-            <a:spLocks noGrp="1"/>
-          </p:cNvSpPr>
-          <p:nvPr>
-            <p:ph idx="1"/>
-          </p:nvPr>
-        </p:nvSpPr>
-        <p:spPr>
-          <a:xfrm>
-            <a:off x="448966" y="1170432"/>
-            <a:ext cx="8246070" cy="3770941"/>
-          </a:xfrm>
-        </p:spPr>
-        <p:txBody>
-          <a:bodyPr>
-            <a:normAutofit fontScale="92500" lnSpcReduction="20000"/>
-          </a:bodyPr>
-          <a:lstStyle/>
-          <a:p>
-            <a:pPr algn="l"/>
-            <a:r>
-              <a:rPr lang="sr-Latn-RS" sz="2200" b="1" smtClean="0"/>
-              <a:t>g</a:t>
-            </a:r>
-            <a:r>
-              <a:rPr lang="en-US" sz="2200" b="1" smtClean="0"/>
-              <a:t>rafovski probabilistički modeli odre</a:t>
-            </a:r>
-            <a:r>
-              <a:rPr lang="sr-Latn-RS" sz="2200" b="1" smtClean="0"/>
-              <a:t>đ</a:t>
-            </a:r>
-            <a:r>
-              <a:rPr lang="en-US" sz="2200" b="1" smtClean="0"/>
-              <a:t>uju familije raspodela verovatnoće koje se faktori</a:t>
-            </a:r>
-            <a:r>
-              <a:rPr lang="sr-Latn-RS" sz="2200" b="1" smtClean="0"/>
-              <a:t>š</a:t>
-            </a:r>
-            <a:r>
-              <a:rPr lang="en-US" sz="2200" b="1" smtClean="0"/>
-              <a:t>u prema odgovarajućem grafu</a:t>
-            </a:r>
-            <a:endParaRPr lang="sr-Latn-RS" sz="2200" b="1" smtClean="0"/>
-          </a:p>
-          <a:p>
-            <a:pPr algn="l"/>
-            <a:r>
-              <a:rPr lang="sr-Latn-RS" sz="2200" smtClean="0"/>
-              <a:t>u</a:t>
-            </a:r>
-            <a:r>
-              <a:rPr lang="en-US" sz="2200" smtClean="0"/>
-              <a:t> zavisnosti od toga da li se radi o usmerenom ili neusmerenom grafu, imamo podelu na </a:t>
-            </a:r>
-            <a:r>
-              <a:rPr lang="en-US" sz="2200" b="1" smtClean="0"/>
-              <a:t>Bajesovske</a:t>
-            </a:r>
-            <a:r>
-              <a:rPr lang="en-US" sz="2200" smtClean="0"/>
-              <a:t> i </a:t>
-            </a:r>
-            <a:r>
-              <a:rPr lang="en-US" sz="2200" b="1" smtClean="0"/>
-              <a:t>Markovljeve mreže</a:t>
-            </a:r>
-            <a:endParaRPr lang="sr-Latn-RS" sz="2200" b="1" smtClean="0"/>
-          </a:p>
-          <a:p>
-            <a:pPr algn="l"/>
-            <a:r>
-              <a:rPr lang="sr-Latn-RS" sz="2200" smtClean="0"/>
-              <a:t>o</a:t>
-            </a:r>
-            <a:r>
-              <a:rPr lang="en-US" sz="2200" smtClean="0"/>
-              <a:t>ve dve vrste modela razlikuju se u tipu me</a:t>
-            </a:r>
-            <a:r>
-              <a:rPr lang="sr-Latn-RS" sz="2200" smtClean="0"/>
-              <a:t>đ</a:t>
-            </a:r>
-            <a:r>
-              <a:rPr lang="en-US" sz="2200" smtClean="0"/>
-              <a:t>uzavisnosti izme</a:t>
-            </a:r>
-            <a:r>
-              <a:rPr lang="sr-Latn-RS" sz="2200" smtClean="0"/>
-              <a:t>đ</a:t>
-            </a:r>
-            <a:r>
-              <a:rPr lang="en-US" sz="2200" smtClean="0"/>
-              <a:t>u slučajnih promenljivih koje mogu da opi</a:t>
-            </a:r>
-            <a:r>
-              <a:rPr lang="sr-Latn-RS" sz="2200" smtClean="0"/>
-              <a:t>š</a:t>
-            </a:r>
-            <a:r>
-              <a:rPr lang="en-US" sz="2200" smtClean="0"/>
-              <a:t>u</a:t>
-            </a:r>
-            <a:endParaRPr lang="sr-Latn-RS" sz="2200" smtClean="0"/>
-          </a:p>
-          <a:p>
-            <a:pPr algn="l"/>
-            <a:r>
-              <a:rPr lang="en-US" sz="2200" smtClean="0"/>
-              <a:t>Bajesovske i Markovljeve mreže u op</a:t>
-            </a:r>
-            <a:r>
-              <a:rPr lang="sr-Latn-RS" sz="2200" smtClean="0"/>
-              <a:t>š</a:t>
-            </a:r>
-            <a:r>
-              <a:rPr lang="en-US" sz="2200" smtClean="0"/>
-              <a:t>tem slučaju modeluju zajedničku raspodelu</a:t>
-            </a:r>
-            <a:r>
-              <a:rPr lang="sr-Latn-RS" sz="2200" smtClean="0"/>
-              <a:t> (generativni modeli)</a:t>
-            </a:r>
-            <a:r>
-              <a:rPr lang="en-US" sz="2200" smtClean="0"/>
-              <a:t>, ali se za opažene vrednosti nekih slučajnih promenljivih mogu prilagoditi tako da modeluju uslovnu raspodelu u odnosu na date promenljive</a:t>
-            </a:r>
-            <a:endParaRPr lang="sr-Latn-RS" sz="2200" smtClean="0"/>
-          </a:p>
-          <a:p>
-            <a:pPr algn="l"/>
-            <a:r>
-              <a:rPr lang="sr-Latn-RS" sz="2100" smtClean="0"/>
-              <a:t>i</a:t>
-            </a:r>
-            <a:r>
-              <a:rPr lang="en-US" sz="2100" smtClean="0"/>
-              <a:t>sta reprezentacija i parametrizacija može se iskoristiti za modelovanje uslovne raspodele tako </a:t>
-            </a:r>
-            <a:r>
-              <a:rPr lang="sr-Latn-RS" sz="2100" smtClean="0"/>
-              <a:t>š</a:t>
-            </a:r>
-            <a:r>
-              <a:rPr lang="en-US" sz="2100" smtClean="0"/>
-              <a:t>to se raspodele pridružene faktorima renormalizuju u odnosu na fiksirane vrednosti opaženih slučajnih promenljivih —</a:t>
-            </a:r>
-            <a:r>
-              <a:rPr lang="en-US" sz="2100" b="1" smtClean="0"/>
-              <a:t> </a:t>
-            </a:r>
-            <a:r>
-              <a:rPr lang="en-US" sz="2100" smtClean="0"/>
-              <a:t>tada govorimo o </a:t>
-            </a:r>
-            <a:r>
-              <a:rPr lang="en-US" sz="2100" b="1" smtClean="0"/>
-              <a:t>uslovnim Bajesovskim </a:t>
-            </a:r>
-            <a:r>
-              <a:rPr lang="en-US" sz="2100" smtClean="0"/>
-              <a:t>i</a:t>
-            </a:r>
-            <a:r>
-              <a:rPr lang="en-US" sz="2100" b="1" smtClean="0"/>
-              <a:t> Markovljevim mrežama*</a:t>
-            </a:r>
-            <a:endParaRPr lang="en-US" sz="2100" b="1" dirty="0"/>
+          <a:bodyPr/>
+          <a:lstStyle/>
+          <a:p>
+            <a:r>
+              <a:rPr lang="sr-Latn-RS" smtClean="0"/>
+              <a:t>Struktura RNK</a:t>
+            </a:r>
+            <a:endParaRPr lang="en-US"/>
           </a:p>
         </p:txBody>
       </p:sp>
@@ -14384,84 +14719,7 @@
             <a:fld id="{B82CCC60-E8CD-4174-8B1A-7DF615B22EEF}" type="slidenum">
               <a:rPr lang="en-US" smtClean="0"/>
               <a:pPr/>
-              <a:t>4</a:t>
-            </a:fld>
-            <a:endParaRPr lang="en-US"/>
-          </a:p>
-        </p:txBody>
-      </p:sp>
-    </p:spTree>
-    <p:extLst>
-      <p:ext uri="{BB962C8B-B14F-4D97-AF65-F5344CB8AC3E}">
-        <p14:creationId xmlns="" xmlns:p14="http://schemas.microsoft.com/office/powerpoint/2010/main" val="4103309497"/>
-      </p:ext>
-    </p:extLst>
-  </p:cSld>
-  <p:clrMapOvr>
-    <a:masterClrMapping/>
-  </p:clrMapOvr>
-</p:sld>
-</file>
-
-<file path=ppt/slides/slide40.xml><?xml version="1.0" encoding="utf-8"?>
-<p:sld xmlns:a="http://schemas.openxmlformats.org/drawingml/2006/main" xmlns:r="http://schemas.openxmlformats.org/officeDocument/2006/relationships" xmlns:p="http://schemas.openxmlformats.org/presentationml/2006/main">
-  <p:cSld>
-    <p:spTree>
-      <p:nvGrpSpPr>
-        <p:cNvPr id="1" name=""/>
-        <p:cNvGrpSpPr/>
-        <p:nvPr/>
-      </p:nvGrpSpPr>
-      <p:grpSpPr>
-        <a:xfrm>
-          <a:off x="0" y="0"/>
-          <a:ext cx="0" cy="0"/>
-          <a:chOff x="0" y="0"/>
-          <a:chExt cx="0" cy="0"/>
-        </a:xfrm>
-      </p:grpSpPr>
-      <p:sp>
-        <p:nvSpPr>
-          <p:cNvPr id="2" name="Title 1"/>
-          <p:cNvSpPr>
-            <a:spLocks noGrp="1"/>
-          </p:cNvSpPr>
-          <p:nvPr>
-            <p:ph type="title"/>
-          </p:nvPr>
-        </p:nvSpPr>
-        <p:spPr/>
-        <p:txBody>
-          <a:bodyPr/>
-          <a:lstStyle/>
-          <a:p>
-            <a:r>
-              <a:rPr lang="sr-Latn-RS" smtClean="0"/>
-              <a:t>Struktura RNK</a:t>
-            </a:r>
-            <a:endParaRPr lang="en-US"/>
-          </a:p>
-        </p:txBody>
-      </p:sp>
-      <p:sp>
-        <p:nvSpPr>
-          <p:cNvPr id="4" name="Slide Number Placeholder 3"/>
-          <p:cNvSpPr>
-            <a:spLocks noGrp="1"/>
-          </p:cNvSpPr>
-          <p:nvPr>
-            <p:ph type="sldNum" sz="quarter" idx="12"/>
-          </p:nvPr>
-        </p:nvSpPr>
-        <p:spPr/>
-        <p:txBody>
-          <a:bodyPr/>
-          <a:lstStyle/>
-          <a:p>
-            <a:fld id="{B82CCC60-E8CD-4174-8B1A-7DF615B22EEF}" type="slidenum">
-              <a:rPr lang="en-US" smtClean="0"/>
-              <a:pPr/>
-              <a:t>40</a:t>
+              <a:t>41</a:t>
             </a:fld>
             <a:endParaRPr lang="en-US"/>
           </a:p>
@@ -14527,308 +14785,6 @@
               <a:t> neki načini za grafičku reprezentaciju sekundarne strukture RNK</a:t>
             </a:r>
             <a:endParaRPr lang="sr-Latn-RS" sz="2000" b="1" smtClean="0"/>
-          </a:p>
-        </p:txBody>
-      </p:sp>
-    </p:spTree>
-  </p:cSld>
-  <p:clrMapOvr>
-    <a:masterClrMapping/>
-  </p:clrMapOvr>
-  <p:timing>
-    <p:tnLst>
-      <p:par>
-        <p:cTn id="1" dur="indefinite" restart="never" nodeType="tmRoot"/>
-      </p:par>
-    </p:tnLst>
-  </p:timing>
-</p:sld>
-</file>
-
-<file path=ppt/slides/slide41.xml><?xml version="1.0" encoding="utf-8"?>
-<p:sld xmlns:a="http://schemas.openxmlformats.org/drawingml/2006/main" xmlns:r="http://schemas.openxmlformats.org/officeDocument/2006/relationships" xmlns:p="http://schemas.openxmlformats.org/presentationml/2006/main">
-  <p:cSld>
-    <p:spTree>
-      <p:nvGrpSpPr>
-        <p:cNvPr id="1" name=""/>
-        <p:cNvGrpSpPr/>
-        <p:nvPr/>
-      </p:nvGrpSpPr>
-      <p:grpSpPr>
-        <a:xfrm>
-          <a:off x="0" y="0"/>
-          <a:ext cx="0" cy="0"/>
-          <a:chOff x="0" y="0"/>
-          <a:chExt cx="0" cy="0"/>
-        </a:xfrm>
-      </p:grpSpPr>
-      <p:sp>
-        <p:nvSpPr>
-          <p:cNvPr id="2" name="Title 1"/>
-          <p:cNvSpPr>
-            <a:spLocks noGrp="1"/>
-          </p:cNvSpPr>
-          <p:nvPr>
-            <p:ph type="title"/>
-          </p:nvPr>
-        </p:nvSpPr>
-        <p:spPr/>
-        <p:txBody>
-          <a:bodyPr/>
-          <a:lstStyle/>
-          <a:p>
-            <a:r>
-              <a:rPr lang="sr-Latn-RS" smtClean="0"/>
-              <a:t>Struktura RNK</a:t>
-            </a:r>
-            <a:endParaRPr lang="en-US"/>
-          </a:p>
-        </p:txBody>
-      </p:sp>
-      <p:sp>
-        <p:nvSpPr>
-          <p:cNvPr id="3" name="Content Placeholder 2"/>
-          <p:cNvSpPr>
-            <a:spLocks noGrp="1"/>
-          </p:cNvSpPr>
-          <p:nvPr>
-            <p:ph idx="1"/>
-          </p:nvPr>
-        </p:nvSpPr>
-        <p:spPr>
-          <a:xfrm>
-            <a:off x="448966" y="1170432"/>
-            <a:ext cx="8246070" cy="3770941"/>
-          </a:xfrm>
-        </p:spPr>
-        <p:txBody>
-          <a:bodyPr>
-            <a:noAutofit/>
-          </a:bodyPr>
-          <a:lstStyle/>
-          <a:p>
-            <a:pPr algn="l">
-              <a:lnSpc>
-                <a:spcPct val="90000"/>
-              </a:lnSpc>
-            </a:pPr>
-            <a:r>
-              <a:rPr lang="sr-Latn-RS" sz="2000" smtClean="0"/>
-              <a:t>z</a:t>
-            </a:r>
-            <a:r>
-              <a:rPr lang="en-US" sz="2000" smtClean="0"/>
-              <a:t>a RNK je karakteristi</a:t>
-            </a:r>
-            <a:r>
-              <a:rPr lang="sr-Latn-RS" sz="2000" smtClean="0"/>
-              <a:t>č</a:t>
-            </a:r>
-            <a:r>
-              <a:rPr lang="en-US" sz="2000" smtClean="0"/>
-              <a:t>no to da homologne sekvence (istog porekla, sa zajedni</a:t>
-            </a:r>
-            <a:r>
-              <a:rPr lang="sr-Latn-RS" sz="2000" smtClean="0"/>
-              <a:t>č</a:t>
-            </a:r>
-            <a:r>
-              <a:rPr lang="en-US" sz="2000" smtClean="0"/>
-              <a:t>kim evolutivnim pretkom) imaju sli</a:t>
-            </a:r>
-            <a:r>
-              <a:rPr lang="sr-Latn-RS" sz="2000" smtClean="0"/>
-              <a:t>č</a:t>
-            </a:r>
-            <a:r>
-              <a:rPr lang="en-US" sz="2000" smtClean="0"/>
-              <a:t>nu sekundarnu strukturu, dok im primarne strukture ne moraju imati zna</a:t>
-            </a:r>
-            <a:r>
-              <a:rPr lang="sr-Latn-RS" sz="2000" smtClean="0"/>
-              <a:t>č</a:t>
-            </a:r>
-            <a:r>
-              <a:rPr lang="en-US" sz="2000" smtClean="0"/>
-              <a:t>ajne sli</a:t>
-            </a:r>
-            <a:r>
-              <a:rPr lang="sr-Latn-RS" sz="2000" smtClean="0"/>
-              <a:t>č</a:t>
-            </a:r>
-            <a:r>
-              <a:rPr lang="en-US" sz="2000" smtClean="0"/>
-              <a:t>nosti</a:t>
-            </a:r>
-            <a:endParaRPr lang="sr-Latn-RS" sz="2000" smtClean="0"/>
-          </a:p>
-          <a:p>
-            <a:pPr algn="l">
-              <a:lnSpc>
-                <a:spcPct val="90000"/>
-              </a:lnSpc>
-            </a:pPr>
-            <a:r>
-              <a:rPr lang="sr-Latn-RS" sz="2000" smtClean="0"/>
-              <a:t>d</a:t>
-            </a:r>
-            <a:r>
-              <a:rPr lang="en-US" sz="2000" smtClean="0"/>
-              <a:t>rasti</a:t>
-            </a:r>
-            <a:r>
-              <a:rPr lang="sr-Latn-RS" sz="2000" smtClean="0"/>
-              <a:t>č</a:t>
-            </a:r>
-            <a:r>
-              <a:rPr lang="en-US" sz="2000" smtClean="0"/>
-              <a:t>ne promene (mutacije) u primarnoj strukturi sekvenci mogu se tolerisati sve dok kompenzacione mutacije održavaju uparivanja baza na odgovaraju</a:t>
-            </a:r>
-            <a:r>
-              <a:rPr lang="sr-Latn-RS" sz="2000" smtClean="0"/>
-              <a:t>ć</a:t>
-            </a:r>
-            <a:r>
-              <a:rPr lang="en-US" sz="2000" smtClean="0"/>
-              <a:t>im pozicijama</a:t>
-            </a:r>
-            <a:endParaRPr lang="sr-Latn-RS" sz="2000" smtClean="0"/>
-          </a:p>
-          <a:p>
-            <a:pPr algn="l">
-              <a:lnSpc>
-                <a:spcPct val="90000"/>
-              </a:lnSpc>
-            </a:pPr>
-            <a:r>
-              <a:rPr lang="sr-Latn-RS" sz="2000" smtClean="0"/>
-              <a:t>t</a:t>
-            </a:r>
-            <a:r>
-              <a:rPr lang="en-US" sz="2000" smtClean="0"/>
-              <a:t>o zna</a:t>
-            </a:r>
-            <a:r>
-              <a:rPr lang="sr-Latn-RS" sz="2000" smtClean="0"/>
-              <a:t>č</a:t>
-            </a:r>
-            <a:r>
-              <a:rPr lang="en-US" sz="2000" smtClean="0"/>
-              <a:t>i da sekundarna struktura RNK evoluira (mutira) sporije od primarne strukture, </a:t>
-            </a:r>
-            <a:r>
-              <a:rPr lang="sr-Latn-RS" sz="2000" smtClean="0"/>
-              <a:t>š</a:t>
-            </a:r>
-            <a:r>
-              <a:rPr lang="en-US" sz="2000" smtClean="0"/>
-              <a:t>to modele sekundarne strukture </a:t>
-            </a:r>
-            <a:r>
-              <a:rPr lang="sr-Latn-RS" sz="2000" smtClean="0"/>
-              <a:t>č</a:t>
-            </a:r>
-            <a:r>
-              <a:rPr lang="en-US" sz="2000" smtClean="0"/>
-              <a:t>ini podesnim za traženje homologija kod RNK sekvenci</a:t>
-            </a:r>
-            <a:endParaRPr lang="sr-Latn-RS" sz="2000" smtClean="0"/>
-          </a:p>
-          <a:p>
-            <a:pPr algn="l">
-              <a:lnSpc>
-                <a:spcPct val="90000"/>
-              </a:lnSpc>
-            </a:pPr>
-            <a:r>
-              <a:rPr lang="sr-Latn-RS" sz="2000" smtClean="0"/>
-              <a:t>kako se b</a:t>
-            </a:r>
-            <a:r>
-              <a:rPr lang="en-US" sz="2000" smtClean="0"/>
-              <a:t>azni parovi skoro uvek javljaju na ugnež</a:t>
-            </a:r>
-            <a:r>
-              <a:rPr lang="sr-Latn-RS" sz="2000" smtClean="0"/>
-              <a:t>đ</a:t>
-            </a:r>
-            <a:r>
-              <a:rPr lang="en-US" sz="2000" smtClean="0"/>
-              <a:t>eni na</a:t>
-            </a:r>
-            <a:r>
-              <a:rPr lang="sr-Latn-RS" sz="2000" smtClean="0"/>
-              <a:t>č</a:t>
-            </a:r>
-            <a:r>
-              <a:rPr lang="en-US" sz="2000" smtClean="0"/>
-              <a:t>in u sekundarnoj strukturi RNK</a:t>
-            </a:r>
-            <a:r>
-              <a:rPr lang="sr-Latn-RS" sz="2000" smtClean="0"/>
-              <a:t>,</a:t>
-            </a:r>
-            <a:r>
-              <a:rPr lang="en-US" sz="2000" smtClean="0"/>
-              <a:t> </a:t>
-            </a:r>
-            <a:r>
-              <a:rPr lang="sr-Latn-RS" sz="2000" smtClean="0"/>
-              <a:t>a</a:t>
-            </a:r>
-            <a:r>
-              <a:rPr lang="en-US" sz="2000" smtClean="0"/>
-              <a:t> kontekstno-slobodne gramatike modeluju upravo ovakav tip me</a:t>
-            </a:r>
-            <a:r>
-              <a:rPr lang="sr-Latn-RS" sz="2000" smtClean="0"/>
-              <a:t>đ</a:t>
-            </a:r>
-            <a:r>
-              <a:rPr lang="en-US" sz="2000" smtClean="0"/>
-              <a:t>uzavisnosti, to SCFG modele </a:t>
-            </a:r>
-            <a:r>
-              <a:rPr lang="sr-Latn-RS" sz="2000" smtClean="0"/>
-              <a:t>čini </a:t>
-            </a:r>
-            <a:r>
-              <a:rPr lang="en-US" sz="2000" smtClean="0"/>
-              <a:t>najprikladnijim izborom za </a:t>
-            </a:r>
-            <a:r>
-              <a:rPr lang="sr-Latn-RS" sz="2000" smtClean="0"/>
-              <a:t>probabilističko </a:t>
-            </a:r>
-            <a:r>
-              <a:rPr lang="en-US" sz="2000" smtClean="0"/>
-              <a:t>modelovanje sekundarne strukture RNK</a:t>
-            </a:r>
-            <a:endParaRPr lang="en-US" sz="2000"/>
-          </a:p>
-        </p:txBody>
-      </p:sp>
-      <p:sp>
-        <p:nvSpPr>
-          <p:cNvPr id="4" name="Slide Number Placeholder 3"/>
-          <p:cNvSpPr>
-            <a:spLocks noGrp="1"/>
-          </p:cNvSpPr>
-          <p:nvPr>
-            <p:ph type="sldNum" sz="quarter" idx="12"/>
-          </p:nvPr>
-        </p:nvSpPr>
-        <p:spPr/>
-        <p:txBody>
-          <a:bodyPr/>
-          <a:lstStyle/>
-          <a:p>
-            <a:fld id="{B82CCC60-E8CD-4174-8B1A-7DF615B22EEF}" type="slidenum">
-              <a:rPr lang="en-US" smtClean="0"/>
-              <a:pPr/>
-              <a:t>41</a:t>
-            </a:fld>
-            <a:endParaRPr lang="en-US"/>
           </a:p>
         </p:txBody>
       </p:sp>
@@ -15585,44 +15541,124 @@
         </p:nvSpPr>
         <p:spPr>
           <a:xfrm>
-            <a:off x="228600" y="1063059"/>
-            <a:ext cx="3512127" cy="3709832"/>
+            <a:off x="448966" y="1170432"/>
+            <a:ext cx="8246070" cy="3770941"/>
           </a:xfrm>
         </p:spPr>
         <p:txBody>
           <a:bodyPr>
-            <a:normAutofit fontScale="92500" lnSpcReduction="20000"/>
+            <a:noAutofit/>
           </a:bodyPr>
           <a:lstStyle/>
           <a:p>
-            <a:pPr algn="l"/>
+            <a:pPr algn="l">
+              <a:lnSpc>
+                <a:spcPct val="90000"/>
+              </a:lnSpc>
+            </a:pPr>
             <a:r>
               <a:rPr lang="sr-Latn-RS" sz="2000" smtClean="0"/>
               <a:t>z</a:t>
             </a:r>
             <a:r>
               <a:rPr lang="en-US" sz="2000" smtClean="0"/>
-              <a:t>a modelovanje sekundarne strukture familija RNK sekvenci koriste se tzv. </a:t>
-            </a:r>
-            <a:r>
-              <a:rPr lang="en-US" sz="2000" b="1" smtClean="0"/>
-              <a:t>modeli kovarijacije</a:t>
-            </a:r>
-            <a:r>
-              <a:rPr lang="en-US" sz="2000" smtClean="0"/>
-              <a:t>, kontekstno-slobodni pandan profilnih HMM modela</a:t>
+              <a:t>a RNK je karakteristi</a:t>
+            </a:r>
+            <a:r>
+              <a:rPr lang="sr-Latn-RS" sz="2000" smtClean="0"/>
+              <a:t>č</a:t>
+            </a:r>
+            <a:r>
+              <a:rPr lang="en-US" sz="2000" smtClean="0"/>
+              <a:t>no to da homologne sekvence (istog porekla, sa zajedni</a:t>
+            </a:r>
+            <a:r>
+              <a:rPr lang="sr-Latn-RS" sz="2000" smtClean="0"/>
+              <a:t>č</a:t>
+            </a:r>
+            <a:r>
+              <a:rPr lang="en-US" sz="2000" smtClean="0"/>
+              <a:t>kim evolutivnim pretkom) imaju sli</a:t>
+            </a:r>
+            <a:r>
+              <a:rPr lang="sr-Latn-RS" sz="2000" smtClean="0"/>
+              <a:t>č</a:t>
+            </a:r>
+            <a:r>
+              <a:rPr lang="en-US" sz="2000" smtClean="0"/>
+              <a:t>nu sekundarnu strukturu, dok im primarne strukture ne moraju imati zna</a:t>
+            </a:r>
+            <a:r>
+              <a:rPr lang="sr-Latn-RS" sz="2000" smtClean="0"/>
+              <a:t>č</a:t>
+            </a:r>
+            <a:r>
+              <a:rPr lang="en-US" sz="2000" smtClean="0"/>
+              <a:t>ajne sli</a:t>
+            </a:r>
+            <a:r>
+              <a:rPr lang="sr-Latn-RS" sz="2000" smtClean="0"/>
+              <a:t>č</a:t>
+            </a:r>
+            <a:r>
+              <a:rPr lang="en-US" sz="2000" smtClean="0"/>
+              <a:t>nosti</a:t>
             </a:r>
             <a:endParaRPr lang="sr-Latn-RS" sz="2000" smtClean="0"/>
           </a:p>
           <a:p>
-            <a:pPr algn="l"/>
-            <a:r>
-              <a:rPr lang="sr-Latn-RS" sz="2000" smtClean="0"/>
-              <a:t>z</a:t>
-            </a:r>
-            <a:r>
-              <a:rPr lang="en-US" sz="2000" smtClean="0"/>
-              <a:t>a razliku od profilnih HMM modela, koje karakteri</a:t>
+            <a:pPr algn="l">
+              <a:lnSpc>
+                <a:spcPct val="90000"/>
+              </a:lnSpc>
+            </a:pPr>
+            <a:r>
+              <a:rPr lang="sr-Latn-RS" sz="2000" smtClean="0"/>
+              <a:t>d</a:t>
+            </a:r>
+            <a:r>
+              <a:rPr lang="en-US" sz="2000" smtClean="0"/>
+              <a:t>rasti</a:t>
+            </a:r>
+            <a:r>
+              <a:rPr lang="sr-Latn-RS" sz="2000" smtClean="0"/>
+              <a:t>č</a:t>
+            </a:r>
+            <a:r>
+              <a:rPr lang="en-US" sz="2000" smtClean="0"/>
+              <a:t>ne promene (mutacije) u primarnoj strukturi sekvenci mogu se tolerisati sve dok kompenzacione mutacije održavaju uparivanja baza na odgovaraju</a:t>
+            </a:r>
+            <a:r>
+              <a:rPr lang="sr-Latn-RS" sz="2000" smtClean="0"/>
+              <a:t>ć</a:t>
+            </a:r>
+            <a:r>
+              <a:rPr lang="en-US" sz="2000" smtClean="0"/>
+              <a:t>im pozicijama</a:t>
+            </a:r>
+            <a:endParaRPr lang="sr-Latn-RS" sz="2000" smtClean="0"/>
+          </a:p>
+          <a:p>
+            <a:pPr algn="l">
+              <a:lnSpc>
+                <a:spcPct val="90000"/>
+              </a:lnSpc>
+            </a:pPr>
+            <a:r>
+              <a:rPr lang="sr-Latn-RS" sz="2000" smtClean="0"/>
+              <a:t>t</a:t>
+            </a:r>
+            <a:r>
+              <a:rPr lang="en-US" sz="2000" smtClean="0"/>
+              <a:t>o zna</a:t>
+            </a:r>
+            <a:r>
+              <a:rPr lang="sr-Latn-RS" sz="2000" smtClean="0"/>
+              <a:t>č</a:t>
+            </a:r>
+            <a:r>
+              <a:rPr lang="en-US" sz="2000" smtClean="0"/>
+              <a:t>i da sekundarna struktura RNK evoluira (mutira) sporije od primarne strukture, </a:t>
             </a:r>
             <a:r>
               <a:rPr lang="sr-Latn-RS" sz="2000" smtClean="0"/>
@@ -15630,31 +15666,87 @@
             </a:r>
             <a:r>
               <a:rPr lang="en-US" sz="2000" smtClean="0"/>
-              <a:t>e repetitivna </a:t>
-            </a:r>
-            <a:r>
-              <a:rPr lang="en-US" sz="2000" u="sng" smtClean="0"/>
-              <a:t>linearna</a:t>
-            </a:r>
-            <a:r>
-              <a:rPr lang="en-US" sz="2000" smtClean="0"/>
-              <a:t> arhitektura, kovarijacioni modeli imaju repetitivnu </a:t>
-            </a:r>
-            <a:r>
-              <a:rPr lang="en-US" sz="2000" u="sng" smtClean="0"/>
-              <a:t>drvoliku</a:t>
-            </a:r>
-            <a:r>
-              <a:rPr lang="en-US" sz="2000" smtClean="0"/>
-              <a:t> arhitekturu</a:t>
-            </a:r>
-            <a:r>
-              <a:rPr lang="sr-Latn-RS" sz="2000" smtClean="0"/>
+              <a:t>to modele sekundarne strukture </a:t>
+            </a:r>
+            <a:r>
+              <a:rPr lang="sr-Latn-RS" sz="2000" smtClean="0"/>
+              <a:t>č</a:t>
+            </a:r>
+            <a:r>
+              <a:rPr lang="en-US" sz="2000" smtClean="0"/>
+              <a:t>ini podesnim za traženje homologija kod RNK sekvenci</a:t>
+            </a:r>
+            <a:endParaRPr lang="sr-Latn-RS" sz="2000" smtClean="0"/>
+          </a:p>
+          <a:p>
+            <a:pPr algn="l">
+              <a:lnSpc>
+                <a:spcPct val="90000"/>
+              </a:lnSpc>
+            </a:pPr>
+            <a:r>
+              <a:rPr lang="sr-Latn-RS" sz="2000" smtClean="0"/>
+              <a:t>kako se b</a:t>
+            </a:r>
+            <a:r>
+              <a:rPr lang="en-US" sz="2000" smtClean="0"/>
+              <a:t>azni parovi skoro uvek javljaju na ugnež</a:t>
+            </a:r>
+            <a:r>
+              <a:rPr lang="sr-Latn-RS" sz="2000" smtClean="0"/>
+              <a:t>đ</a:t>
+            </a:r>
+            <a:r>
+              <a:rPr lang="en-US" sz="2000" smtClean="0"/>
+              <a:t>eni na</a:t>
+            </a:r>
+            <a:r>
+              <a:rPr lang="sr-Latn-RS" sz="2000" smtClean="0"/>
+              <a:t>č</a:t>
+            </a:r>
+            <a:r>
+              <a:rPr lang="en-US" sz="2000" smtClean="0"/>
+              <a:t>in u sekundarnoj strukturi RNK</a:t>
+            </a:r>
+            <a:r>
+              <a:rPr lang="sr-Latn-RS" sz="2000" smtClean="0"/>
+              <a:t>,</a:t>
+            </a:r>
+            <a:r>
+              <a:rPr lang="en-US" sz="2000" smtClean="0"/>
               <a:t> </a:t>
             </a:r>
             <a:r>
-              <a:rPr lang="en-US" sz="2000" smtClean="0"/>
-              <a:t>koja je pogodna za modelovanje konsenzusnih sekundarnih stuktura familije RNK sekvenci</a:t>
+              <a:rPr lang="sr-Latn-RS" sz="2000" smtClean="0"/>
+              <a:t>a</a:t>
+            </a:r>
+            <a:r>
+              <a:rPr lang="en-US" sz="2000" smtClean="0"/>
+              <a:t> kontekstno-slobodne gramatike modeluju upravo ovakav tip me</a:t>
+            </a:r>
+            <a:r>
+              <a:rPr lang="sr-Latn-RS" sz="2000" smtClean="0"/>
+              <a:t>đ</a:t>
+            </a:r>
+            <a:r>
+              <a:rPr lang="en-US" sz="2000" smtClean="0"/>
+              <a:t>uzavisnosti, to SCFG modele </a:t>
+            </a:r>
+            <a:r>
+              <a:rPr lang="sr-Latn-RS" sz="2000" smtClean="0"/>
+              <a:t>čini </a:t>
+            </a:r>
+            <a:r>
+              <a:rPr lang="en-US" sz="2000" smtClean="0"/>
+              <a:t>najprikladnijim izborom za </a:t>
+            </a:r>
+            <a:r>
+              <a:rPr lang="sr-Latn-RS" sz="2000" smtClean="0"/>
+              <a:t>probabilističko </a:t>
+            </a:r>
+            <a:r>
+              <a:rPr lang="en-US" sz="2000" smtClean="0"/>
+              <a:t>modelovanje sekundarne strukture RNK</a:t>
             </a:r>
             <a:endParaRPr lang="en-US" sz="2000"/>
           </a:p>
@@ -15684,30 +15776,6 @@
           </a:p>
         </p:txBody>
       </p:sp>
-      <p:pic>
-        <p:nvPicPr>
-          <p:cNvPr id="5" name="Picture 4" descr="zuk.png"/>
-          <p:cNvPicPr>
-            <a:picLocks noChangeAspect="1"/>
-          </p:cNvPicPr>
-          <p:nvPr/>
-        </p:nvPicPr>
-        <p:blipFill>
-          <a:blip r:embed="rId2" cstate="print"/>
-          <a:stretch>
-            <a:fillRect/>
-          </a:stretch>
-        </p:blipFill>
-        <p:spPr>
-          <a:xfrm>
-            <a:off x="3671455" y="1333143"/>
-            <a:ext cx="5352303" cy="3107239"/>
-          </a:xfrm>
-          <a:prstGeom prst="rect">
-            <a:avLst/>
-          </a:prstGeom>
-        </p:spPr>
-      </p:pic>
     </p:spTree>
   </p:cSld>
   <p:clrMapOvr>
@@ -15775,6 +15843,244 @@
         </p:nvSpPr>
         <p:spPr>
           <a:xfrm>
+            <a:off x="207818" y="1146185"/>
+            <a:ext cx="3512127" cy="3883015"/>
+          </a:xfrm>
+        </p:spPr>
+        <p:txBody>
+          <a:bodyPr>
+            <a:normAutofit fontScale="92500" lnSpcReduction="10000"/>
+          </a:bodyPr>
+          <a:lstStyle/>
+          <a:p>
+            <a:pPr algn="l"/>
+            <a:r>
+              <a:rPr lang="sr-Latn-RS" sz="2000" smtClean="0"/>
+              <a:t>z</a:t>
+            </a:r>
+            <a:r>
+              <a:rPr lang="en-US" sz="2000" smtClean="0"/>
+              <a:t>a modelovanje sekundarne strukture familija RNK sekvenci koriste se tzv. </a:t>
+            </a:r>
+            <a:r>
+              <a:rPr lang="en-US" sz="2000" b="1" smtClean="0"/>
+              <a:t>modeli </a:t>
+            </a:r>
+            <a:r>
+              <a:rPr lang="en-US" sz="2000" b="1" smtClean="0"/>
+              <a:t>kovarijacije</a:t>
+            </a:r>
+            <a:r>
+              <a:rPr lang="en-US" sz="2000" smtClean="0"/>
+              <a:t> (CM), </a:t>
+            </a:r>
+            <a:r>
+              <a:rPr lang="sr-Latn-RS" sz="2000" smtClean="0"/>
+              <a:t>koji su </a:t>
+            </a:r>
+            <a:r>
+              <a:rPr lang="en-US" sz="2000" smtClean="0"/>
+              <a:t>kontekstno-slobodni </a:t>
+            </a:r>
+            <a:r>
+              <a:rPr lang="en-US" sz="2000" smtClean="0"/>
+              <a:t>pandan </a:t>
+            </a:r>
+            <a:r>
+              <a:rPr lang="en-US" sz="2000" smtClean="0"/>
+              <a:t>profilni</a:t>
+            </a:r>
+            <a:r>
+              <a:rPr lang="sr-Latn-RS" sz="2000" smtClean="0"/>
+              <a:t>m</a:t>
+            </a:r>
+            <a:r>
+              <a:rPr lang="en-US" sz="2000" smtClean="0"/>
+              <a:t> </a:t>
+            </a:r>
+            <a:r>
+              <a:rPr lang="en-US" sz="2000" smtClean="0"/>
+              <a:t>HMM </a:t>
+            </a:r>
+            <a:r>
+              <a:rPr lang="en-US" sz="2000" smtClean="0"/>
+              <a:t>model</a:t>
+            </a:r>
+            <a:r>
+              <a:rPr lang="sr-Latn-RS" sz="2000" smtClean="0"/>
+              <a:t>ima</a:t>
+            </a:r>
+            <a:endParaRPr lang="sr-Latn-RS" sz="2000" smtClean="0"/>
+          </a:p>
+          <a:p>
+            <a:pPr algn="l"/>
+            <a:r>
+              <a:rPr lang="sr-Latn-RS" sz="2000" smtClean="0"/>
+              <a:t>z</a:t>
+            </a:r>
+            <a:r>
+              <a:rPr lang="en-US" sz="2000" smtClean="0"/>
+              <a:t>a razliku od profilnih HMM modela, koje karakteri</a:t>
+            </a:r>
+            <a:r>
+              <a:rPr lang="sr-Latn-RS" sz="2000" smtClean="0"/>
+              <a:t>š</a:t>
+            </a:r>
+            <a:r>
+              <a:rPr lang="en-US" sz="2000" smtClean="0"/>
+              <a:t>e </a:t>
+            </a:r>
+            <a:r>
+              <a:rPr lang="en-US" sz="2000" u="sng" smtClean="0"/>
+              <a:t>linearna</a:t>
+            </a:r>
+            <a:r>
+              <a:rPr lang="en-US" sz="2000" smtClean="0"/>
+              <a:t> </a:t>
+            </a:r>
+            <a:r>
+              <a:rPr lang="en-US" sz="2000" smtClean="0"/>
+              <a:t>arhitektura, kovarijacioni modeli imaju </a:t>
+            </a:r>
+            <a:r>
+              <a:rPr lang="en-US" sz="2000" u="sng" smtClean="0"/>
+              <a:t>drvoliku</a:t>
+            </a:r>
+            <a:r>
+              <a:rPr lang="en-US" sz="2000" smtClean="0"/>
+              <a:t> arhitekturu</a:t>
+            </a:r>
+            <a:r>
+              <a:rPr lang="sr-Latn-RS" sz="2000" smtClean="0"/>
+              <a:t>,</a:t>
+            </a:r>
+            <a:r>
+              <a:rPr lang="sr-Latn-RS" sz="2000" smtClean="0"/>
+              <a:t> </a:t>
+            </a:r>
+            <a:r>
+              <a:rPr lang="en-US" sz="2000" smtClean="0"/>
+              <a:t>koja je pogodna za modelovanje konsenzusnih sekundarnih stuktura familije RNK sekvenci</a:t>
+            </a:r>
+            <a:endParaRPr lang="en-US" sz="2000"/>
+          </a:p>
+        </p:txBody>
+      </p:sp>
+      <p:sp>
+        <p:nvSpPr>
+          <p:cNvPr id="4" name="Slide Number Placeholder 3"/>
+          <p:cNvSpPr>
+            <a:spLocks noGrp="1"/>
+          </p:cNvSpPr>
+          <p:nvPr>
+            <p:ph type="sldNum" sz="quarter" idx="12"/>
+          </p:nvPr>
+        </p:nvSpPr>
+        <p:spPr/>
+        <p:txBody>
+          <a:bodyPr/>
+          <a:lstStyle/>
+          <a:p>
+            <a:fld id="{B82CCC60-E8CD-4174-8B1A-7DF615B22EEF}" type="slidenum">
+              <a:rPr lang="en-US" smtClean="0"/>
+              <a:pPr/>
+              <a:t>45</a:t>
+            </a:fld>
+            <a:endParaRPr lang="en-US"/>
+          </a:p>
+        </p:txBody>
+      </p:sp>
+      <p:pic>
+        <p:nvPicPr>
+          <p:cNvPr id="5" name="Picture 4" descr="zuk.png"/>
+          <p:cNvPicPr>
+            <a:picLocks noChangeAspect="1"/>
+          </p:cNvPicPr>
+          <p:nvPr/>
+        </p:nvPicPr>
+        <p:blipFill>
+          <a:blip r:embed="rId2" cstate="print"/>
+          <a:stretch>
+            <a:fillRect/>
+          </a:stretch>
+        </p:blipFill>
+        <p:spPr>
+          <a:xfrm>
+            <a:off x="3582073" y="1333143"/>
+            <a:ext cx="5435817" cy="3162657"/>
+          </a:xfrm>
+          <a:prstGeom prst="rect">
+            <a:avLst/>
+          </a:prstGeom>
+        </p:spPr>
+      </p:pic>
+    </p:spTree>
+  </p:cSld>
+  <p:clrMapOvr>
+    <a:masterClrMapping/>
+  </p:clrMapOvr>
+  <p:timing>
+    <p:tnLst>
+      <p:par>
+        <p:cTn id="1" dur="indefinite" restart="never" nodeType="tmRoot"/>
+      </p:par>
+    </p:tnLst>
+  </p:timing>
+</p:sld>
+</file>
+
+<file path=ppt/slides/slide46.xml><?xml version="1.0" encoding="utf-8"?>
+<p:sld xmlns:a="http://schemas.openxmlformats.org/drawingml/2006/main" xmlns:r="http://schemas.openxmlformats.org/officeDocument/2006/relationships" xmlns:p="http://schemas.openxmlformats.org/presentationml/2006/main">
+  <p:cSld>
+    <p:spTree>
+      <p:nvGrpSpPr>
+        <p:cNvPr id="1" name=""/>
+        <p:cNvGrpSpPr/>
+        <p:nvPr/>
+      </p:nvGrpSpPr>
+      <p:grpSpPr>
+        <a:xfrm>
+          <a:off x="0" y="0"/>
+          <a:ext cx="0" cy="0"/>
+          <a:chOff x="0" y="0"/>
+          <a:chExt cx="0" cy="0"/>
+        </a:xfrm>
+      </p:grpSpPr>
+      <p:sp>
+        <p:nvSpPr>
+          <p:cNvPr id="2" name="Title 1"/>
+          <p:cNvSpPr>
+            <a:spLocks noGrp="1"/>
+          </p:cNvSpPr>
+          <p:nvPr>
+            <p:ph type="title"/>
+          </p:nvPr>
+        </p:nvSpPr>
+        <p:spPr/>
+        <p:txBody>
+          <a:bodyPr/>
+          <a:lstStyle/>
+          <a:p>
+            <a:r>
+              <a:rPr lang="sr-Latn-RS" smtClean="0"/>
+              <a:t>Struktura RNK</a:t>
+            </a:r>
+            <a:endParaRPr lang="en-US"/>
+          </a:p>
+        </p:txBody>
+      </p:sp>
+      <p:sp>
+        <p:nvSpPr>
+          <p:cNvPr id="3" name="Content Placeholder 2"/>
+          <p:cNvSpPr>
+            <a:spLocks noGrp="1"/>
+          </p:cNvSpPr>
+          <p:nvPr>
+            <p:ph idx="1"/>
+          </p:nvPr>
+        </p:nvSpPr>
+        <p:spPr>
+          <a:xfrm>
             <a:off x="4495801" y="1087583"/>
             <a:ext cx="4648199" cy="3893126"/>
           </a:xfrm>
@@ -15990,7 +16296,7 @@
             <a:fld id="{B82CCC60-E8CD-4174-8B1A-7DF615B22EEF}" type="slidenum">
               <a:rPr lang="en-US" smtClean="0"/>
               <a:pPr/>
-              <a:t>45</a:t>
+              <a:t>46</a:t>
             </a:fld>
             <a:endParaRPr lang="en-US"/>
           </a:p>
@@ -16035,7 +16341,7 @@
 </p:sld>
 </file>
 
-<file path=ppt/slides/slide46.xml><?xml version="1.0" encoding="utf-8"?>
+<file path=ppt/slides/slide47.xml><?xml version="1.0" encoding="utf-8"?>
 <p:sld xmlns:a="http://schemas.openxmlformats.org/drawingml/2006/main" xmlns:r="http://schemas.openxmlformats.org/officeDocument/2006/relationships" xmlns:p="http://schemas.openxmlformats.org/presentationml/2006/main">
   <p:cSld>
     <p:spTree>
@@ -16276,7 +16582,7 @@
             <a:fld id="{B82CCC60-E8CD-4174-8B1A-7DF615B22EEF}" type="slidenum">
               <a:rPr lang="en-US" smtClean="0"/>
               <a:pPr/>
-              <a:t>46</a:t>
+              <a:t>47</a:t>
             </a:fld>
             <a:endParaRPr lang="en-US"/>
           </a:p>
@@ -16321,181 +16627,6 @@
 </p:sld>
 </file>
 
-<file path=ppt/slides/slide47.xml><?xml version="1.0" encoding="utf-8"?>
-<p:sld xmlns:a="http://schemas.openxmlformats.org/drawingml/2006/main" xmlns:r="http://schemas.openxmlformats.org/officeDocument/2006/relationships" xmlns:p="http://schemas.openxmlformats.org/presentationml/2006/main">
-  <p:cSld>
-    <p:spTree>
-      <p:nvGrpSpPr>
-        <p:cNvPr id="1" name=""/>
-        <p:cNvGrpSpPr/>
-        <p:nvPr/>
-      </p:nvGrpSpPr>
-      <p:grpSpPr>
-        <a:xfrm>
-          <a:off x="0" y="0"/>
-          <a:ext cx="0" cy="0"/>
-          <a:chOff x="0" y="0"/>
-          <a:chExt cx="0" cy="0"/>
-        </a:xfrm>
-      </p:grpSpPr>
-      <p:sp>
-        <p:nvSpPr>
-          <p:cNvPr id="4" name="Title 3"/>
-          <p:cNvSpPr>
-            <a:spLocks noGrp="1"/>
-          </p:cNvSpPr>
-          <p:nvPr>
-            <p:ph type="title"/>
-          </p:nvPr>
-        </p:nvSpPr>
-        <p:spPr>
-          <a:xfrm>
-            <a:off x="2325604" y="754648"/>
-            <a:ext cx="6336730" cy="725349"/>
-          </a:xfrm>
-        </p:spPr>
-        <p:txBody>
-          <a:bodyPr>
-            <a:normAutofit/>
-          </a:bodyPr>
-          <a:lstStyle/>
-          <a:p>
-            <a:r>
-              <a:rPr lang="sr-Latn-RS" smtClean="0"/>
-              <a:t>Pregled</a:t>
-            </a:r>
-            <a:endParaRPr lang="en-US" dirty="0"/>
-          </a:p>
-        </p:txBody>
-      </p:sp>
-      <p:sp>
-        <p:nvSpPr>
-          <p:cNvPr id="5" name="Content Placeholder 4"/>
-          <p:cNvSpPr>
-            <a:spLocks noGrp="1"/>
-          </p:cNvSpPr>
-          <p:nvPr>
-            <p:ph idx="1"/>
-          </p:nvPr>
-        </p:nvSpPr>
-        <p:spPr>
-          <a:xfrm>
-            <a:off x="2328741" y="1650124"/>
-            <a:ext cx="6358060" cy="3097366"/>
-          </a:xfrm>
-        </p:spPr>
-        <p:txBody>
-          <a:bodyPr>
-            <a:normAutofit/>
-          </a:bodyPr>
-          <a:lstStyle/>
-          <a:p>
-            <a:r>
-              <a:rPr lang="sr-Latn-RS" sz="2400" smtClean="0"/>
-              <a:t>V</a:t>
-            </a:r>
-            <a:r>
-              <a:rPr lang="en-US" sz="2400" smtClean="0"/>
-              <a:t>rste grafovskih probabilisti</a:t>
-            </a:r>
-            <a:r>
-              <a:rPr lang="sr-Latn-RS" sz="2400" smtClean="0"/>
-              <a:t>č</a:t>
-            </a:r>
-            <a:r>
-              <a:rPr lang="en-US" sz="2400" smtClean="0"/>
-              <a:t>kih modela</a:t>
-            </a:r>
-            <a:endParaRPr lang="sr-Latn-RS" sz="2400" smtClean="0"/>
-          </a:p>
-          <a:p>
-            <a:r>
-              <a:rPr lang="en-US" sz="2400" smtClean="0"/>
-              <a:t>Sistematizacija modela struktura sekvenci </a:t>
-            </a:r>
-            <a:endParaRPr lang="sr-Latn-RS" sz="2400" smtClean="0"/>
-          </a:p>
-          <a:p>
-            <a:r>
-              <a:rPr lang="en-US" sz="2400" smtClean="0"/>
-              <a:t>HMM</a:t>
-            </a:r>
-            <a:endParaRPr lang="sr-Latn-RS" sz="2400" smtClean="0"/>
-          </a:p>
-          <a:p>
-            <a:r>
-              <a:rPr lang="en-US" sz="2400" smtClean="0"/>
-              <a:t>SCFG</a:t>
-            </a:r>
-            <a:endParaRPr lang="sr-Latn-RS" sz="2400" smtClean="0"/>
-          </a:p>
-          <a:p>
-            <a:r>
-              <a:rPr lang="sr-Latn-RS" sz="2400" smtClean="0"/>
-              <a:t>Struktura RNK</a:t>
-            </a:r>
-          </a:p>
-          <a:p>
-            <a:r>
-              <a:rPr lang="en-US" sz="2400" b="1" smtClean="0">
-                <a:solidFill>
-                  <a:srgbClr val="009999"/>
-                </a:solidFill>
-              </a:rPr>
-              <a:t>Opis implementacije</a:t>
-            </a:r>
-            <a:endParaRPr lang="en-US" sz="2400" b="1" dirty="0">
-              <a:solidFill>
-                <a:srgbClr val="009999"/>
-              </a:solidFill>
-            </a:endParaRPr>
-          </a:p>
-        </p:txBody>
-      </p:sp>
-      <p:sp>
-        <p:nvSpPr>
-          <p:cNvPr id="6" name="Slide Number Placeholder 5"/>
-          <p:cNvSpPr>
-            <a:spLocks noGrp="1"/>
-          </p:cNvSpPr>
-          <p:nvPr>
-            <p:ph type="sldNum" sz="quarter" idx="12"/>
-          </p:nvPr>
-        </p:nvSpPr>
-        <p:spPr/>
-        <p:txBody>
-          <a:bodyPr/>
-          <a:lstStyle/>
-          <a:p>
-            <a:fld id="{B82CCC60-E8CD-4174-8B1A-7DF615B22EEF}" type="slidenum">
-              <a:rPr lang="en-US" smtClean="0"/>
-              <a:pPr/>
-              <a:t>47</a:t>
-            </a:fld>
-            <a:endParaRPr lang="en-US"/>
-          </a:p>
-        </p:txBody>
-      </p:sp>
-    </p:spTree>
-    <p:extLst>
-      <p:ext uri="{BB962C8B-B14F-4D97-AF65-F5344CB8AC3E}">
-        <p14:creationId xmlns="" xmlns:p14="http://schemas.microsoft.com/office/powerpoint/2010/main" val="1101633878"/>
-      </p:ext>
-    </p:extLst>
-  </p:cSld>
-  <p:clrMapOvr>
-    <a:masterClrMapping/>
-  </p:clrMapOvr>
-  <p:timing>
-    <p:tnLst>
-      <p:par>
-        <p:cTn id="1" dur="indefinite" restart="never" nodeType="tmRoot"/>
-      </p:par>
-    </p:tnLst>
-  </p:timing>
-</p:sld>
-</file>
-
 <file path=ppt/slides/slide48.xml><?xml version="1.0" encoding="utf-8"?>
 <p:sld xmlns:a="http://schemas.openxmlformats.org/drawingml/2006/main" xmlns:r="http://schemas.openxmlformats.org/officeDocument/2006/relationships" xmlns:p="http://schemas.openxmlformats.org/presentationml/2006/main">
   <p:cSld>
@@ -16515,41 +16646,18 @@
       </p:grpSpPr>
       <p:sp>
         <p:nvSpPr>
-          <p:cNvPr id="2" name="Title 1"/>
+          <p:cNvPr id="4" name="Title 3"/>
           <p:cNvSpPr>
             <a:spLocks noGrp="1"/>
           </p:cNvSpPr>
           <p:nvPr>
             <p:ph type="title"/>
-          </p:nvPr>
-        </p:nvSpPr>
-        <p:spPr/>
-        <p:txBody>
-          <a:bodyPr/>
-          <a:lstStyle/>
-          <a:p>
-            <a:r>
-              <a:rPr lang="sr-Latn-RS" smtClean="0"/>
-              <a:t>Opis implementacije</a:t>
-            </a:r>
-            <a:endParaRPr lang="en-US"/>
-          </a:p>
-        </p:txBody>
-      </p:sp>
-      <p:sp>
-        <p:nvSpPr>
-          <p:cNvPr id="3" name="Content Placeholder 2"/>
-          <p:cNvSpPr>
-            <a:spLocks noGrp="1"/>
-          </p:cNvSpPr>
-          <p:nvPr>
-            <p:ph idx="1"/>
           </p:nvPr>
         </p:nvSpPr>
         <p:spPr>
           <a:xfrm>
-            <a:off x="3738701" y="1460938"/>
-            <a:ext cx="4785189" cy="3438394"/>
+            <a:off x="2325604" y="754648"/>
+            <a:ext cx="6336730" cy="725349"/>
           </a:xfrm>
         </p:spPr>
         <p:txBody>
@@ -16558,172 +16666,101 @@
           </a:bodyPr>
           <a:lstStyle/>
           <a:p>
-            <a:pPr algn="l">
-              <a:lnSpc>
-                <a:spcPct val="90000"/>
-              </a:lnSpc>
-            </a:pPr>
-            <a:r>
-              <a:rPr lang="sr-Latn-RS" sz="2000" smtClean="0"/>
-              <a:t>p</a:t>
-            </a:r>
-            <a:r>
-              <a:rPr lang="en-US" sz="2000" smtClean="0"/>
-              <a:t>osebno zanimljiva </a:t>
-            </a:r>
-            <a:r>
-              <a:rPr lang="sr-Latn-RS" sz="2000" smtClean="0"/>
-              <a:t>vrsta RNK je </a:t>
-            </a:r>
-            <a:r>
-              <a:rPr lang="en-US" sz="2000" b="1" smtClean="0"/>
-              <a:t>transportna RNK</a:t>
-            </a:r>
-            <a:r>
-              <a:rPr lang="en-US" sz="2000" smtClean="0"/>
-              <a:t>, sa ulogom u translaciji</a:t>
-            </a:r>
-            <a:r>
-              <a:rPr lang="sr-Latn-RS" sz="2000" smtClean="0"/>
-              <a:t> proteina i </a:t>
-            </a:r>
-            <a:r>
-              <a:rPr lang="en-US" sz="2000" smtClean="0"/>
-              <a:t>karakteristi</a:t>
-            </a:r>
-            <a:r>
-              <a:rPr lang="sr-Latn-RS" sz="2000" smtClean="0"/>
+            <a:r>
+              <a:rPr lang="sr-Latn-RS" smtClean="0"/>
+              <a:t>Pregled</a:t>
+            </a:r>
+            <a:endParaRPr lang="en-US" dirty="0"/>
+          </a:p>
+        </p:txBody>
+      </p:sp>
+      <p:sp>
+        <p:nvSpPr>
+          <p:cNvPr id="5" name="Content Placeholder 4"/>
+          <p:cNvSpPr>
+            <a:spLocks noGrp="1"/>
+          </p:cNvSpPr>
+          <p:nvPr>
+            <p:ph idx="1"/>
+          </p:nvPr>
+        </p:nvSpPr>
+        <p:spPr>
+          <a:xfrm>
+            <a:off x="2328741" y="1650124"/>
+            <a:ext cx="6358060" cy="3097366"/>
+          </a:xfrm>
+        </p:spPr>
+        <p:txBody>
+          <a:bodyPr>
+            <a:normAutofit/>
+          </a:bodyPr>
+          <a:lstStyle/>
+          <a:p>
+            <a:r>
+              <a:rPr lang="sr-Latn-RS" sz="2400" smtClean="0"/>
+              <a:t>V</a:t>
+            </a:r>
+            <a:r>
+              <a:rPr lang="en-US" sz="2400" smtClean="0"/>
+              <a:t>rste grafovskih probabilisti</a:t>
+            </a:r>
+            <a:r>
+              <a:rPr lang="sr-Latn-RS" sz="2400" smtClean="0"/>
               <a:t>č</a:t>
             </a:r>
             <a:r>
-              <a:rPr lang="en-US" sz="2000" smtClean="0"/>
-              <a:t>n</a:t>
-            </a:r>
-            <a:r>
-              <a:rPr lang="sr-Latn-RS" sz="2000" smtClean="0"/>
-              <a:t>om</a:t>
-            </a:r>
-            <a:r>
-              <a:rPr lang="en-US" sz="2000" smtClean="0"/>
-              <a:t> sekundarn</a:t>
-            </a:r>
-            <a:r>
-              <a:rPr lang="sr-Latn-RS" sz="2000" smtClean="0"/>
-              <a:t>om</a:t>
-            </a:r>
-            <a:r>
-              <a:rPr lang="en-US" sz="2000" smtClean="0"/>
-              <a:t> struktur</a:t>
-            </a:r>
-            <a:r>
-              <a:rPr lang="sr-Latn-RS" sz="2000" smtClean="0"/>
-              <a:t>om</a:t>
-            </a:r>
-            <a:r>
-              <a:rPr lang="en-US" sz="2000" smtClean="0"/>
-              <a:t> u obliku deteline </a:t>
-            </a:r>
-            <a:r>
-              <a:rPr lang="sr-Latn-RS" sz="2000" smtClean="0"/>
-              <a:t>sa tri lista</a:t>
-            </a:r>
-          </a:p>
-          <a:p>
-            <a:pPr algn="l">
-              <a:lnSpc>
-                <a:spcPct val="90000"/>
-              </a:lnSpc>
-            </a:pPr>
-            <a:r>
-              <a:rPr lang="sr-Latn-RS" sz="2000" smtClean="0"/>
-              <a:t>l</a:t>
-            </a:r>
-            <a:r>
-              <a:rPr lang="en-US" sz="2000" smtClean="0"/>
-              <a:t>istove (petlje, </a:t>
-            </a:r>
-            <a:r>
-              <a:rPr lang="en-US" sz="2000" i="1" smtClean="0"/>
-              <a:t>loop</a:t>
-            </a:r>
-            <a:r>
-              <a:rPr lang="en-US" sz="2000" smtClean="0"/>
-              <a:t>) </a:t>
-            </a:r>
-            <a:r>
-              <a:rPr lang="sr-Latn-RS" sz="2000" smtClean="0"/>
-              <a:t>č</a:t>
-            </a:r>
-            <a:r>
-              <a:rPr lang="en-US" sz="2000" smtClean="0"/>
-              <a:t>ine neuparene baze, dok se kao veza izme</a:t>
-            </a:r>
-            <a:r>
-              <a:rPr lang="sr-Latn-RS" sz="2000" smtClean="0"/>
-              <a:t>đ</a:t>
-            </a:r>
-            <a:r>
-              <a:rPr lang="en-US" sz="2000" smtClean="0"/>
-              <a:t>u njih nalaze </a:t>
-            </a:r>
-            <a:r>
-              <a:rPr lang="sr-Latn-RS" sz="2000" smtClean="0"/>
-              <a:t>č</a:t>
-            </a:r>
-            <a:r>
-              <a:rPr lang="en-US" sz="2000" smtClean="0"/>
-              <a:t>etiri zavojnice (dr</a:t>
-            </a:r>
-            <a:r>
-              <a:rPr lang="sr-Latn-RS" sz="2000" smtClean="0"/>
-              <a:t>š</a:t>
-            </a:r>
-            <a:r>
-              <a:rPr lang="en-US" sz="2000" smtClean="0"/>
-              <a:t>ke, </a:t>
-            </a:r>
-            <a:r>
-              <a:rPr lang="en-US" sz="2000" i="1" smtClean="0"/>
-              <a:t>stem</a:t>
-            </a:r>
-            <a:r>
-              <a:rPr lang="en-US" sz="2000" smtClean="0"/>
-              <a:t>) i umetnuti nukleotidi</a:t>
-            </a:r>
-            <a:r>
-              <a:rPr lang="sr-Latn-RS" sz="2000" smtClean="0"/>
-              <a:t> (</a:t>
-            </a:r>
-            <a:r>
-              <a:rPr lang="sr-Latn-RS" sz="2000" i="1" smtClean="0"/>
-              <a:t>V</a:t>
-            </a:r>
-            <a:r>
-              <a:rPr lang="sr-Latn-RS" sz="2000" smtClean="0"/>
-              <a:t> petlja, pseudočvor...)</a:t>
-            </a:r>
-          </a:p>
-          <a:p>
-            <a:pPr algn="l">
-              <a:lnSpc>
-                <a:spcPct val="90000"/>
-              </a:lnSpc>
-            </a:pPr>
-            <a:r>
-              <a:rPr lang="sr-Latn-RS" sz="2000" smtClean="0"/>
-              <a:t>n</a:t>
-            </a:r>
-            <a:r>
-              <a:rPr lang="en-US" sz="2000" smtClean="0"/>
-              <a:t>a drugom listu, otprilike u sredini sekvence, nalazi se antikodon aminokiseline koja se prenosi</a:t>
-            </a:r>
-            <a:endParaRPr lang="en-US" sz="2000"/>
-          </a:p>
-        </p:txBody>
-      </p:sp>
-      <p:sp>
-        <p:nvSpPr>
-          <p:cNvPr id="4" name="Slide Number Placeholder 3"/>
+              <a:rPr lang="en-US" sz="2400" smtClean="0"/>
+              <a:t>kih modela</a:t>
+            </a:r>
+            <a:endParaRPr lang="sr-Latn-RS" sz="2400" smtClean="0"/>
+          </a:p>
+          <a:p>
+            <a:r>
+              <a:rPr lang="en-US" sz="2400" smtClean="0"/>
+              <a:t>Sistematizacija modela struktura sekvenci </a:t>
+            </a:r>
+            <a:endParaRPr lang="sr-Latn-RS" sz="2400" smtClean="0"/>
+          </a:p>
+          <a:p>
+            <a:r>
+              <a:rPr lang="en-US" sz="2400" smtClean="0"/>
+              <a:t>HMM</a:t>
+            </a:r>
+            <a:endParaRPr lang="sr-Latn-RS" sz="2400" smtClean="0"/>
+          </a:p>
+          <a:p>
+            <a:r>
+              <a:rPr lang="en-US" sz="2400" smtClean="0"/>
+              <a:t>SCFG</a:t>
+            </a:r>
+            <a:endParaRPr lang="sr-Latn-RS" sz="2400" smtClean="0"/>
+          </a:p>
+          <a:p>
+            <a:r>
+              <a:rPr lang="sr-Latn-RS" sz="2400" smtClean="0"/>
+              <a:t>Struktura RNK</a:t>
+            </a:r>
+          </a:p>
+          <a:p>
+            <a:r>
+              <a:rPr lang="en-US" sz="2400" b="1" smtClean="0">
+                <a:solidFill>
+                  <a:srgbClr val="009999"/>
+                </a:solidFill>
+              </a:rPr>
+              <a:t>Opis implementacije</a:t>
+            </a:r>
+            <a:endParaRPr lang="en-US" sz="2400" b="1" dirty="0">
+              <a:solidFill>
+                <a:srgbClr val="009999"/>
+              </a:solidFill>
+            </a:endParaRPr>
+          </a:p>
+        </p:txBody>
+      </p:sp>
+      <p:sp>
+        <p:nvSpPr>
+          <p:cNvPr id="6" name="Slide Number Placeholder 5"/>
           <p:cNvSpPr>
             <a:spLocks noGrp="1"/>
           </p:cNvSpPr>
@@ -16745,31 +16782,12 @@
           </a:p>
         </p:txBody>
       </p:sp>
-      <p:pic>
-        <p:nvPicPr>
-          <p:cNvPr id="5" name="Picture 4" descr="tRNA.png"/>
-          <p:cNvPicPr>
-            <a:picLocks noChangeAspect="1"/>
-          </p:cNvPicPr>
-          <p:nvPr/>
-        </p:nvPicPr>
-        <p:blipFill>
-          <a:blip r:embed="rId2" cstate="print"/>
-          <a:stretch>
-            <a:fillRect/>
-          </a:stretch>
-        </p:blipFill>
-        <p:spPr>
-          <a:xfrm>
-            <a:off x="394416" y="1103585"/>
-            <a:ext cx="2920635" cy="3903279"/>
-          </a:xfrm>
-          <a:prstGeom prst="rect">
-            <a:avLst/>
-          </a:prstGeom>
-        </p:spPr>
-      </p:pic>
     </p:spTree>
+    <p:extLst>
+      <p:ext uri="{BB962C8B-B14F-4D97-AF65-F5344CB8AC3E}">
+        <p14:creationId xmlns="" xmlns:p14="http://schemas.microsoft.com/office/powerpoint/2010/main" val="1101633878"/>
+      </p:ext>
+    </p:extLst>
   </p:cSld>
   <p:clrMapOvr>
     <a:masterClrMapping/>
@@ -16836,8 +16854,8 @@
         </p:nvSpPr>
         <p:spPr>
           <a:xfrm>
-            <a:off x="448966" y="1170432"/>
-            <a:ext cx="3187852" cy="3770941"/>
+            <a:off x="3738701" y="1460938"/>
+            <a:ext cx="4785189" cy="3438394"/>
           </a:xfrm>
         </p:spPr>
         <p:txBody>
@@ -16846,14 +16864,105 @@
           </a:bodyPr>
           <a:lstStyle/>
           <a:p>
-            <a:pPr algn="l"/>
-            <a:r>
-              <a:rPr lang="sr-Latn-RS" sz="2000" smtClean="0"/>
-              <a:t>u</a:t>
-            </a:r>
-            <a:r>
-              <a:rPr lang="en-US" sz="2000" smtClean="0"/>
-              <a:t> okviru rada na temi predvi</a:t>
+            <a:pPr algn="l">
+              <a:lnSpc>
+                <a:spcPct val="90000"/>
+              </a:lnSpc>
+            </a:pPr>
+            <a:r>
+              <a:rPr lang="sr-Latn-RS" sz="2000" smtClean="0"/>
+              <a:t>p</a:t>
+            </a:r>
+            <a:r>
+              <a:rPr lang="en-US" sz="2000" smtClean="0"/>
+              <a:t>osebno zanimljiva </a:t>
+            </a:r>
+            <a:r>
+              <a:rPr lang="sr-Latn-RS" sz="2000" smtClean="0"/>
+              <a:t>vrsta RNK je </a:t>
+            </a:r>
+            <a:r>
+              <a:rPr lang="en-US" sz="2000" b="1" smtClean="0"/>
+              <a:t>transportna RNK</a:t>
+            </a:r>
+            <a:r>
+              <a:rPr lang="en-US" sz="2000" smtClean="0"/>
+              <a:t>, sa ulogom u translaciji</a:t>
+            </a:r>
+            <a:r>
+              <a:rPr lang="sr-Latn-RS" sz="2000" smtClean="0"/>
+              <a:t> proteina i </a:t>
+            </a:r>
+            <a:r>
+              <a:rPr lang="en-US" sz="2000" smtClean="0"/>
+              <a:t>karakteristi</a:t>
+            </a:r>
+            <a:r>
+              <a:rPr lang="sr-Latn-RS" sz="2000" smtClean="0"/>
+              <a:t>č</a:t>
+            </a:r>
+            <a:r>
+              <a:rPr lang="en-US" sz="2000" smtClean="0"/>
+              <a:t>n</a:t>
+            </a:r>
+            <a:r>
+              <a:rPr lang="sr-Latn-RS" sz="2000" smtClean="0"/>
+              <a:t>om</a:t>
+            </a:r>
+            <a:r>
+              <a:rPr lang="en-US" sz="2000" smtClean="0"/>
+              <a:t> sekundarn</a:t>
+            </a:r>
+            <a:r>
+              <a:rPr lang="sr-Latn-RS" sz="2000" smtClean="0"/>
+              <a:t>om</a:t>
+            </a:r>
+            <a:r>
+              <a:rPr lang="en-US" sz="2000" smtClean="0"/>
+              <a:t> struktur</a:t>
+            </a:r>
+            <a:r>
+              <a:rPr lang="sr-Latn-RS" sz="2000" smtClean="0"/>
+              <a:t>om</a:t>
+            </a:r>
+            <a:r>
+              <a:rPr lang="en-US" sz="2000" smtClean="0"/>
+              <a:t> u obliku deteline </a:t>
+            </a:r>
+            <a:r>
+              <a:rPr lang="sr-Latn-RS" sz="2000" smtClean="0"/>
+              <a:t>sa tri lista</a:t>
+            </a:r>
+          </a:p>
+          <a:p>
+            <a:pPr algn="l">
+              <a:lnSpc>
+                <a:spcPct val="90000"/>
+              </a:lnSpc>
+            </a:pPr>
+            <a:r>
+              <a:rPr lang="sr-Latn-RS" sz="2000" smtClean="0"/>
+              <a:t>l</a:t>
+            </a:r>
+            <a:r>
+              <a:rPr lang="en-US" sz="2000" smtClean="0"/>
+              <a:t>istove (petlje, </a:t>
+            </a:r>
+            <a:r>
+              <a:rPr lang="en-US" sz="2000" i="1" smtClean="0"/>
+              <a:t>loop</a:t>
+            </a:r>
+            <a:r>
+              <a:rPr lang="en-US" sz="2000" smtClean="0"/>
+              <a:t>) </a:t>
+            </a:r>
+            <a:r>
+              <a:rPr lang="sr-Latn-RS" sz="2000" smtClean="0"/>
+              <a:t>č</a:t>
+            </a:r>
+            <a:r>
+              <a:rPr lang="en-US" sz="2000" smtClean="0"/>
+              <a:t>ine neuparene baze, dok se kao veza izme</a:t>
             </a:r>
             <a:r>
               <a:rPr lang="sr-Latn-RS" sz="2000" smtClean="0"/>
@@ -16861,51 +16970,7 @@
             </a:r>
             <a:r>
               <a:rPr lang="en-US" sz="2000" smtClean="0"/>
-              <a:t>anja sekundarne strukture tRNK, implementiran</a:t>
-            </a:r>
-            <a:r>
-              <a:rPr lang="sr-Latn-RS" sz="2000" smtClean="0"/>
-              <a:t>a</a:t>
-            </a:r>
-            <a:r>
-              <a:rPr lang="en-US" sz="2000" smtClean="0"/>
-              <a:t> su tri </a:t>
-            </a:r>
-            <a:r>
-              <a:rPr lang="sr-Latn-RS" sz="2000" smtClean="0"/>
-              <a:t>S</a:t>
-            </a:r>
-            <a:r>
-              <a:rPr lang="en-US" sz="2000" smtClean="0"/>
-              <a:t>CFG </a:t>
-            </a:r>
-            <a:r>
-              <a:rPr lang="sr-Latn-RS" sz="2000" smtClean="0"/>
-              <a:t>modela </a:t>
-            </a:r>
-            <a:r>
-              <a:rPr lang="en-US" sz="2000" smtClean="0"/>
-              <a:t>s tim ciljem</a:t>
-            </a:r>
-            <a:endParaRPr lang="sr-Latn-RS" sz="2000" smtClean="0"/>
-          </a:p>
-          <a:p>
-            <a:pPr algn="l"/>
-            <a:r>
-              <a:rPr lang="sr-Latn-RS" sz="2000" smtClean="0"/>
-              <a:t>korišćeni s</a:t>
-            </a:r>
-            <a:r>
-              <a:rPr lang="en-US" sz="2000" smtClean="0"/>
-              <a:t>kup podataka preuzet je iz baze </a:t>
-            </a:r>
-            <a:r>
-              <a:rPr lang="en-US" sz="2000" b="1" smtClean="0"/>
-              <a:t>tRNAdb</a:t>
-            </a:r>
-            <a:r>
-              <a:rPr lang="en-US" sz="2000" smtClean="0"/>
-              <a:t>, koja </a:t>
+              <a:t>u njih nalaze </a:t>
             </a:r>
             <a:r>
               <a:rPr lang="sr-Latn-RS" sz="2000" smtClean="0"/>
@@ -16913,9 +16978,52 @@
             </a:r>
             <a:r>
               <a:rPr lang="en-US" sz="2000" smtClean="0"/>
-              <a:t>uva sekvence tRNK sa pridruženim sekundarnim strukturama</a:t>
-            </a:r>
-            <a:endParaRPr lang="sr-Latn-RS" sz="2000" smtClean="0"/>
+              <a:t>etiri zavojnice (dr</a:t>
+            </a:r>
+            <a:r>
+              <a:rPr lang="sr-Latn-RS" sz="2000" smtClean="0"/>
+              <a:t>š</a:t>
+            </a:r>
+            <a:r>
+              <a:rPr lang="en-US" sz="2000" smtClean="0"/>
+              <a:t>ke, </a:t>
+            </a:r>
+            <a:r>
+              <a:rPr lang="en-US" sz="2000" i="1" smtClean="0"/>
+              <a:t>stem</a:t>
+            </a:r>
+            <a:r>
+              <a:rPr lang="en-US" sz="2000" smtClean="0"/>
+              <a:t>) i umetnuti nukleotidi</a:t>
+            </a:r>
+            <a:r>
+              <a:rPr lang="sr-Latn-RS" sz="2000" smtClean="0"/>
+              <a:t> (</a:t>
+            </a:r>
+            <a:r>
+              <a:rPr lang="sr-Latn-RS" sz="2000" i="1" smtClean="0"/>
+              <a:t>V</a:t>
+            </a:r>
+            <a:r>
+              <a:rPr lang="sr-Latn-RS" sz="2000" smtClean="0"/>
+              <a:t> petlja, pseudočvor...)</a:t>
+            </a:r>
+          </a:p>
+          <a:p>
+            <a:pPr algn="l">
+              <a:lnSpc>
+                <a:spcPct val="90000"/>
+              </a:lnSpc>
+            </a:pPr>
+            <a:r>
+              <a:rPr lang="sr-Latn-RS" sz="2000" smtClean="0"/>
+              <a:t>n</a:t>
+            </a:r>
+            <a:r>
+              <a:rPr lang="en-US" sz="2000" smtClean="0"/>
+              <a:t>a drugom listu, otprilike u sredini sekvence, nalazi se antikodon aminokiseline koja se prenosi</a:t>
+            </a:r>
+            <a:endParaRPr lang="en-US" sz="2000"/>
           </a:p>
         </p:txBody>
       </p:sp>
@@ -16945,7 +17053,7 @@
       </p:sp>
       <p:pic>
         <p:nvPicPr>
-          <p:cNvPr id="5" name="Picture 4" descr="kh.png"/>
+          <p:cNvPr id="5" name="Picture 4" descr="tRNA.png"/>
           <p:cNvPicPr>
             <a:picLocks noChangeAspect="1"/>
           </p:cNvPicPr>
@@ -16959,8 +17067,8 @@
         </p:blipFill>
         <p:spPr>
           <a:xfrm>
-            <a:off x="3729991" y="1073727"/>
-            <a:ext cx="4555028" cy="3838507"/>
+            <a:off x="394416" y="1103585"/>
+            <a:ext cx="2920635" cy="3903279"/>
           </a:xfrm>
           <a:prstGeom prst="rect">
             <a:avLst/>
@@ -17199,7 +17307,7 @@
         <p:spPr>
           <a:xfrm>
             <a:off x="448966" y="1170432"/>
-            <a:ext cx="8246070" cy="1739023"/>
+            <a:ext cx="3187852" cy="3770941"/>
           </a:xfrm>
         </p:spPr>
         <p:txBody>
@@ -17211,19 +17319,63 @@
             <a:pPr algn="l"/>
             <a:r>
               <a:rPr lang="sr-Latn-RS" sz="2000" smtClean="0"/>
-              <a:t>n</a:t>
-            </a:r>
-            <a:r>
-              <a:rPr lang="en-US" sz="2000" smtClean="0"/>
-              <a:t>akon filtriranja, u skupu su ostale 432 sasvim korektne sekvence, koje su iskori</a:t>
-            </a:r>
-            <a:r>
-              <a:rPr lang="sr-Latn-RS" sz="2000" smtClean="0"/>
-              <a:t>šć</a:t>
-            </a:r>
-            <a:r>
-              <a:rPr lang="en-US" sz="2000" smtClean="0"/>
-              <a:t>ene nadalje u obu</a:t>
+              <a:t>u</a:t>
+            </a:r>
+            <a:r>
+              <a:rPr lang="en-US" sz="2000" smtClean="0"/>
+              <a:t> okviru rada na temi predvi</a:t>
+            </a:r>
+            <a:r>
+              <a:rPr lang="sr-Latn-RS" sz="2000" smtClean="0"/>
+              <a:t>đ</a:t>
+            </a:r>
+            <a:r>
+              <a:rPr lang="en-US" sz="2000" smtClean="0"/>
+              <a:t>anja sekundarne strukture tRNK, implementiran</a:t>
+            </a:r>
+            <a:r>
+              <a:rPr lang="sr-Latn-RS" sz="2000" smtClean="0"/>
+              <a:t>a</a:t>
+            </a:r>
+            <a:r>
+              <a:rPr lang="en-US" sz="2000" smtClean="0"/>
+              <a:t> su tri </a:t>
+            </a:r>
+            <a:r>
+              <a:rPr lang="sr-Latn-RS" sz="2000" smtClean="0"/>
+              <a:t>S</a:t>
+            </a:r>
+            <a:r>
+              <a:rPr lang="en-US" sz="2000" smtClean="0"/>
+              <a:t>CFG </a:t>
+            </a:r>
+            <a:r>
+              <a:rPr lang="sr-Latn-RS" sz="2000" smtClean="0"/>
+              <a:t>modela </a:t>
+            </a:r>
+            <a:r>
+              <a:rPr lang="en-US" sz="2000" smtClean="0"/>
+              <a:t>s tim ciljem</a:t>
+            </a:r>
+            <a:endParaRPr lang="sr-Latn-RS" sz="2000" smtClean="0"/>
+          </a:p>
+          <a:p>
+            <a:pPr algn="l"/>
+            <a:r>
+              <a:rPr lang="sr-Latn-RS" sz="2000" smtClean="0"/>
+              <a:t>korišćeni s</a:t>
+            </a:r>
+            <a:r>
+              <a:rPr lang="en-US" sz="2000" smtClean="0"/>
+              <a:t>kup podataka preuzet je iz baze </a:t>
+            </a:r>
+            <a:r>
+              <a:rPr lang="en-US" sz="2000" b="1" smtClean="0"/>
+              <a:t>tRNAdb</a:t>
+            </a:r>
+            <a:r>
+              <a:rPr lang="en-US" sz="2000" smtClean="0"/>
+              <a:t>, koja </a:t>
             </a:r>
             <a:r>
               <a:rPr lang="sr-Latn-RS" sz="2000" smtClean="0"/>
@@ -17231,78 +17383,7 @@
             </a:r>
             <a:r>
               <a:rPr lang="en-US" sz="2000" smtClean="0"/>
-              <a:t>avanju i </a:t>
-            </a:r>
-            <a:r>
-              <a:rPr lang="sr-Latn-RS" sz="2000" smtClean="0"/>
-              <a:t>proveri</a:t>
-            </a:r>
-            <a:r>
-              <a:rPr lang="en-US" sz="2000" smtClean="0"/>
-              <a:t> implementiranih </a:t>
-            </a:r>
-            <a:r>
-              <a:rPr lang="sr-Latn-RS" sz="2000" smtClean="0"/>
-              <a:t>gramatika</a:t>
-            </a:r>
-          </a:p>
-          <a:p>
-            <a:pPr algn="l"/>
-            <a:r>
-              <a:rPr lang="sr-Latn-RS" sz="2000" smtClean="0"/>
-              <a:t>modeli su</a:t>
-            </a:r>
-            <a:r>
-              <a:rPr lang="en-US" sz="2000" smtClean="0"/>
-              <a:t> treniran</a:t>
-            </a:r>
-            <a:r>
-              <a:rPr lang="sr-Latn-RS" sz="2000" smtClean="0"/>
-              <a:t>i</a:t>
-            </a:r>
-            <a:r>
-              <a:rPr lang="en-US" sz="2000" smtClean="0"/>
-              <a:t> na jednom delu skupa, koji je prethodno morao biti transformisan u odgovaraju</a:t>
-            </a:r>
-            <a:r>
-              <a:rPr lang="sr-Latn-RS" sz="2000" smtClean="0"/>
-              <a:t>ć</a:t>
-            </a:r>
-            <a:r>
-              <a:rPr lang="en-US" sz="2000" smtClean="0"/>
-              <a:t>i skup stabala izvo</a:t>
-            </a:r>
-            <a:r>
-              <a:rPr lang="sr-Latn-RS" sz="2000" smtClean="0"/>
-              <a:t>đ</a:t>
-            </a:r>
-            <a:r>
-              <a:rPr lang="en-US" sz="2000" smtClean="0"/>
-              <a:t>enja, </a:t>
-            </a:r>
-            <a:r>
-              <a:rPr lang="sr-Latn-RS" sz="2000" smtClean="0"/>
-              <a:t>š</a:t>
-            </a:r>
-            <a:r>
-              <a:rPr lang="en-US" sz="2000" smtClean="0"/>
-              <a:t>to je i u</a:t>
-            </a:r>
-            <a:r>
-              <a:rPr lang="sr-Latn-RS" sz="2000" smtClean="0"/>
-              <a:t>č</a:t>
-            </a:r>
-            <a:r>
-              <a:rPr lang="en-US" sz="2000" smtClean="0"/>
-              <a:t>injeno </a:t>
-            </a:r>
-            <a:r>
-              <a:rPr lang="sr-Latn-RS" sz="2000" smtClean="0"/>
-              <a:t>modifikovanom </a:t>
-            </a:r>
-            <a:r>
-              <a:rPr lang="en-US" sz="2000" smtClean="0"/>
-              <a:t>tehnikom rekurzivnog spusta</a:t>
+              <a:t>uva sekvence tRNK sa pridruženim sekundarnim strukturama</a:t>
             </a:r>
             <a:endParaRPr lang="sr-Latn-RS" sz="2000" smtClean="0"/>
           </a:p>
@@ -17334,7 +17415,7 @@
       </p:sp>
       <p:pic>
         <p:nvPicPr>
-          <p:cNvPr id="5" name="Picture 4" descr="pipeline.png"/>
+          <p:cNvPr id="5" name="Picture 4" descr="kh.png"/>
           <p:cNvPicPr>
             <a:picLocks noChangeAspect="1"/>
           </p:cNvPicPr>
@@ -17348,190 +17429,14 @@
         </p:blipFill>
         <p:spPr>
           <a:xfrm>
-            <a:off x="4056274" y="2780498"/>
-            <a:ext cx="4554325" cy="1902337"/>
+            <a:off x="3729991" y="1073727"/>
+            <a:ext cx="4555028" cy="3838507"/>
           </a:xfrm>
           <a:prstGeom prst="rect">
             <a:avLst/>
           </a:prstGeom>
         </p:spPr>
       </p:pic>
-      <p:sp>
-        <p:nvSpPr>
-          <p:cNvPr id="6" name="Content Placeholder 2"/>
-          <p:cNvSpPr txBox="1">
-            <a:spLocks/>
-          </p:cNvSpPr>
-          <p:nvPr/>
-        </p:nvSpPr>
-        <p:spPr>
-          <a:xfrm>
-            <a:off x="464127" y="2881745"/>
-            <a:ext cx="3429000" cy="2050474"/>
-          </a:xfrm>
-          <a:prstGeom prst="rect">
-            <a:avLst/>
-          </a:prstGeom>
-        </p:spPr>
-        <p:txBody>
-          <a:bodyPr vert="horz" lIns="91440" tIns="45720" rIns="91440" bIns="45720" rtlCol="0">
-            <a:normAutofit/>
-          </a:bodyPr>
-          <a:lstStyle/>
-          <a:p>
-            <a:pPr marL="342900" marR="0" lvl="0" indent="-342900" algn="l" defTabSz="914400" rtl="0" eaLnBrk="1" fontAlgn="auto" latinLnBrk="0" hangingPunct="1">
-              <a:lnSpc>
-                <a:spcPct val="100000"/>
-              </a:lnSpc>
-              <a:spcBef>
-                <a:spcPct val="20000"/>
-              </a:spcBef>
-              <a:spcAft>
-                <a:spcPts val="0"/>
-              </a:spcAft>
-              <a:buClrTx/>
-              <a:buSzTx/>
-              <a:buFont typeface="Arial" pitchFamily="34" charset="0"/>
-              <a:buChar char="•"/>
-              <a:tabLst/>
-              <a:defRPr/>
-            </a:pPr>
-            <a:r>
-              <a:rPr kumimoji="0" lang="sr-Latn-RS" sz="2000" b="0" i="0" u="none" strike="noStrike" kern="1200" cap="none" spc="0" normalizeH="0" baseline="0" noProof="0" smtClean="0">
-                <a:ln>
-                  <a:noFill/>
-                </a:ln>
-                <a:solidFill>
-                  <a:srgbClr val="003635"/>
-                </a:solidFill>
-                <a:effectLst/>
-                <a:uLnTx/>
-                <a:uFillTx/>
-                <a:latin typeface="+mn-lt"/>
-                <a:ea typeface="+mn-ea"/>
-                <a:cs typeface="+mn-cs"/>
-              </a:rPr>
-              <a:t>g</a:t>
-            </a:r>
-            <a:r>
-              <a:rPr kumimoji="0" lang="en-US" sz="2000" b="0" i="0" u="none" strike="noStrike" kern="1200" cap="none" spc="0" normalizeH="0" baseline="0" noProof="0" smtClean="0">
-                <a:ln>
-                  <a:noFill/>
-                </a:ln>
-                <a:solidFill>
-                  <a:srgbClr val="003635"/>
-                </a:solidFill>
-                <a:effectLst/>
-                <a:uLnTx/>
-                <a:uFillTx/>
-                <a:latin typeface="+mn-lt"/>
-                <a:ea typeface="+mn-ea"/>
-                <a:cs typeface="+mn-cs"/>
-              </a:rPr>
-              <a:t>otovi modeli iskori</a:t>
-            </a:r>
-            <a:r>
-              <a:rPr kumimoji="0" lang="sr-Latn-RS" sz="2000" b="0" i="0" u="none" strike="noStrike" kern="1200" cap="none" spc="0" normalizeH="0" baseline="0" noProof="0" smtClean="0">
-                <a:ln>
-                  <a:noFill/>
-                </a:ln>
-                <a:solidFill>
-                  <a:srgbClr val="003635"/>
-                </a:solidFill>
-                <a:effectLst/>
-                <a:uLnTx/>
-                <a:uFillTx/>
-                <a:latin typeface="+mn-lt"/>
-                <a:ea typeface="+mn-ea"/>
-                <a:cs typeface="+mn-cs"/>
-              </a:rPr>
-              <a:t>šć</a:t>
-            </a:r>
-            <a:r>
-              <a:rPr kumimoji="0" lang="en-US" sz="2000" b="0" i="0" u="none" strike="noStrike" kern="1200" cap="none" spc="0" normalizeH="0" baseline="0" noProof="0" smtClean="0">
-                <a:ln>
-                  <a:noFill/>
-                </a:ln>
-                <a:solidFill>
-                  <a:srgbClr val="003635"/>
-                </a:solidFill>
-                <a:effectLst/>
-                <a:uLnTx/>
-                <a:uFillTx/>
-                <a:latin typeface="+mn-lt"/>
-                <a:ea typeface="+mn-ea"/>
-                <a:cs typeface="+mn-cs"/>
-              </a:rPr>
-              <a:t>eni su za predvi</a:t>
-            </a:r>
-            <a:r>
-              <a:rPr kumimoji="0" lang="sr-Latn-RS" sz="2000" b="0" i="0" u="none" strike="noStrike" kern="1200" cap="none" spc="0" normalizeH="0" baseline="0" noProof="0" smtClean="0">
-                <a:ln>
-                  <a:noFill/>
-                </a:ln>
-                <a:solidFill>
-                  <a:srgbClr val="003635"/>
-                </a:solidFill>
-                <a:effectLst/>
-                <a:uLnTx/>
-                <a:uFillTx/>
-                <a:latin typeface="+mn-lt"/>
-                <a:ea typeface="+mn-ea"/>
-                <a:cs typeface="+mn-cs"/>
-              </a:rPr>
-              <a:t>đ</a:t>
-            </a:r>
-            <a:r>
-              <a:rPr kumimoji="0" lang="en-US" sz="2000" b="0" i="0" u="none" strike="noStrike" kern="1200" cap="none" spc="0" normalizeH="0" baseline="0" noProof="0" smtClean="0">
-                <a:ln>
-                  <a:noFill/>
-                </a:ln>
-                <a:solidFill>
-                  <a:srgbClr val="003635"/>
-                </a:solidFill>
-                <a:effectLst/>
-                <a:uLnTx/>
-                <a:uFillTx/>
-                <a:latin typeface="+mn-lt"/>
-                <a:ea typeface="+mn-ea"/>
-                <a:cs typeface="+mn-cs"/>
-              </a:rPr>
-              <a:t>anje sekundarne strukture drugog dela podataka (ukupno 108 test instanci), </a:t>
-            </a:r>
-            <a:r>
-              <a:rPr kumimoji="0" lang="sr-Latn-RS" sz="2000" b="0" i="0" u="none" strike="noStrike" kern="1200" cap="none" spc="0" normalizeH="0" baseline="0" noProof="0" smtClean="0">
-                <a:ln>
-                  <a:noFill/>
-                </a:ln>
-                <a:solidFill>
-                  <a:srgbClr val="003635"/>
-                </a:solidFill>
-                <a:effectLst/>
-                <a:uLnTx/>
-                <a:uFillTx/>
-                <a:latin typeface="+mn-lt"/>
-                <a:ea typeface="+mn-ea"/>
-                <a:cs typeface="+mn-cs"/>
-              </a:rPr>
-              <a:t>što je poslužilo za evaluaciju</a:t>
-            </a:r>
-            <a:endParaRPr kumimoji="0" lang="en-US" sz="2000" b="0" i="0" u="none" strike="noStrike" kern="1200" cap="none" spc="0" normalizeH="0" baseline="0" noProof="0">
-              <a:ln>
-                <a:noFill/>
-              </a:ln>
-              <a:solidFill>
-                <a:srgbClr val="003635"/>
-              </a:solidFill>
-              <a:effectLst/>
-              <a:uLnTx/>
-              <a:uFillTx/>
-              <a:latin typeface="+mn-lt"/>
-              <a:ea typeface="+mn-ea"/>
-              <a:cs typeface="+mn-cs"/>
-            </a:endParaRPr>
-          </a:p>
-        </p:txBody>
-      </p:sp>
     </p:spTree>
   </p:cSld>
   <p:clrMapOvr>
@@ -17576,6 +17481,407 @@
         </p:nvSpPr>
         <p:spPr/>
         <p:txBody>
+          <a:bodyPr/>
+          <a:lstStyle/>
+          <a:p>
+            <a:r>
+              <a:rPr lang="sr-Latn-RS" smtClean="0"/>
+              <a:t>Opis implementacije</a:t>
+            </a:r>
+            <a:endParaRPr lang="en-US"/>
+          </a:p>
+        </p:txBody>
+      </p:sp>
+      <p:sp>
+        <p:nvSpPr>
+          <p:cNvPr id="3" name="Content Placeholder 2"/>
+          <p:cNvSpPr>
+            <a:spLocks noGrp="1"/>
+          </p:cNvSpPr>
+          <p:nvPr>
+            <p:ph idx="1"/>
+          </p:nvPr>
+        </p:nvSpPr>
+        <p:spPr>
+          <a:xfrm>
+            <a:off x="448966" y="1170432"/>
+            <a:ext cx="8246070" cy="1739023"/>
+          </a:xfrm>
+        </p:spPr>
+        <p:txBody>
+          <a:bodyPr>
+            <a:normAutofit/>
+          </a:bodyPr>
+          <a:lstStyle/>
+          <a:p>
+            <a:pPr algn="l"/>
+            <a:r>
+              <a:rPr lang="sr-Latn-RS" sz="2000" smtClean="0"/>
+              <a:t>n</a:t>
+            </a:r>
+            <a:r>
+              <a:rPr lang="en-US" sz="2000" smtClean="0"/>
+              <a:t>akon filtriranja, u skupu su ostale 432 sasvim korektne sekvence, koje su iskori</a:t>
+            </a:r>
+            <a:r>
+              <a:rPr lang="sr-Latn-RS" sz="2000" smtClean="0"/>
+              <a:t>šć</a:t>
+            </a:r>
+            <a:r>
+              <a:rPr lang="en-US" sz="2000" smtClean="0"/>
+              <a:t>ene nadalje u obu</a:t>
+            </a:r>
+            <a:r>
+              <a:rPr lang="sr-Latn-RS" sz="2000" smtClean="0"/>
+              <a:t>č</a:t>
+            </a:r>
+            <a:r>
+              <a:rPr lang="en-US" sz="2000" smtClean="0"/>
+              <a:t>avanju i </a:t>
+            </a:r>
+            <a:r>
+              <a:rPr lang="sr-Latn-RS" sz="2000" smtClean="0"/>
+              <a:t>proveri</a:t>
+            </a:r>
+            <a:r>
+              <a:rPr lang="en-US" sz="2000" smtClean="0"/>
+              <a:t> implementiranih </a:t>
+            </a:r>
+            <a:r>
+              <a:rPr lang="sr-Latn-RS" sz="2000" smtClean="0"/>
+              <a:t>gramatika</a:t>
+            </a:r>
+          </a:p>
+          <a:p>
+            <a:pPr algn="l"/>
+            <a:r>
+              <a:rPr lang="sr-Latn-RS" sz="2000" smtClean="0"/>
+              <a:t>modeli su</a:t>
+            </a:r>
+            <a:r>
+              <a:rPr lang="en-US" sz="2000" smtClean="0"/>
+              <a:t> treniran</a:t>
+            </a:r>
+            <a:r>
+              <a:rPr lang="sr-Latn-RS" sz="2000" smtClean="0"/>
+              <a:t>i</a:t>
+            </a:r>
+            <a:r>
+              <a:rPr lang="en-US" sz="2000" smtClean="0"/>
+              <a:t> na jednom delu skupa, koji je prethodno morao biti transformisan u odgovaraju</a:t>
+            </a:r>
+            <a:r>
+              <a:rPr lang="sr-Latn-RS" sz="2000" smtClean="0"/>
+              <a:t>ć</a:t>
+            </a:r>
+            <a:r>
+              <a:rPr lang="en-US" sz="2000" smtClean="0"/>
+              <a:t>i skup stabala izvo</a:t>
+            </a:r>
+            <a:r>
+              <a:rPr lang="sr-Latn-RS" sz="2000" smtClean="0"/>
+              <a:t>đ</a:t>
+            </a:r>
+            <a:r>
+              <a:rPr lang="en-US" sz="2000" smtClean="0"/>
+              <a:t>enja, </a:t>
+            </a:r>
+            <a:r>
+              <a:rPr lang="sr-Latn-RS" sz="2000" smtClean="0"/>
+              <a:t>š</a:t>
+            </a:r>
+            <a:r>
+              <a:rPr lang="en-US" sz="2000" smtClean="0"/>
+              <a:t>to je i u</a:t>
+            </a:r>
+            <a:r>
+              <a:rPr lang="sr-Latn-RS" sz="2000" smtClean="0"/>
+              <a:t>č</a:t>
+            </a:r>
+            <a:r>
+              <a:rPr lang="en-US" sz="2000" smtClean="0"/>
+              <a:t>injeno </a:t>
+            </a:r>
+            <a:r>
+              <a:rPr lang="sr-Latn-RS" sz="2000" smtClean="0"/>
+              <a:t>modifikovanom </a:t>
+            </a:r>
+            <a:r>
+              <a:rPr lang="en-US" sz="2000" smtClean="0"/>
+              <a:t>tehnikom rekurzivnog spusta</a:t>
+            </a:r>
+            <a:endParaRPr lang="sr-Latn-RS" sz="2000" smtClean="0"/>
+          </a:p>
+        </p:txBody>
+      </p:sp>
+      <p:sp>
+        <p:nvSpPr>
+          <p:cNvPr id="4" name="Slide Number Placeholder 3"/>
+          <p:cNvSpPr>
+            <a:spLocks noGrp="1"/>
+          </p:cNvSpPr>
+          <p:nvPr>
+            <p:ph type="sldNum" sz="quarter" idx="12"/>
+          </p:nvPr>
+        </p:nvSpPr>
+        <p:spPr/>
+        <p:txBody>
+          <a:bodyPr/>
+          <a:lstStyle/>
+          <a:p>
+            <a:fld id="{B82CCC60-E8CD-4174-8B1A-7DF615B22EEF}" type="slidenum">
+              <a:rPr lang="en-US" smtClean="0"/>
+              <a:pPr/>
+              <a:t>51</a:t>
+            </a:fld>
+            <a:endParaRPr lang="en-US"/>
+          </a:p>
+        </p:txBody>
+      </p:sp>
+      <p:pic>
+        <p:nvPicPr>
+          <p:cNvPr id="5" name="Picture 4" descr="pipeline.png"/>
+          <p:cNvPicPr>
+            <a:picLocks noChangeAspect="1"/>
+          </p:cNvPicPr>
+          <p:nvPr/>
+        </p:nvPicPr>
+        <p:blipFill>
+          <a:blip r:embed="rId2" cstate="print"/>
+          <a:stretch>
+            <a:fillRect/>
+          </a:stretch>
+        </p:blipFill>
+        <p:spPr>
+          <a:xfrm>
+            <a:off x="4056274" y="2780498"/>
+            <a:ext cx="4554325" cy="1902337"/>
+          </a:xfrm>
+          <a:prstGeom prst="rect">
+            <a:avLst/>
+          </a:prstGeom>
+        </p:spPr>
+      </p:pic>
+      <p:sp>
+        <p:nvSpPr>
+          <p:cNvPr id="6" name="Content Placeholder 2"/>
+          <p:cNvSpPr txBox="1">
+            <a:spLocks/>
+          </p:cNvSpPr>
+          <p:nvPr/>
+        </p:nvSpPr>
+        <p:spPr>
+          <a:xfrm>
+            <a:off x="464127" y="2881745"/>
+            <a:ext cx="3429000" cy="2050474"/>
+          </a:xfrm>
+          <a:prstGeom prst="rect">
+            <a:avLst/>
+          </a:prstGeom>
+        </p:spPr>
+        <p:txBody>
+          <a:bodyPr vert="horz" lIns="91440" tIns="45720" rIns="91440" bIns="45720" rtlCol="0">
+            <a:normAutofit/>
+          </a:bodyPr>
+          <a:lstStyle/>
+          <a:p>
+            <a:pPr marL="342900" marR="0" lvl="0" indent="-342900" algn="l" defTabSz="914400" rtl="0" eaLnBrk="1" fontAlgn="auto" latinLnBrk="0" hangingPunct="1">
+              <a:lnSpc>
+                <a:spcPct val="100000"/>
+              </a:lnSpc>
+              <a:spcBef>
+                <a:spcPct val="20000"/>
+              </a:spcBef>
+              <a:spcAft>
+                <a:spcPts val="0"/>
+              </a:spcAft>
+              <a:buClrTx/>
+              <a:buSzTx/>
+              <a:buFont typeface="Arial" pitchFamily="34" charset="0"/>
+              <a:buChar char="•"/>
+              <a:tabLst/>
+              <a:defRPr/>
+            </a:pPr>
+            <a:r>
+              <a:rPr kumimoji="0" lang="sr-Latn-RS" sz="2000" b="0" i="0" u="none" strike="noStrike" kern="1200" cap="none" spc="0" normalizeH="0" baseline="0" noProof="0" smtClean="0">
+                <a:ln>
+                  <a:noFill/>
+                </a:ln>
+                <a:solidFill>
+                  <a:srgbClr val="003635"/>
+                </a:solidFill>
+                <a:effectLst/>
+                <a:uLnTx/>
+                <a:uFillTx/>
+                <a:latin typeface="+mn-lt"/>
+                <a:ea typeface="+mn-ea"/>
+                <a:cs typeface="+mn-cs"/>
+              </a:rPr>
+              <a:t>g</a:t>
+            </a:r>
+            <a:r>
+              <a:rPr kumimoji="0" lang="en-US" sz="2000" b="0" i="0" u="none" strike="noStrike" kern="1200" cap="none" spc="0" normalizeH="0" baseline="0" noProof="0" smtClean="0">
+                <a:ln>
+                  <a:noFill/>
+                </a:ln>
+                <a:solidFill>
+                  <a:srgbClr val="003635"/>
+                </a:solidFill>
+                <a:effectLst/>
+                <a:uLnTx/>
+                <a:uFillTx/>
+                <a:latin typeface="+mn-lt"/>
+                <a:ea typeface="+mn-ea"/>
+                <a:cs typeface="+mn-cs"/>
+              </a:rPr>
+              <a:t>otovi modeli iskori</a:t>
+            </a:r>
+            <a:r>
+              <a:rPr kumimoji="0" lang="sr-Latn-RS" sz="2000" b="0" i="0" u="none" strike="noStrike" kern="1200" cap="none" spc="0" normalizeH="0" baseline="0" noProof="0" smtClean="0">
+                <a:ln>
+                  <a:noFill/>
+                </a:ln>
+                <a:solidFill>
+                  <a:srgbClr val="003635"/>
+                </a:solidFill>
+                <a:effectLst/>
+                <a:uLnTx/>
+                <a:uFillTx/>
+                <a:latin typeface="+mn-lt"/>
+                <a:ea typeface="+mn-ea"/>
+                <a:cs typeface="+mn-cs"/>
+              </a:rPr>
+              <a:t>šć</a:t>
+            </a:r>
+            <a:r>
+              <a:rPr kumimoji="0" lang="en-US" sz="2000" b="0" i="0" u="none" strike="noStrike" kern="1200" cap="none" spc="0" normalizeH="0" baseline="0" noProof="0" smtClean="0">
+                <a:ln>
+                  <a:noFill/>
+                </a:ln>
+                <a:solidFill>
+                  <a:srgbClr val="003635"/>
+                </a:solidFill>
+                <a:effectLst/>
+                <a:uLnTx/>
+                <a:uFillTx/>
+                <a:latin typeface="+mn-lt"/>
+                <a:ea typeface="+mn-ea"/>
+                <a:cs typeface="+mn-cs"/>
+              </a:rPr>
+              <a:t>eni su za predvi</a:t>
+            </a:r>
+            <a:r>
+              <a:rPr kumimoji="0" lang="sr-Latn-RS" sz="2000" b="0" i="0" u="none" strike="noStrike" kern="1200" cap="none" spc="0" normalizeH="0" baseline="0" noProof="0" smtClean="0">
+                <a:ln>
+                  <a:noFill/>
+                </a:ln>
+                <a:solidFill>
+                  <a:srgbClr val="003635"/>
+                </a:solidFill>
+                <a:effectLst/>
+                <a:uLnTx/>
+                <a:uFillTx/>
+                <a:latin typeface="+mn-lt"/>
+                <a:ea typeface="+mn-ea"/>
+                <a:cs typeface="+mn-cs"/>
+              </a:rPr>
+              <a:t>đ</a:t>
+            </a:r>
+            <a:r>
+              <a:rPr kumimoji="0" lang="en-US" sz="2000" b="0" i="0" u="none" strike="noStrike" kern="1200" cap="none" spc="0" normalizeH="0" baseline="0" noProof="0" smtClean="0">
+                <a:ln>
+                  <a:noFill/>
+                </a:ln>
+                <a:solidFill>
+                  <a:srgbClr val="003635"/>
+                </a:solidFill>
+                <a:effectLst/>
+                <a:uLnTx/>
+                <a:uFillTx/>
+                <a:latin typeface="+mn-lt"/>
+                <a:ea typeface="+mn-ea"/>
+                <a:cs typeface="+mn-cs"/>
+              </a:rPr>
+              <a:t>anje sekundarne strukture drugog dela podataka (ukupno 108 test instanci), </a:t>
+            </a:r>
+            <a:r>
+              <a:rPr kumimoji="0" lang="sr-Latn-RS" sz="2000" b="0" i="0" u="none" strike="noStrike" kern="1200" cap="none" spc="0" normalizeH="0" baseline="0" noProof="0" smtClean="0">
+                <a:ln>
+                  <a:noFill/>
+                </a:ln>
+                <a:solidFill>
+                  <a:srgbClr val="003635"/>
+                </a:solidFill>
+                <a:effectLst/>
+                <a:uLnTx/>
+                <a:uFillTx/>
+                <a:latin typeface="+mn-lt"/>
+                <a:ea typeface="+mn-ea"/>
+                <a:cs typeface="+mn-cs"/>
+              </a:rPr>
+              <a:t>što je poslužilo za evaluaciju</a:t>
+            </a:r>
+            <a:endParaRPr kumimoji="0" lang="en-US" sz="2000" b="0" i="0" u="none" strike="noStrike" kern="1200" cap="none" spc="0" normalizeH="0" baseline="0" noProof="0">
+              <a:ln>
+                <a:noFill/>
+              </a:ln>
+              <a:solidFill>
+                <a:srgbClr val="003635"/>
+              </a:solidFill>
+              <a:effectLst/>
+              <a:uLnTx/>
+              <a:uFillTx/>
+              <a:latin typeface="+mn-lt"/>
+              <a:ea typeface="+mn-ea"/>
+              <a:cs typeface="+mn-cs"/>
+            </a:endParaRPr>
+          </a:p>
+        </p:txBody>
+      </p:sp>
+    </p:spTree>
+  </p:cSld>
+  <p:clrMapOvr>
+    <a:masterClrMapping/>
+  </p:clrMapOvr>
+  <p:timing>
+    <p:tnLst>
+      <p:par>
+        <p:cTn id="1" dur="indefinite" restart="never" nodeType="tmRoot"/>
+      </p:par>
+    </p:tnLst>
+  </p:timing>
+</p:sld>
+</file>
+
+<file path=ppt/slides/slide52.xml><?xml version="1.0" encoding="utf-8"?>
+<p:sld xmlns:a="http://schemas.openxmlformats.org/drawingml/2006/main" xmlns:r="http://schemas.openxmlformats.org/officeDocument/2006/relationships" xmlns:p="http://schemas.openxmlformats.org/presentationml/2006/main">
+  <p:cSld>
+    <p:spTree>
+      <p:nvGrpSpPr>
+        <p:cNvPr id="1" name=""/>
+        <p:cNvGrpSpPr/>
+        <p:nvPr/>
+      </p:nvGrpSpPr>
+      <p:grpSpPr>
+        <a:xfrm>
+          <a:off x="0" y="0"/>
+          <a:ext cx="0" cy="0"/>
+          <a:chOff x="0" y="0"/>
+          <a:chExt cx="0" cy="0"/>
+        </a:xfrm>
+      </p:grpSpPr>
+      <p:sp>
+        <p:nvSpPr>
+          <p:cNvPr id="2" name="Title 1"/>
+          <p:cNvSpPr>
+            <a:spLocks noGrp="1"/>
+          </p:cNvSpPr>
+          <p:nvPr>
+            <p:ph type="title"/>
+          </p:nvPr>
+        </p:nvSpPr>
+        <p:spPr/>
+        <p:txBody>
           <a:bodyPr>
             <a:normAutofit/>
           </a:bodyPr>
@@ -17682,7 +17988,7 @@
             <a:fld id="{B82CCC60-E8CD-4174-8B1A-7DF615B22EEF}" type="slidenum">
               <a:rPr lang="en-US" smtClean="0"/>
               <a:pPr/>
-              <a:t>51</a:t>
+              <a:t>52</a:t>
             </a:fld>
             <a:endParaRPr lang="en-US"/>
           </a:p>
@@ -17727,7 +18033,7 @@
 </p:sld>
 </file>
 
-<file path=ppt/slides/slide52.xml><?xml version="1.0" encoding="utf-8"?>
+<file path=ppt/slides/slide53.xml><?xml version="1.0" encoding="utf-8"?>
 <p:sld xmlns:a="http://schemas.openxmlformats.org/drawingml/2006/main" xmlns:r="http://schemas.openxmlformats.org/officeDocument/2006/relationships" xmlns:p="http://schemas.openxmlformats.org/presentationml/2006/main">
   <p:cSld>
     <p:spTree>
@@ -17881,7 +18187,7 @@
             <a:fld id="{B82CCC60-E8CD-4174-8B1A-7DF615B22EEF}" type="slidenum">
               <a:rPr lang="en-US" smtClean="0"/>
               <a:pPr/>
-              <a:t>52</a:t>
+              <a:t>53</a:t>
             </a:fld>
             <a:endParaRPr lang="en-US"/>
           </a:p>
@@ -17950,7 +18256,7 @@
 </p:sld>
 </file>
 
-<file path=ppt/slides/slide53.xml><?xml version="1.0" encoding="utf-8"?>
+<file path=ppt/slides/slide54.xml><?xml version="1.0" encoding="utf-8"?>
 <p:sld xmlns:a="http://schemas.openxmlformats.org/drawingml/2006/main" xmlns:r="http://schemas.openxmlformats.org/officeDocument/2006/relationships" xmlns:p="http://schemas.openxmlformats.org/presentationml/2006/main">
   <p:cSld>
     <p:spTree>
@@ -18101,7 +18407,7 @@
             <a:fld id="{B82CCC60-E8CD-4174-8B1A-7DF615B22EEF}" type="slidenum">
               <a:rPr lang="en-US" smtClean="0"/>
               <a:pPr/>
-              <a:t>53</a:t>
+              <a:t>54</a:t>
             </a:fld>
             <a:endParaRPr lang="en-US"/>
           </a:p>
@@ -18194,7 +18500,7 @@
 </p:sld>
 </file>
 
-<file path=ppt/slides/slide54.xml><?xml version="1.0" encoding="utf-8"?>
+<file path=ppt/slides/slide55.xml><?xml version="1.0" encoding="utf-8"?>
 <p:sld xmlns:a="http://schemas.openxmlformats.org/drawingml/2006/main" xmlns:r="http://schemas.openxmlformats.org/officeDocument/2006/relationships" xmlns:p="http://schemas.openxmlformats.org/presentationml/2006/main">
   <p:cSld>
     <p:spTree>
@@ -18395,7 +18701,7 @@
             <a:fld id="{B82CCC60-E8CD-4174-8B1A-7DF615B22EEF}" type="slidenum">
               <a:rPr lang="en-US" smtClean="0"/>
               <a:pPr/>
-              <a:t>54</a:t>
+              <a:t>55</a:t>
             </a:fld>
             <a:endParaRPr lang="en-US"/>
           </a:p>
@@ -18440,7 +18746,7 @@
 </p:sld>
 </file>
 
-<file path=ppt/slides/slide55.xml><?xml version="1.0" encoding="utf-8"?>
+<file path=ppt/slides/slide56.xml><?xml version="1.0" encoding="utf-8"?>
 <p:sld xmlns:a="http://schemas.openxmlformats.org/drawingml/2006/main" xmlns:r="http://schemas.openxmlformats.org/officeDocument/2006/relationships" xmlns:p="http://schemas.openxmlformats.org/presentationml/2006/main">
   <p:cSld>
     <p:spTree>
@@ -18585,7 +18891,7 @@
             <a:fld id="{B82CCC60-E8CD-4174-8B1A-7DF615B22EEF}" type="slidenum">
               <a:rPr lang="en-US" smtClean="0"/>
               <a:pPr/>
-              <a:t>55</a:t>
+              <a:t>56</a:t>
             </a:fld>
             <a:endParaRPr lang="en-US"/>
           </a:p>
@@ -18654,7 +18960,7 @@
 </p:sld>
 </file>
 
-<file path=ppt/slides/slide56.xml><?xml version="1.0" encoding="utf-8"?>
+<file path=ppt/slides/slide57.xml><?xml version="1.0" encoding="utf-8"?>
 <p:sld xmlns:a="http://schemas.openxmlformats.org/drawingml/2006/main" xmlns:r="http://schemas.openxmlformats.org/officeDocument/2006/relationships" xmlns:p="http://schemas.openxmlformats.org/presentationml/2006/main">
   <p:cSld>
     <p:spTree>
@@ -18866,7 +19172,7 @@
             <a:fld id="{B82CCC60-E8CD-4174-8B1A-7DF615B22EEF}" type="slidenum">
               <a:rPr lang="en-US" smtClean="0"/>
               <a:pPr/>
-              <a:t>56</a:t>
+              <a:t>57</a:t>
             </a:fld>
             <a:endParaRPr lang="en-US"/>
           </a:p>
@@ -18911,7 +19217,7 @@
 </p:sld>
 </file>
 
-<file path=ppt/slides/slide57.xml><?xml version="1.0" encoding="utf-8"?>
+<file path=ppt/slides/slide58.xml><?xml version="1.0" encoding="utf-8"?>
 <p:sld xmlns:a="http://schemas.openxmlformats.org/drawingml/2006/main" xmlns:r="http://schemas.openxmlformats.org/officeDocument/2006/relationships" xmlns:p="http://schemas.openxmlformats.org/presentationml/2006/main">
   <p:cSld>
     <p:spTree>
@@ -18969,7 +19275,7 @@
             <a:fld id="{B82CCC60-E8CD-4174-8B1A-7DF615B22EEF}" type="slidenum">
               <a:rPr lang="en-US" smtClean="0"/>
               <a:pPr/>
-              <a:t>57</a:t>
+              <a:t>58</a:t>
             </a:fld>
             <a:endParaRPr lang="en-US"/>
           </a:p>
@@ -19014,7 +19320,7 @@
 </p:sld>
 </file>
 
-<file path=ppt/slides/slide58.xml><?xml version="1.0" encoding="utf-8"?>
+<file path=ppt/slides/slide59.xml><?xml version="1.0" encoding="utf-8"?>
 <p:sld xmlns:a="http://schemas.openxmlformats.org/drawingml/2006/main" xmlns:r="http://schemas.openxmlformats.org/officeDocument/2006/relationships" xmlns:p="http://schemas.openxmlformats.org/presentationml/2006/main">
   <p:cSld>
     <p:spTree>
@@ -19072,7 +19378,7 @@
             <a:fld id="{B82CCC60-E8CD-4174-8B1A-7DF615B22EEF}" type="slidenum">
               <a:rPr lang="en-US" smtClean="0"/>
               <a:pPr/>
-              <a:t>58</a:t>
+              <a:t>59</a:t>
             </a:fld>
             <a:endParaRPr lang="en-US"/>
           </a:p>
@@ -19117,7 +19423,7 @@
 </p:sld>
 </file>
 
-<file path=ppt/slides/slide59.xml><?xml version="1.0" encoding="utf-8"?>
+<file path=ppt/slides/slide6.xml><?xml version="1.0" encoding="utf-8"?>
 <p:sld xmlns:a="http://schemas.openxmlformats.org/drawingml/2006/main" xmlns:r="http://schemas.openxmlformats.org/officeDocument/2006/relationships" xmlns:p="http://schemas.openxmlformats.org/presentationml/2006/main">
   <p:cSld>
     <p:spTree>
@@ -19136,7 +19442,7 @@
       </p:grpSpPr>
       <p:sp>
         <p:nvSpPr>
-          <p:cNvPr id="2" name="Title 1"/>
+          <p:cNvPr id="4" name="Title 3"/>
           <p:cNvSpPr>
             <a:spLocks noGrp="1"/>
           </p:cNvSpPr>
@@ -19144,22 +19450,113 @@
             <p:ph type="title"/>
           </p:nvPr>
         </p:nvSpPr>
-        <p:spPr/>
-        <p:txBody>
-          <a:bodyPr/>
+        <p:spPr>
+          <a:xfrm>
+            <a:off x="2325604" y="754648"/>
+            <a:ext cx="6336730" cy="725349"/>
+          </a:xfrm>
+        </p:spPr>
+        <p:txBody>
+          <a:bodyPr>
+            <a:normAutofit/>
+          </a:bodyPr>
           <a:lstStyle/>
           <a:p>
             <a:r>
               <a:rPr lang="sr-Latn-RS" smtClean="0"/>
+              <a:t>Pregled</a:t>
+            </a:r>
+            <a:endParaRPr lang="en-US" dirty="0"/>
+          </a:p>
+        </p:txBody>
+      </p:sp>
+      <p:sp>
+        <p:nvSpPr>
+          <p:cNvPr id="5" name="Content Placeholder 4"/>
+          <p:cNvSpPr>
+            <a:spLocks noGrp="1"/>
+          </p:cNvSpPr>
+          <p:nvPr>
+            <p:ph idx="1"/>
+          </p:nvPr>
+        </p:nvSpPr>
+        <p:spPr>
+          <a:xfrm>
+            <a:off x="2328741" y="1650124"/>
+            <a:ext cx="6358060" cy="3097366"/>
+          </a:xfrm>
+        </p:spPr>
+        <p:txBody>
+          <a:bodyPr>
+            <a:normAutofit/>
+          </a:bodyPr>
+          <a:lstStyle/>
+          <a:p>
+            <a:r>
+              <a:rPr lang="sr-Latn-RS" sz="2400" smtClean="0"/>
+              <a:t>V</a:t>
+            </a:r>
+            <a:r>
+              <a:rPr lang="en-US" sz="2400" smtClean="0"/>
+              <a:t>rste grafovskih probabilisti</a:t>
+            </a:r>
+            <a:r>
+              <a:rPr lang="sr-Latn-RS" sz="2400" smtClean="0"/>
+              <a:t>č</a:t>
+            </a:r>
+            <a:r>
+              <a:rPr lang="en-US" sz="2400" smtClean="0"/>
+              <a:t>kih modela</a:t>
+            </a:r>
+            <a:endParaRPr lang="sr-Latn-RS" sz="2400" smtClean="0"/>
+          </a:p>
+          <a:p>
+            <a:r>
+              <a:rPr lang="en-US" sz="2400" b="1" smtClean="0">
+                <a:solidFill>
+                  <a:srgbClr val="009999"/>
+                </a:solidFill>
+              </a:rPr>
+              <a:t>Sistematizacija modela struktura sekvenci </a:t>
+            </a:r>
+            <a:endParaRPr lang="sr-Latn-RS" sz="2400" b="1" smtClean="0">
+              <a:solidFill>
+                <a:srgbClr val="009999"/>
+              </a:solidFill>
+            </a:endParaRPr>
+          </a:p>
+          <a:p>
+            <a:r>
+              <a:rPr lang="en-US" sz="2400" smtClean="0"/>
+              <a:t>HMM</a:t>
+            </a:r>
+            <a:endParaRPr lang="sr-Latn-RS" sz="2400" smtClean="0"/>
+          </a:p>
+          <a:p>
+            <a:r>
+              <a:rPr lang="en-US" sz="2400" smtClean="0"/>
+              <a:t>SCFG</a:t>
+            </a:r>
+            <a:endParaRPr lang="sr-Latn-RS" sz="2400" smtClean="0"/>
+          </a:p>
+          <a:p>
+            <a:r>
+              <a:rPr lang="sr-Latn-RS" sz="2400" smtClean="0"/>
+              <a:t>Struktura RNK</a:t>
+            </a:r>
+          </a:p>
+          <a:p>
+            <a:r>
+              <a:rPr lang="en-US" sz="2400" smtClean="0"/>
               <a:t>Opis implementacije</a:t>
             </a:r>
-            <a:endParaRPr lang="en-US"/>
-          </a:p>
-        </p:txBody>
-      </p:sp>
-      <p:sp>
-        <p:nvSpPr>
-          <p:cNvPr id="4" name="Slide Number Placeholder 3"/>
+            <a:endParaRPr lang="en-US" sz="2400" dirty="0"/>
+          </a:p>
+        </p:txBody>
+      </p:sp>
+      <p:sp>
+        <p:nvSpPr>
+          <p:cNvPr id="6" name="Slide Number Placeholder 5"/>
           <p:cNvSpPr>
             <a:spLocks noGrp="1"/>
           </p:cNvSpPr>
@@ -19175,7 +19572,84 @@
             <a:fld id="{B82CCC60-E8CD-4174-8B1A-7DF615B22EEF}" type="slidenum">
               <a:rPr lang="en-US" smtClean="0"/>
               <a:pPr/>
-              <a:t>59</a:t>
+              <a:t>6</a:t>
+            </a:fld>
+            <a:endParaRPr lang="en-US"/>
+          </a:p>
+        </p:txBody>
+      </p:sp>
+    </p:spTree>
+    <p:extLst>
+      <p:ext uri="{BB962C8B-B14F-4D97-AF65-F5344CB8AC3E}">
+        <p14:creationId xmlns="" xmlns:p14="http://schemas.microsoft.com/office/powerpoint/2010/main" val="1101633878"/>
+      </p:ext>
+    </p:extLst>
+  </p:cSld>
+  <p:clrMapOvr>
+    <a:masterClrMapping/>
+  </p:clrMapOvr>
+</p:sld>
+</file>
+
+<file path=ppt/slides/slide60.xml><?xml version="1.0" encoding="utf-8"?>
+<p:sld xmlns:a="http://schemas.openxmlformats.org/drawingml/2006/main" xmlns:r="http://schemas.openxmlformats.org/officeDocument/2006/relationships" xmlns:p="http://schemas.openxmlformats.org/presentationml/2006/main">
+  <p:cSld>
+    <p:spTree>
+      <p:nvGrpSpPr>
+        <p:cNvPr id="1" name=""/>
+        <p:cNvGrpSpPr/>
+        <p:nvPr/>
+      </p:nvGrpSpPr>
+      <p:grpSpPr>
+        <a:xfrm>
+          <a:off x="0" y="0"/>
+          <a:ext cx="0" cy="0"/>
+          <a:chOff x="0" y="0"/>
+          <a:chExt cx="0" cy="0"/>
+        </a:xfrm>
+      </p:grpSpPr>
+      <p:sp>
+        <p:nvSpPr>
+          <p:cNvPr id="2" name="Title 1"/>
+          <p:cNvSpPr>
+            <a:spLocks noGrp="1"/>
+          </p:cNvSpPr>
+          <p:nvPr>
+            <p:ph type="title"/>
+          </p:nvPr>
+        </p:nvSpPr>
+        <p:spPr/>
+        <p:txBody>
+          <a:bodyPr/>
+          <a:lstStyle/>
+          <a:p>
+            <a:r>
+              <a:rPr lang="sr-Latn-RS" smtClean="0"/>
+              <a:t>Opis implementacije</a:t>
+            </a:r>
+            <a:endParaRPr lang="en-US"/>
+          </a:p>
+        </p:txBody>
+      </p:sp>
+      <p:sp>
+        <p:nvSpPr>
+          <p:cNvPr id="4" name="Slide Number Placeholder 3"/>
+          <p:cNvSpPr>
+            <a:spLocks noGrp="1"/>
+          </p:cNvSpPr>
+          <p:nvPr>
+            <p:ph type="sldNum" sz="quarter" idx="12"/>
+          </p:nvPr>
+        </p:nvSpPr>
+        <p:spPr/>
+        <p:txBody>
+          <a:bodyPr/>
+          <a:lstStyle/>
+          <a:p>
+            <a:fld id="{B82CCC60-E8CD-4174-8B1A-7DF615B22EEF}" type="slidenum">
+              <a:rPr lang="en-US" smtClean="0"/>
+              <a:pPr/>
+              <a:t>60</a:t>
             </a:fld>
             <a:endParaRPr lang="en-US"/>
           </a:p>
@@ -19220,7 +19694,7 @@
 </p:sld>
 </file>
 
-<file path=ppt/slides/slide6.xml><?xml version="1.0" encoding="utf-8"?>
+<file path=ppt/slides/slide61.xml><?xml version="1.0" encoding="utf-8"?>
 <p:sld xmlns:a="http://schemas.openxmlformats.org/drawingml/2006/main" xmlns:r="http://schemas.openxmlformats.org/officeDocument/2006/relationships" xmlns:p="http://schemas.openxmlformats.org/presentationml/2006/main">
   <p:cSld>
     <p:spTree>
@@ -19239,174 +19713,6 @@
       </p:grpSpPr>
       <p:sp>
         <p:nvSpPr>
-          <p:cNvPr id="4" name="Title 3"/>
-          <p:cNvSpPr>
-            <a:spLocks noGrp="1"/>
-          </p:cNvSpPr>
-          <p:nvPr>
-            <p:ph type="title"/>
-          </p:nvPr>
-        </p:nvSpPr>
-        <p:spPr>
-          <a:xfrm>
-            <a:off x="2325604" y="754648"/>
-            <a:ext cx="6336730" cy="725349"/>
-          </a:xfrm>
-        </p:spPr>
-        <p:txBody>
-          <a:bodyPr>
-            <a:normAutofit/>
-          </a:bodyPr>
-          <a:lstStyle/>
-          <a:p>
-            <a:r>
-              <a:rPr lang="sr-Latn-RS" smtClean="0"/>
-              <a:t>Pregled</a:t>
-            </a:r>
-            <a:endParaRPr lang="en-US" dirty="0"/>
-          </a:p>
-        </p:txBody>
-      </p:sp>
-      <p:sp>
-        <p:nvSpPr>
-          <p:cNvPr id="5" name="Content Placeholder 4"/>
-          <p:cNvSpPr>
-            <a:spLocks noGrp="1"/>
-          </p:cNvSpPr>
-          <p:nvPr>
-            <p:ph idx="1"/>
-          </p:nvPr>
-        </p:nvSpPr>
-        <p:spPr>
-          <a:xfrm>
-            <a:off x="2328741" y="1650124"/>
-            <a:ext cx="6358060" cy="3097366"/>
-          </a:xfrm>
-        </p:spPr>
-        <p:txBody>
-          <a:bodyPr>
-            <a:normAutofit/>
-          </a:bodyPr>
-          <a:lstStyle/>
-          <a:p>
-            <a:r>
-              <a:rPr lang="sr-Latn-RS" sz="2400" smtClean="0"/>
-              <a:t>V</a:t>
-            </a:r>
-            <a:r>
-              <a:rPr lang="en-US" sz="2400" smtClean="0"/>
-              <a:t>rste grafovskih probabilisti</a:t>
-            </a:r>
-            <a:r>
-              <a:rPr lang="sr-Latn-RS" sz="2400" smtClean="0"/>
-              <a:t>č</a:t>
-            </a:r>
-            <a:r>
-              <a:rPr lang="en-US" sz="2400" smtClean="0"/>
-              <a:t>kih modela</a:t>
-            </a:r>
-            <a:endParaRPr lang="sr-Latn-RS" sz="2400" smtClean="0"/>
-          </a:p>
-          <a:p>
-            <a:r>
-              <a:rPr lang="en-US" sz="2400" b="1" smtClean="0">
-                <a:solidFill>
-                  <a:srgbClr val="009999"/>
-                </a:solidFill>
-              </a:rPr>
-              <a:t>Sistematizacija modela struktura sekvenci </a:t>
-            </a:r>
-            <a:endParaRPr lang="sr-Latn-RS" sz="2400" b="1" smtClean="0">
-              <a:solidFill>
-                <a:srgbClr val="009999"/>
-              </a:solidFill>
-            </a:endParaRPr>
-          </a:p>
-          <a:p>
-            <a:r>
-              <a:rPr lang="en-US" sz="2400" smtClean="0"/>
-              <a:t>HMM</a:t>
-            </a:r>
-            <a:endParaRPr lang="sr-Latn-RS" sz="2400" smtClean="0"/>
-          </a:p>
-          <a:p>
-            <a:r>
-              <a:rPr lang="en-US" sz="2400" smtClean="0"/>
-              <a:t>SCFG</a:t>
-            </a:r>
-            <a:endParaRPr lang="sr-Latn-RS" sz="2400" smtClean="0"/>
-          </a:p>
-          <a:p>
-            <a:r>
-              <a:rPr lang="sr-Latn-RS" sz="2400" smtClean="0"/>
-              <a:t>Struktura RNK</a:t>
-            </a:r>
-          </a:p>
-          <a:p>
-            <a:r>
-              <a:rPr lang="en-US" sz="2400" smtClean="0"/>
-              <a:t>Opis implementacije</a:t>
-            </a:r>
-            <a:endParaRPr lang="en-US" sz="2400" dirty="0"/>
-          </a:p>
-        </p:txBody>
-      </p:sp>
-      <p:sp>
-        <p:nvSpPr>
-          <p:cNvPr id="6" name="Slide Number Placeholder 5"/>
-          <p:cNvSpPr>
-            <a:spLocks noGrp="1"/>
-          </p:cNvSpPr>
-          <p:nvPr>
-            <p:ph type="sldNum" sz="quarter" idx="12"/>
-          </p:nvPr>
-        </p:nvSpPr>
-        <p:spPr/>
-        <p:txBody>
-          <a:bodyPr/>
-          <a:lstStyle/>
-          <a:p>
-            <a:fld id="{B82CCC60-E8CD-4174-8B1A-7DF615B22EEF}" type="slidenum">
-              <a:rPr lang="en-US" smtClean="0"/>
-              <a:pPr/>
-              <a:t>6</a:t>
-            </a:fld>
-            <a:endParaRPr lang="en-US"/>
-          </a:p>
-        </p:txBody>
-      </p:sp>
-    </p:spTree>
-    <p:extLst>
-      <p:ext uri="{BB962C8B-B14F-4D97-AF65-F5344CB8AC3E}">
-        <p14:creationId xmlns="" xmlns:p14="http://schemas.microsoft.com/office/powerpoint/2010/main" val="1101633878"/>
-      </p:ext>
-    </p:extLst>
-  </p:cSld>
-  <p:clrMapOvr>
-    <a:masterClrMapping/>
-  </p:clrMapOvr>
-</p:sld>
-</file>
-
-<file path=ppt/slides/slide60.xml><?xml version="1.0" encoding="utf-8"?>
-<p:sld xmlns:a="http://schemas.openxmlformats.org/drawingml/2006/main" xmlns:r="http://schemas.openxmlformats.org/officeDocument/2006/relationships" xmlns:p="http://schemas.openxmlformats.org/presentationml/2006/main">
-  <p:cSld>
-    <p:spTree>
-      <p:nvGrpSpPr>
-        <p:cNvPr id="1" name=""/>
-        <p:cNvGrpSpPr/>
-        <p:nvPr/>
-      </p:nvGrpSpPr>
-      <p:grpSpPr>
-        <a:xfrm>
-          <a:off x="0" y="0"/>
-          <a:ext cx="0" cy="0"/>
-          <a:chOff x="0" y="0"/>
-          <a:chExt cx="0" cy="0"/>
-        </a:xfrm>
-      </p:grpSpPr>
-      <p:sp>
-        <p:nvSpPr>
           <p:cNvPr id="2" name="Title 1"/>
           <p:cNvSpPr>
             <a:spLocks noGrp="1"/>
@@ -19609,7 +19915,7 @@
             <a:fld id="{B82CCC60-E8CD-4174-8B1A-7DF615B22EEF}" type="slidenum">
               <a:rPr lang="en-US" smtClean="0"/>
               <a:pPr/>
-              <a:t>60</a:t>
+              <a:t>61</a:t>
             </a:fld>
             <a:endParaRPr lang="en-US"/>
           </a:p>
@@ -19654,7 +19960,7 @@
 </p:sld>
 </file>
 
-<file path=ppt/slides/slide61.xml><?xml version="1.0" encoding="utf-8"?>
+<file path=ppt/slides/slide62.xml><?xml version="1.0" encoding="utf-8"?>
 <p:sld xmlns:a="http://schemas.openxmlformats.org/drawingml/2006/main" xmlns:r="http://schemas.openxmlformats.org/officeDocument/2006/relationships" xmlns:p="http://schemas.openxmlformats.org/presentationml/2006/main">
   <p:cSld>
     <p:spTree>
@@ -19971,7 +20277,7 @@
             <a:fld id="{B82CCC60-E8CD-4174-8B1A-7DF615B22EEF}" type="slidenum">
               <a:rPr lang="en-US" smtClean="0"/>
               <a:pPr/>
-              <a:t>61</a:t>
+              <a:t>62</a:t>
             </a:fld>
             <a:endParaRPr lang="en-US"/>
           </a:p>

--- a/slajdovi/Sekvence-slajdovi.pptx
+++ b/slajdovi/Sekvence-slajdovi.pptx
@@ -170,7 +170,7 @@
   </p:defaultTextStyle>
   <p:extLst>
     <p:ext uri="{EFAFB233-063F-42B5-8137-9DF3F51BA10A}">
-      <p15:sldGuideLst xmlns="" xmlns:p15="http://schemas.microsoft.com/office/powerpoint/2012/main">
+      <p15:sldGuideLst xmlns:p15="http://schemas.microsoft.com/office/powerpoint/2012/main" xmlns="">
         <p15:guide id="1" orient="horz" pos="1620">
           <p15:clr>
             <a:srgbClr val="A4A3A4"/>
@@ -442,7 +442,7 @@
     </p:spTree>
     <p:extLst>
       <p:ext uri="{BB962C8B-B14F-4D97-AF65-F5344CB8AC3E}">
-        <p14:creationId xmlns="" xmlns:p14="http://schemas.microsoft.com/office/powerpoint/2010/main" val="2844300161"/>
+        <p14:creationId xmlns:p14="http://schemas.microsoft.com/office/powerpoint/2010/main" xmlns="" val="2844300161"/>
       </p:ext>
     </p:extLst>
   </p:cSld>
@@ -1075,7 +1075,7 @@
     </p:spTree>
     <p:extLst>
       <p:ext uri="{BB962C8B-B14F-4D97-AF65-F5344CB8AC3E}">
-        <p14:creationId xmlns="" xmlns:p14="http://schemas.microsoft.com/office/powerpoint/2010/main" val="3253875174"/>
+        <p14:creationId xmlns:p14="http://schemas.microsoft.com/office/powerpoint/2010/main" xmlns="" val="3253875174"/>
       </p:ext>
     </p:extLst>
   </p:cSld>
@@ -1329,7 +1329,7 @@
     </p:spTree>
     <p:extLst>
       <p:ext uri="{BB962C8B-B14F-4D97-AF65-F5344CB8AC3E}">
-        <p14:creationId xmlns="" xmlns:p14="http://schemas.microsoft.com/office/powerpoint/2010/main" val="477607843"/>
+        <p14:creationId xmlns:p14="http://schemas.microsoft.com/office/powerpoint/2010/main" xmlns="" val="477607843"/>
       </p:ext>
     </p:extLst>
   </p:cSld>
@@ -1499,7 +1499,7 @@
     </p:spTree>
     <p:extLst>
       <p:ext uri="{BB962C8B-B14F-4D97-AF65-F5344CB8AC3E}">
-        <p14:creationId xmlns="" xmlns:p14="http://schemas.microsoft.com/office/powerpoint/2010/main" val="3428665726"/>
+        <p14:creationId xmlns:p14="http://schemas.microsoft.com/office/powerpoint/2010/main" xmlns="" val="3428665726"/>
       </p:ext>
     </p:extLst>
   </p:cSld>
@@ -1681,7 +1681,7 @@
           <p:cNvPr id="7" name="Picture 6" descr="E:\websites\free-power-point-templates\2012\logos.png">
             <a:extLst>
               <a:ext uri="{FF2B5EF4-FFF2-40B4-BE49-F238E27FC236}">
-                <a16:creationId xmlns="" xmlns:a16="http://schemas.microsoft.com/office/drawing/2014/main" id="{08B89D22-1D6E-450B-881F-4D2A4C527F72}"/>
+                <a16:creationId xmlns:a16="http://schemas.microsoft.com/office/drawing/2014/main" xmlns="" id="{08B89D22-1D6E-450B-881F-4D2A4C527F72}"/>
               </a:ext>
             </a:extLst>
           </p:cNvPr>
@@ -1694,7 +1694,7 @@
           <a:blip r:embed="rId2" cstate="print">
             <a:extLst>
               <a:ext uri="{28A0092B-C50C-407E-A947-70E740481C1C}">
-                <a14:useLocalDpi xmlns="" xmlns:a14="http://schemas.microsoft.com/office/drawing/2010/main" val="0"/>
+                <a14:useLocalDpi xmlns:a14="http://schemas.microsoft.com/office/drawing/2010/main" xmlns="" val="0"/>
               </a:ext>
             </a:extLst>
           </a:blip>
@@ -1716,7 +1716,7 @@
           </a:ln>
           <a:extLst>
             <a:ext uri="{909E8E84-426E-40DD-AFC4-6F175D3DCCD1}">
-              <a14:hiddenFill xmlns="" xmlns:a14="http://schemas.microsoft.com/office/drawing/2010/main">
+              <a14:hiddenFill xmlns:a14="http://schemas.microsoft.com/office/drawing/2010/main" xmlns="">
                 <a:solidFill>
                   <a:srgbClr val="FFFFFF"/>
                 </a:solidFill>
@@ -1728,7 +1728,7 @@
     </p:spTree>
     <p:extLst>
       <p:ext uri="{BB962C8B-B14F-4D97-AF65-F5344CB8AC3E}">
-        <p14:creationId xmlns="" xmlns:p14="http://schemas.microsoft.com/office/powerpoint/2010/main" val="893609949"/>
+        <p14:creationId xmlns:p14="http://schemas.microsoft.com/office/powerpoint/2010/main" xmlns="" val="893609949"/>
       </p:ext>
     </p:extLst>
   </p:cSld>
@@ -1961,7 +1961,7 @@
     </p:spTree>
     <p:extLst>
       <p:ext uri="{BB962C8B-B14F-4D97-AF65-F5344CB8AC3E}">
-        <p14:creationId xmlns="" xmlns:p14="http://schemas.microsoft.com/office/powerpoint/2010/main" val="1664471362"/>
+        <p14:creationId xmlns:p14="http://schemas.microsoft.com/office/powerpoint/2010/main" xmlns="" val="1664471362"/>
       </p:ext>
     </p:extLst>
   </p:cSld>
@@ -2208,7 +2208,7 @@
     </p:spTree>
     <p:extLst>
       <p:ext uri="{BB962C8B-B14F-4D97-AF65-F5344CB8AC3E}">
-        <p14:creationId xmlns="" xmlns:p14="http://schemas.microsoft.com/office/powerpoint/2010/main" val="1629391393"/>
+        <p14:creationId xmlns:p14="http://schemas.microsoft.com/office/powerpoint/2010/main" xmlns="" val="1629391393"/>
       </p:ext>
     </p:extLst>
   </p:cSld>
@@ -2455,7 +2455,7 @@
     </p:spTree>
     <p:extLst>
       <p:ext uri="{BB962C8B-B14F-4D97-AF65-F5344CB8AC3E}">
-        <p14:creationId xmlns="" xmlns:p14="http://schemas.microsoft.com/office/powerpoint/2010/main" val="3863441575"/>
+        <p14:creationId xmlns:p14="http://schemas.microsoft.com/office/powerpoint/2010/main" xmlns="" val="3863441575"/>
       </p:ext>
     </p:extLst>
   </p:cSld>
@@ -2742,7 +2742,7 @@
     </p:spTree>
     <p:extLst>
       <p:ext uri="{BB962C8B-B14F-4D97-AF65-F5344CB8AC3E}">
-        <p14:creationId xmlns="" xmlns:p14="http://schemas.microsoft.com/office/powerpoint/2010/main" val="3556791830"/>
+        <p14:creationId xmlns:p14="http://schemas.microsoft.com/office/powerpoint/2010/main" xmlns="" val="3556791830"/>
       </p:ext>
     </p:extLst>
   </p:cSld>
@@ -3229,7 +3229,7 @@
     </p:spTree>
     <p:extLst>
       <p:ext uri="{BB962C8B-B14F-4D97-AF65-F5344CB8AC3E}">
-        <p14:creationId xmlns="" xmlns:p14="http://schemas.microsoft.com/office/powerpoint/2010/main" val="4122911988"/>
+        <p14:creationId xmlns:p14="http://schemas.microsoft.com/office/powerpoint/2010/main" xmlns="" val="4122911988"/>
       </p:ext>
     </p:extLst>
   </p:cSld>
@@ -3348,7 +3348,7 @@
     </p:spTree>
     <p:extLst>
       <p:ext uri="{BB962C8B-B14F-4D97-AF65-F5344CB8AC3E}">
-        <p14:creationId xmlns="" xmlns:p14="http://schemas.microsoft.com/office/powerpoint/2010/main" val="3029773110"/>
+        <p14:creationId xmlns:p14="http://schemas.microsoft.com/office/powerpoint/2010/main" xmlns="" val="3029773110"/>
       </p:ext>
     </p:extLst>
   </p:cSld>
@@ -3445,7 +3445,7 @@
     </p:spTree>
     <p:extLst>
       <p:ext uri="{BB962C8B-B14F-4D97-AF65-F5344CB8AC3E}">
-        <p14:creationId xmlns="" xmlns:p14="http://schemas.microsoft.com/office/powerpoint/2010/main" val="4251864075"/>
+        <p14:creationId xmlns:p14="http://schemas.microsoft.com/office/powerpoint/2010/main" xmlns="" val="4251864075"/>
       </p:ext>
     </p:extLst>
   </p:cSld>
@@ -3722,7 +3722,7 @@
     </p:spTree>
     <p:extLst>
       <p:ext uri="{BB962C8B-B14F-4D97-AF65-F5344CB8AC3E}">
-        <p14:creationId xmlns="" xmlns:p14="http://schemas.microsoft.com/office/powerpoint/2010/main" val="3174452648"/>
+        <p14:creationId xmlns:p14="http://schemas.microsoft.com/office/powerpoint/2010/main" xmlns="" val="3174452648"/>
       </p:ext>
     </p:extLst>
   </p:cSld>
@@ -3982,7 +3982,7 @@
           <p:cNvPr id="7" name="TextBox 6">
             <a:extLst>
               <a:ext uri="{FF2B5EF4-FFF2-40B4-BE49-F238E27FC236}">
-                <a16:creationId xmlns="" xmlns:a16="http://schemas.microsoft.com/office/drawing/2014/main" id="{11E867DF-3DCA-4725-94F0-F2B6BD747A82}"/>
+                <a16:creationId xmlns:a16="http://schemas.microsoft.com/office/drawing/2014/main" xmlns="" id="{11E867DF-3DCA-4725-94F0-F2B6BD747A82}"/>
               </a:ext>
             </a:extLst>
           </p:cNvPr>
@@ -4033,7 +4033,7 @@
     </p:spTree>
     <p:extLst>
       <p:ext uri="{BB962C8B-B14F-4D97-AF65-F5344CB8AC3E}">
-        <p14:creationId xmlns="" xmlns:p14="http://schemas.microsoft.com/office/powerpoint/2010/main" val="1944039382"/>
+        <p14:creationId xmlns:p14="http://schemas.microsoft.com/office/powerpoint/2010/main" xmlns="" val="1944039382"/>
       </p:ext>
     </p:extLst>
   </p:cSld>
@@ -4498,7 +4498,7 @@
     </p:spTree>
     <p:extLst>
       <p:ext uri="{BB962C8B-B14F-4D97-AF65-F5344CB8AC3E}">
-        <p14:creationId xmlns="" xmlns:p14="http://schemas.microsoft.com/office/powerpoint/2010/main" val="363920370"/>
+        <p14:creationId xmlns:p14="http://schemas.microsoft.com/office/powerpoint/2010/main" xmlns="" val="363920370"/>
       </p:ext>
     </p:extLst>
   </p:cSld>
@@ -8140,7 +8140,7 @@
     </p:spTree>
     <p:extLst>
       <p:ext uri="{BB962C8B-B14F-4D97-AF65-F5344CB8AC3E}">
-        <p14:creationId xmlns="" xmlns:p14="http://schemas.microsoft.com/office/powerpoint/2010/main" val="1101633878"/>
+        <p14:creationId xmlns:p14="http://schemas.microsoft.com/office/powerpoint/2010/main" xmlns="" val="1101633878"/>
       </p:ext>
     </p:extLst>
   </p:cSld>
@@ -8711,7 +8711,7 @@
     </p:spTree>
     <p:extLst>
       <p:ext uri="{BB962C8B-B14F-4D97-AF65-F5344CB8AC3E}">
-        <p14:creationId xmlns="" xmlns:p14="http://schemas.microsoft.com/office/powerpoint/2010/main" val="1101633878"/>
+        <p14:creationId xmlns:p14="http://schemas.microsoft.com/office/powerpoint/2010/main" xmlns="" val="1101633878"/>
       </p:ext>
     </p:extLst>
   </p:cSld>
@@ -11049,7 +11049,7 @@
     </p:spTree>
     <p:extLst>
       <p:ext uri="{BB962C8B-B14F-4D97-AF65-F5344CB8AC3E}">
-        <p14:creationId xmlns="" xmlns:p14="http://schemas.microsoft.com/office/powerpoint/2010/main" val="1101633878"/>
+        <p14:creationId xmlns:p14="http://schemas.microsoft.com/office/powerpoint/2010/main" xmlns="" val="1101633878"/>
       </p:ext>
     </p:extLst>
   </p:cSld>
@@ -11753,7 +11753,7 @@
     </p:spTree>
     <p:extLst>
       <p:ext uri="{BB962C8B-B14F-4D97-AF65-F5344CB8AC3E}">
-        <p14:creationId xmlns="" xmlns:p14="http://schemas.microsoft.com/office/powerpoint/2010/main" val="4103309497"/>
+        <p14:creationId xmlns:p14="http://schemas.microsoft.com/office/powerpoint/2010/main" xmlns="" val="4103309497"/>
       </p:ext>
     </p:extLst>
   </p:cSld>
@@ -12459,7 +12459,23 @@
             </a:r>
             <a:r>
               <a:rPr lang="sr-Latn-RS" sz="2000" smtClean="0"/>
-              <a:t>kao zbirnu verovatnoću sbih s</a:t>
+              <a:t>kao zbirnu verovatnoću </a:t>
+            </a:r>
+            <a:r>
+              <a:rPr lang="sr-Latn-RS" sz="2000" smtClean="0"/>
+              <a:t>s</a:t>
+            </a:r>
+            <a:r>
+              <a:rPr lang="en-US" sz="2000" smtClean="0"/>
+              <a:t>v</a:t>
+            </a:r>
+            <a:r>
+              <a:rPr lang="sr-Latn-RS" sz="2000" smtClean="0"/>
+              <a:t>ih </a:t>
+            </a:r>
+            <a:r>
+              <a:rPr lang="sr-Latn-RS" sz="2000" smtClean="0"/>
+              <a:t>s</a:t>
             </a:r>
             <a:r>
               <a:rPr lang="en-US" sz="2000" smtClean="0"/>
@@ -12843,7 +12859,15 @@
             </a:r>
             <a:r>
               <a:rPr lang="en-US" sz="2000" smtClean="0"/>
-              <a:t>enja) za datu sekvencu </a:t>
+              <a:t>enja) za datu </a:t>
+            </a:r>
+            <a:r>
+              <a:rPr lang="en-US" sz="2000" smtClean="0"/>
+              <a:t>sekvencu</a:t>
+            </a:r>
+            <a:r>
+              <a:rPr lang="sr-Latn-RS" sz="2000" smtClean="0"/>
+              <a:t>, čime rešava jedan zadatak modela</a:t>
             </a:r>
             <a:endParaRPr lang="sr-Latn-RS" sz="2000" smtClean="0"/>
           </a:p>
@@ -14173,7 +14197,7 @@
     </p:spTree>
     <p:extLst>
       <p:ext uri="{BB962C8B-B14F-4D97-AF65-F5344CB8AC3E}">
-        <p14:creationId xmlns="" xmlns:p14="http://schemas.microsoft.com/office/powerpoint/2010/main" val="1101633878"/>
+        <p14:creationId xmlns:p14="http://schemas.microsoft.com/office/powerpoint/2010/main" xmlns="" val="1101633878"/>
       </p:ext>
     </p:extLst>
   </p:cSld>
@@ -14434,7 +14458,7 @@
     </p:spTree>
     <p:extLst>
       <p:ext uri="{BB962C8B-B14F-4D97-AF65-F5344CB8AC3E}">
-        <p14:creationId xmlns="" xmlns:p14="http://schemas.microsoft.com/office/powerpoint/2010/main" val="4103309497"/>
+        <p14:creationId xmlns:p14="http://schemas.microsoft.com/office/powerpoint/2010/main" xmlns="" val="4103309497"/>
       </p:ext>
     </p:extLst>
   </p:cSld>
@@ -15864,11 +15888,7 @@
             </a:r>
             <a:r>
               <a:rPr lang="en-US" sz="2000" b="1" smtClean="0"/>
-              <a:t>modeli </a:t>
-            </a:r>
-            <a:r>
-              <a:rPr lang="en-US" sz="2000" b="1" smtClean="0"/>
-              <a:t>kovarijacije</a:t>
+              <a:t>modeli kovarijacije</a:t>
             </a:r>
             <a:r>
               <a:rPr lang="en-US" sz="2000" smtClean="0"/>
@@ -15880,15 +15900,7 @@
             </a:r>
             <a:r>
               <a:rPr lang="en-US" sz="2000" smtClean="0"/>
-              <a:t>kontekstno-slobodni </a:t>
-            </a:r>
-            <a:r>
-              <a:rPr lang="en-US" sz="2000" smtClean="0"/>
-              <a:t>pandan </a:t>
-            </a:r>
-            <a:r>
-              <a:rPr lang="en-US" sz="2000" smtClean="0"/>
-              <a:t>profilni</a:t>
+              <a:t>kontekstno-slobodni pandan profilni</a:t>
             </a:r>
             <a:r>
               <a:rPr lang="sr-Latn-RS" sz="2000" smtClean="0"/>
@@ -15896,21 +15908,12 @@
             </a:r>
             <a:r>
               <a:rPr lang="en-US" sz="2000" smtClean="0"/>
-              <a:t> </a:t>
-            </a:r>
-            <a:r>
-              <a:rPr lang="en-US" sz="2000" smtClean="0"/>
-              <a:t>HMM </a:t>
-            </a:r>
-            <a:r>
-              <a:rPr lang="en-US" sz="2000" smtClean="0"/>
-              <a:t>model</a:t>
+              <a:t> HMM model</a:t>
             </a:r>
             <a:r>
               <a:rPr lang="sr-Latn-RS" sz="2000" smtClean="0"/>
               <a:t>ima</a:t>
             </a:r>
-            <a:endParaRPr lang="sr-Latn-RS" sz="2000" smtClean="0"/>
           </a:p>
           <a:p>
             <a:pPr algn="l"/>
@@ -15936,11 +15939,7 @@
             </a:r>
             <a:r>
               <a:rPr lang="en-US" sz="2000" smtClean="0"/>
-              <a:t> </a:t>
-            </a:r>
-            <a:r>
-              <a:rPr lang="en-US" sz="2000" smtClean="0"/>
-              <a:t>arhitektura, kovarijacioni modeli imaju </a:t>
+              <a:t> arhitektura, kovarijacioni modeli imaju </a:t>
             </a:r>
             <a:r>
               <a:rPr lang="en-US" sz="2000" u="sng" smtClean="0"/>
@@ -15952,11 +15951,7 @@
             </a:r>
             <a:r>
               <a:rPr lang="sr-Latn-RS" sz="2000" smtClean="0"/>
-              <a:t>,</a:t>
-            </a:r>
-            <a:r>
-              <a:rPr lang="sr-Latn-RS" sz="2000" smtClean="0"/>
-              <a:t> </a:t>
+              <a:t>, </a:t>
             </a:r>
             <a:r>
               <a:rPr lang="en-US" sz="2000" smtClean="0"/>
@@ -16785,7 +16780,7 @@
     </p:spTree>
     <p:extLst>
       <p:ext uri="{BB962C8B-B14F-4D97-AF65-F5344CB8AC3E}">
-        <p14:creationId xmlns="" xmlns:p14="http://schemas.microsoft.com/office/powerpoint/2010/main" val="1101633878"/>
+        <p14:creationId xmlns:p14="http://schemas.microsoft.com/office/powerpoint/2010/main" xmlns="" val="1101633878"/>
       </p:ext>
     </p:extLst>
   </p:cSld>
@@ -17244,7 +17239,7 @@
     </p:spTree>
     <p:extLst>
       <p:ext uri="{BB962C8B-B14F-4D97-AF65-F5344CB8AC3E}">
-        <p14:creationId xmlns="" xmlns:p14="http://schemas.microsoft.com/office/powerpoint/2010/main" val="4170783713"/>
+        <p14:creationId xmlns:p14="http://schemas.microsoft.com/office/powerpoint/2010/main" xmlns="" val="4170783713"/>
       </p:ext>
     </p:extLst>
   </p:cSld>
@@ -19581,7 +19576,7 @@
     </p:spTree>
     <p:extLst>
       <p:ext uri="{BB962C8B-B14F-4D97-AF65-F5344CB8AC3E}">
-        <p14:creationId xmlns="" xmlns:p14="http://schemas.microsoft.com/office/powerpoint/2010/main" val="1101633878"/>
+        <p14:creationId xmlns:p14="http://schemas.microsoft.com/office/powerpoint/2010/main" xmlns="" val="1101633878"/>
       </p:ext>
     </p:extLst>
   </p:cSld>
@@ -21689,7 +21684,7 @@
   <a:extraClrSchemeLst/>
   <a:extLst>
     <a:ext uri="{05A4C25C-085E-4340-85A3-A5531E510DB2}">
-      <thm15:themeFamily xmlns="" xmlns:thm15="http://schemas.microsoft.com/office/thememl/2012/main" name="Office Theme" id="{62F939B6-93AF-4DB8-9C6B-D6C7DFDC589F}" vid="{4A3C46E8-61CC-4603-A589-7422A47A8E4A}"/>
+      <thm15:themeFamily xmlns:thm15="http://schemas.microsoft.com/office/thememl/2012/main" xmlns="" name="Office Theme" id="{62F939B6-93AF-4DB8-9C6B-D6C7DFDC589F}" vid="{4A3C46E8-61CC-4603-A589-7422A47A8E4A}"/>
     </a:ext>
   </a:extLst>
 </a:theme>

--- a/slajdovi/Sekvence-slajdovi.pptx
+++ b/slajdovi/Sekvence-slajdovi.pptx
@@ -274,7 +274,7 @@
             <a:fld id="{C8D18E60-4300-4729-A0D7-6AB984C3922D}" type="datetimeFigureOut">
               <a:rPr lang="en-US" smtClean="0"/>
               <a:pPr/>
-              <a:t>3/21/2022</a:t>
+              <a:t>3/23/2022</a:t>
             </a:fld>
             <a:endParaRPr lang="en-US"/>
           </a:p>
@@ -1023,7 +1023,7 @@
             <a:fld id="{39D1B387-0987-475E-A44C-8E43D1E66348}" type="datetime1">
               <a:rPr lang="en-US" smtClean="0"/>
               <a:pPr/>
-              <a:t>3/21/2022</a:t>
+              <a:t>3/23/2022</a:t>
             </a:fld>
             <a:endParaRPr lang="en-US"/>
           </a:p>
@@ -1277,7 +1277,7 @@
             <a:fld id="{9A8D2A00-EF96-4478-983D-C2757B115521}" type="datetime1">
               <a:rPr lang="en-US" smtClean="0"/>
               <a:pPr/>
-              <a:t>3/21/2022</a:t>
+              <a:t>3/23/2022</a:t>
             </a:fld>
             <a:endParaRPr lang="en-US"/>
           </a:p>
@@ -1447,7 +1447,7 @@
             <a:fld id="{9764A68B-C2FA-41FD-896E-33925593A6F4}" type="datetime1">
               <a:rPr lang="en-US" smtClean="0"/>
               <a:pPr/>
-              <a:t>3/21/2022</a:t>
+              <a:t>3/23/2022</a:t>
             </a:fld>
             <a:endParaRPr lang="en-US"/>
           </a:p>
@@ -1627,7 +1627,7 @@
             <a:fld id="{AACDA918-A5C9-40E0-9B4A-7C79FD61810A}" type="datetime1">
               <a:rPr lang="en-US" smtClean="0"/>
               <a:pPr/>
-              <a:t>3/21/2022</a:t>
+              <a:t>3/23/2022</a:t>
             </a:fld>
             <a:endParaRPr lang="en-US"/>
           </a:p>
@@ -1909,7 +1909,7 @@
             <a:fld id="{747D24E3-077D-4D69-AD42-B07808F68F61}" type="datetime1">
               <a:rPr lang="en-US" smtClean="0"/>
               <a:pPr/>
-              <a:t>3/21/2022</a:t>
+              <a:t>3/23/2022</a:t>
             </a:fld>
             <a:endParaRPr lang="en-US"/>
           </a:p>
@@ -2156,7 +2156,7 @@
             <a:fld id="{636083D5-B67A-4225-AAA2-6F01CF6D424C}" type="datetime1">
               <a:rPr lang="en-US" smtClean="0"/>
               <a:pPr/>
-              <a:t>3/21/2022</a:t>
+              <a:t>3/23/2022</a:t>
             </a:fld>
             <a:endParaRPr lang="en-US"/>
           </a:p>
@@ -2403,7 +2403,7 @@
             <a:fld id="{73928DCF-F7A2-4748-BB72-06999F11213D}" type="datetime1">
               <a:rPr lang="en-US" smtClean="0"/>
               <a:pPr/>
-              <a:t>3/21/2022</a:t>
+              <a:t>3/23/2022</a:t>
             </a:fld>
             <a:endParaRPr lang="en-US"/>
           </a:p>
@@ -2690,7 +2690,7 @@
             <a:fld id="{90205E56-E38D-46C9-A2E9-E671355C230D}" type="datetime1">
               <a:rPr lang="en-US" smtClean="0"/>
               <a:pPr/>
-              <a:t>3/21/2022</a:t>
+              <a:t>3/23/2022</a:t>
             </a:fld>
             <a:endParaRPr lang="en-US"/>
           </a:p>
@@ -3177,7 +3177,7 @@
             <a:fld id="{E0DA31E1-6E12-45B7-946E-E05012D25D75}" type="datetime1">
               <a:rPr lang="en-US" smtClean="0"/>
               <a:pPr/>
-              <a:t>3/21/2022</a:t>
+              <a:t>3/23/2022</a:t>
             </a:fld>
             <a:endParaRPr lang="en-US"/>
           </a:p>
@@ -3296,7 +3296,7 @@
             <a:fld id="{643C8838-C48B-4231-AB13-37B2479B4260}" type="datetime1">
               <a:rPr lang="en-US" smtClean="0"/>
               <a:pPr/>
-              <a:t>3/21/2022</a:t>
+              <a:t>3/23/2022</a:t>
             </a:fld>
             <a:endParaRPr lang="en-US"/>
           </a:p>
@@ -3393,7 +3393,7 @@
             <a:fld id="{CE7EA821-DE7D-4906-8738-B4CFB23A70B1}" type="datetime1">
               <a:rPr lang="en-US" smtClean="0"/>
               <a:pPr/>
-              <a:t>3/21/2022</a:t>
+              <a:t>3/23/2022</a:t>
             </a:fld>
             <a:endParaRPr lang="en-US"/>
           </a:p>
@@ -3670,7 +3670,7 @@
             <a:fld id="{619AD8AE-A05F-4713-8B44-D300FDAF5512}" type="datetime1">
               <a:rPr lang="en-US" smtClean="0"/>
               <a:pPr/>
-              <a:t>3/21/2022</a:t>
+              <a:t>3/23/2022</a:t>
             </a:fld>
             <a:endParaRPr lang="en-US"/>
           </a:p>
@@ -3892,7 +3892,7 @@
             <a:fld id="{96424311-E45F-4887-85C2-7D10BAB3B54C}" type="datetime1">
               <a:rPr lang="en-US" smtClean="0"/>
               <a:pPr/>
-              <a:t>3/21/2022</a:t>
+              <a:t>3/23/2022</a:t>
             </a:fld>
             <a:endParaRPr lang="en-US"/>
           </a:p>
@@ -12459,11 +12459,7 @@
             </a:r>
             <a:r>
               <a:rPr lang="sr-Latn-RS" sz="2000" smtClean="0"/>
-              <a:t>kao zbirnu verovatnoću </a:t>
-            </a:r>
-            <a:r>
-              <a:rPr lang="sr-Latn-RS" sz="2000" smtClean="0"/>
-              <a:t>s</a:t>
+              <a:t>kao zbirnu verovatnoću s</a:t>
             </a:r>
             <a:r>
               <a:rPr lang="en-US" sz="2000" smtClean="0"/>
@@ -12471,11 +12467,7 @@
             </a:r>
             <a:r>
               <a:rPr lang="sr-Latn-RS" sz="2000" smtClean="0"/>
-              <a:t>ih </a:t>
-            </a:r>
-            <a:r>
-              <a:rPr lang="sr-Latn-RS" sz="2000" smtClean="0"/>
-              <a:t>s</a:t>
+              <a:t>ih s</a:t>
             </a:r>
             <a:r>
               <a:rPr lang="en-US" sz="2000" smtClean="0"/>
@@ -12859,17 +12851,12 @@
             </a:r>
             <a:r>
               <a:rPr lang="en-US" sz="2000" smtClean="0"/>
-              <a:t>enja) za datu </a:t>
-            </a:r>
-            <a:r>
-              <a:rPr lang="en-US" sz="2000" smtClean="0"/>
-              <a:t>sekvencu</a:t>
+              <a:t>enja) za datu sekvencu</a:t>
             </a:r>
             <a:r>
               <a:rPr lang="sr-Latn-RS" sz="2000" smtClean="0"/>
               <a:t>, čime rešava jedan zadatak modela</a:t>
             </a:r>
-            <a:endParaRPr lang="sr-Latn-RS" sz="2000" smtClean="0"/>
           </a:p>
           <a:p>
             <a:pPr algn="l"/>
@@ -16097,7 +16084,23 @@
             </a:r>
             <a:r>
               <a:rPr lang="sr-Latn-RS" sz="2000" smtClean="0"/>
-              <a:t> generativnih PCFG, moguće je koristiti i diskriminativne CPCFG, koji pridružuju atribute (npr. </a:t>
+              <a:t> generativnih PCFG, moguće je koristiti i diskriminativne CPCFG, </a:t>
+            </a:r>
+            <a:r>
+              <a:rPr lang="sr-Latn-RS" sz="2000" smtClean="0"/>
+              <a:t>koj</a:t>
+            </a:r>
+            <a:r>
+              <a:rPr lang="en-US" sz="2000" smtClean="0"/>
+              <a:t>e</a:t>
+            </a:r>
+            <a:r>
+              <a:rPr lang="sr-Latn-RS" sz="2000" smtClean="0"/>
+              <a:t> </a:t>
+            </a:r>
+            <a:r>
+              <a:rPr lang="sr-Latn-RS" sz="2000" smtClean="0"/>
+              <a:t>pridružuju atribute (npr. </a:t>
             </a:r>
             <a:r>
               <a:rPr lang="en-US" sz="2000" smtClean="0"/>
@@ -20182,7 +20185,15 @@
             </a:r>
             <a:r>
               <a:rPr lang="sr-Latn-RS" sz="1900" smtClean="0"/>
-              <a:t> repozitorujum</a:t>
+              <a:t> repozitor</a:t>
+            </a:r>
+            <a:r>
+              <a:rPr lang="en-US" sz="1900" smtClean="0"/>
+              <a:t>i</a:t>
+            </a:r>
+            <a:r>
+              <a:rPr lang="sr-Latn-RS" sz="1900" smtClean="0"/>
+              <a:t>jum</a:t>
             </a:r>
             <a:r>
               <a:rPr lang="en-US" sz="1900" smtClean="0"/>
